--- a/Documents/Other Docs/SMS Group - Slide Thẩm định đồ án.pptx
+++ b/Documents/Other Docs/SMS Group - Slide Thẩm định đồ án.pptx
@@ -10,12 +10,12 @@
   <p:sldIdLst>
     <p:sldId id="256" r:id="rId2"/>
     <p:sldId id="257" r:id="rId3"/>
-    <p:sldId id="282" r:id="rId4"/>
-    <p:sldId id="297" r:id="rId5"/>
-    <p:sldId id="283" r:id="rId6"/>
-    <p:sldId id="284" r:id="rId7"/>
-    <p:sldId id="285" r:id="rId8"/>
-    <p:sldId id="286" r:id="rId9"/>
+    <p:sldId id="298" r:id="rId4"/>
+    <p:sldId id="299" r:id="rId5"/>
+    <p:sldId id="301" r:id="rId6"/>
+    <p:sldId id="302" r:id="rId7"/>
+    <p:sldId id="283" r:id="rId8"/>
+    <p:sldId id="300" r:id="rId9"/>
     <p:sldId id="287" r:id="rId10"/>
     <p:sldId id="288" r:id="rId11"/>
     <p:sldId id="289" r:id="rId12"/>
@@ -154,6 +154,22 @@
       </a:defRPr>
     </a:lvl9pPr>
   </p:defaultTextStyle>
+  <p:extLst>
+    <p:ext uri="{EFAFB233-063F-42B5-8137-9DF3F51BA10A}">
+      <p15:sldGuideLst xmlns:p15="http://schemas.microsoft.com/office/powerpoint/2012/main">
+        <p15:guide id="1" orient="horz" pos="2160">
+          <p15:clr>
+            <a:srgbClr val="A4A3A4"/>
+          </p15:clr>
+        </p15:guide>
+        <p15:guide id="2" pos="2880">
+          <p15:clr>
+            <a:srgbClr val="A4A3A4"/>
+          </p15:clr>
+        </p15:guide>
+      </p15:sldGuideLst>
+    </p:ext>
+  </p:extLst>
 </p:presentation>
 </file>
 
@@ -15199,43 +15215,6 @@
         </a:p>
       </dgm:t>
     </dgm:pt>
-    <dgm:pt modelId="{B784762A-845D-4F65-BEAD-0D448C6BBE1C}">
-      <dgm:prSet phldrT="[Text]"/>
-      <dgm:spPr/>
-      <dgm:t>
-        <a:bodyPr/>
-        <a:lstStyle/>
-        <a:p>
-          <a:r>
-            <a:rPr lang="en-US" dirty="0" smtClean="0"/>
-            <a:t>Ideal</a:t>
-          </a:r>
-          <a:endParaRPr lang="en-US" dirty="0"/>
-        </a:p>
-      </dgm:t>
-    </dgm:pt>
-    <dgm:pt modelId="{10A98B37-E73C-4A98-838C-BAC22C2C44F7}" type="parTrans" cxnId="{6DF6BE29-4D9B-48EF-91C7-06847187952C}">
-      <dgm:prSet/>
-      <dgm:spPr/>
-      <dgm:t>
-        <a:bodyPr/>
-        <a:lstStyle/>
-        <a:p>
-          <a:endParaRPr lang="en-US"/>
-        </a:p>
-      </dgm:t>
-    </dgm:pt>
-    <dgm:pt modelId="{EFDB4BC5-B559-4694-AA32-B01EE90FCEF2}" type="sibTrans" cxnId="{6DF6BE29-4D9B-48EF-91C7-06847187952C}">
-      <dgm:prSet/>
-      <dgm:spPr/>
-      <dgm:t>
-        <a:bodyPr/>
-        <a:lstStyle/>
-        <a:p>
-          <a:endParaRPr lang="en-US"/>
-        </a:p>
-      </dgm:t>
-    </dgm:pt>
     <dgm:pt modelId="{CE1F9D91-3E6B-400C-A016-E00B430E9921}">
       <dgm:prSet phldrT="[Text]"/>
       <dgm:spPr/>
@@ -15309,6 +15288,29 @@
           <a:endParaRPr lang="en-US"/>
         </a:p>
       </dgm:t>
+    </dgm:pt>
+    <dgm:pt modelId="{C6318B6E-EBFE-4423-9DA8-C029F4CF20DF}">
+      <dgm:prSet phldrT="[Text]"/>
+      <dgm:spPr/>
+      <dgm:t>
+        <a:bodyPr/>
+        <a:lstStyle/>
+        <a:p>
+          <a:r>
+            <a:rPr lang="en-US" dirty="0" smtClean="0"/>
+            <a:t>Idea</a:t>
+          </a:r>
+          <a:endParaRPr lang="en-US" dirty="0"/>
+        </a:p>
+      </dgm:t>
+    </dgm:pt>
+    <dgm:pt modelId="{1D025BA5-2B3E-41FB-BF41-E5D26AB63BBF}" type="parTrans" cxnId="{5D3CBB64-154E-4557-BEA1-3E1B87C879A5}">
+      <dgm:prSet/>
+      <dgm:spPr/>
+    </dgm:pt>
+    <dgm:pt modelId="{C530F236-0A86-4556-B119-5EDE389442E9}" type="sibTrans" cxnId="{5D3CBB64-154E-4557-BEA1-3E1B87C879A5}">
+      <dgm:prSet/>
+      <dgm:spPr/>
     </dgm:pt>
     <dgm:pt modelId="{811D6028-8AF2-4870-98CF-5F324402C3B0}" type="pres">
       <dgm:prSet presAssocID="{69577FF8-FECE-47D1-85A6-FB9318A47840}" presName="linear" presStyleCnt="0">
@@ -15477,12 +15479,13 @@
     <dgm:cxn modelId="{8BED157B-510C-4C6F-9B7D-821608FB9F2E}" type="presOf" srcId="{69577FF8-FECE-47D1-85A6-FB9318A47840}" destId="{811D6028-8AF2-4870-98CF-5F324402C3B0}" srcOrd="0" destOrd="0" presId="urn:microsoft.com/office/officeart/2005/8/layout/list1"/>
     <dgm:cxn modelId="{FDE52297-07FC-40BF-96F6-540D9939B99F}" type="presOf" srcId="{2D192068-9CEE-49C5-9D88-52C90875E76C}" destId="{BD89EB69-B008-432F-BD3E-90A8D4169C12}" srcOrd="1" destOrd="0" presId="urn:microsoft.com/office/officeart/2005/8/layout/list1"/>
     <dgm:cxn modelId="{45DF36C0-2268-4685-8583-37F737133679}" type="presOf" srcId="{4A0436C1-8E31-4FB1-B1E3-93D405FE0233}" destId="{F334FF36-15E9-4CB6-993D-C4DE6174F582}" srcOrd="1" destOrd="0" presId="urn:microsoft.com/office/officeart/2005/8/layout/list1"/>
-    <dgm:cxn modelId="{6DF6BE29-4D9B-48EF-91C7-06847187952C}" srcId="{2D192068-9CEE-49C5-9D88-52C90875E76C}" destId="{B784762A-845D-4F65-BEAD-0D448C6BBE1C}" srcOrd="1" destOrd="0" parTransId="{10A98B37-E73C-4A98-838C-BAC22C2C44F7}" sibTransId="{EFDB4BC5-B559-4694-AA32-B01EE90FCEF2}"/>
-    <dgm:cxn modelId="{AFC8F681-72C3-4ABA-8185-4CF1B9E53EC3}" srcId="{2D192068-9CEE-49C5-9D88-52C90875E76C}" destId="{5CF869AF-F09B-4406-8E70-2A0B6881EE86}" srcOrd="0" destOrd="0" parTransId="{5BE5A572-54E1-49CC-895B-A9434DBDB4B7}" sibTransId="{9E6CE2D8-DBD0-4621-BDC8-27E6DA68C160}"/>
+    <dgm:cxn modelId="{1A5DD91D-3CF4-47EB-BD4B-167D40FE92D8}" type="presOf" srcId="{C6318B6E-EBFE-4423-9DA8-C029F4CF20DF}" destId="{661BA2EE-58AD-48FE-88C3-F24DCF9CD8C6}" srcOrd="0" destOrd="0" presId="urn:microsoft.com/office/officeart/2005/8/layout/list1"/>
+    <dgm:cxn modelId="{AFC8F681-72C3-4ABA-8185-4CF1B9E53EC3}" srcId="{2D192068-9CEE-49C5-9D88-52C90875E76C}" destId="{5CF869AF-F09B-4406-8E70-2A0B6881EE86}" srcOrd="1" destOrd="0" parTransId="{5BE5A572-54E1-49CC-895B-A9434DBDB4B7}" sibTransId="{9E6CE2D8-DBD0-4621-BDC8-27E6DA68C160}"/>
     <dgm:cxn modelId="{6799CEA9-4CC1-4DAC-9F1C-59C10B93981C}" srcId="{69577FF8-FECE-47D1-85A6-FB9318A47840}" destId="{071F0B74-C3E2-44A5-8B1C-EA701EB714D9}" srcOrd="2" destOrd="0" parTransId="{C33F192F-B427-48F5-A044-AF5989BC72EF}" sibTransId="{4B2D5A76-295E-4CF5-8473-E85932284950}"/>
-    <dgm:cxn modelId="{B380AC09-B261-42F7-9412-0A4C8151247F}" type="presOf" srcId="{5CF869AF-F09B-4406-8E70-2A0B6881EE86}" destId="{661BA2EE-58AD-48FE-88C3-F24DCF9CD8C6}" srcOrd="0" destOrd="0" presId="urn:microsoft.com/office/officeart/2005/8/layout/list1"/>
+    <dgm:cxn modelId="{B380AC09-B261-42F7-9412-0A4C8151247F}" type="presOf" srcId="{5CF869AF-F09B-4406-8E70-2A0B6881EE86}" destId="{661BA2EE-58AD-48FE-88C3-F24DCF9CD8C6}" srcOrd="0" destOrd="1" presId="urn:microsoft.com/office/officeart/2005/8/layout/list1"/>
     <dgm:cxn modelId="{EA3CAC24-5AF4-4857-8B83-A500B7AFE959}" type="presOf" srcId="{72F6A6FF-A8F9-4303-8D34-D7023CA332A0}" destId="{661BA2EE-58AD-48FE-88C3-F24DCF9CD8C6}" srcOrd="0" destOrd="3" presId="urn:microsoft.com/office/officeart/2005/8/layout/list1"/>
     <dgm:cxn modelId="{7D2D3508-A639-45C9-8B65-3BB3F5803BFD}" type="presOf" srcId="{CE1F9D91-3E6B-400C-A016-E00B430E9921}" destId="{661BA2EE-58AD-48FE-88C3-F24DCF9CD8C6}" srcOrd="0" destOrd="2" presId="urn:microsoft.com/office/officeart/2005/8/layout/list1"/>
+    <dgm:cxn modelId="{5D3CBB64-154E-4557-BEA1-3E1B87C879A5}" srcId="{2D192068-9CEE-49C5-9D88-52C90875E76C}" destId="{C6318B6E-EBFE-4423-9DA8-C029F4CF20DF}" srcOrd="0" destOrd="0" parTransId="{1D025BA5-2B3E-41FB-BF41-E5D26AB63BBF}" sibTransId="{C530F236-0A86-4556-B119-5EDE389442E9}"/>
     <dgm:cxn modelId="{DC894F5D-520D-44A1-9030-855F6EC72A75}" srcId="{2D192068-9CEE-49C5-9D88-52C90875E76C}" destId="{72F6A6FF-A8F9-4303-8D34-D7023CA332A0}" srcOrd="3" destOrd="0" parTransId="{99B3B2F4-25AF-4AC9-94D0-1B95A99F02CA}" sibTransId="{C9F75A32-C6EA-43BB-803A-2144308EA551}"/>
     <dgm:cxn modelId="{DF7CFB41-0BD3-43B4-808B-5EED6E5DDCD3}" type="presOf" srcId="{4A0436C1-8E31-4FB1-B1E3-93D405FE0233}" destId="{36BDBD32-D2AC-453C-85A1-801A769FBF85}" srcOrd="0" destOrd="0" presId="urn:microsoft.com/office/officeart/2005/8/layout/list1"/>
     <dgm:cxn modelId="{0B787C2B-1750-40CF-BCD2-3647A2A24C7D}" type="presOf" srcId="{071F0B74-C3E2-44A5-8B1C-EA701EB714D9}" destId="{54933845-31C8-4F30-A6AE-67FD61C6D205}" srcOrd="1" destOrd="0" presId="urn:microsoft.com/office/officeart/2005/8/layout/list1"/>
@@ -15490,7 +15493,6 @@
     <dgm:cxn modelId="{163D48ED-5157-495A-86AB-557D07C593F6}" srcId="{69577FF8-FECE-47D1-85A6-FB9318A47840}" destId="{2D192068-9CEE-49C5-9D88-52C90875E76C}" srcOrd="0" destOrd="0" parTransId="{9F678A12-CEE7-4BAF-948C-EDBC0D5269A1}" sibTransId="{B6E503EA-5CD8-4250-8ACA-C8BE2FBCC1A7}"/>
     <dgm:cxn modelId="{D6B1932D-9550-4BDC-88CC-7027767FE660}" type="presOf" srcId="{2D192068-9CEE-49C5-9D88-52C90875E76C}" destId="{365B1509-F378-4FA1-9DCD-85DC1C1C41D0}" srcOrd="0" destOrd="0" presId="urn:microsoft.com/office/officeart/2005/8/layout/list1"/>
     <dgm:cxn modelId="{6735231E-219D-4CA7-9366-7345B0A413DE}" type="presOf" srcId="{071F0B74-C3E2-44A5-8B1C-EA701EB714D9}" destId="{FDF6F9C9-190D-41FB-9A00-F992C453583B}" srcOrd="0" destOrd="0" presId="urn:microsoft.com/office/officeart/2005/8/layout/list1"/>
-    <dgm:cxn modelId="{2DFF5FE4-6822-4D2B-87B8-4C52D24C44C3}" type="presOf" srcId="{B784762A-845D-4F65-BEAD-0D448C6BBE1C}" destId="{661BA2EE-58AD-48FE-88C3-F24DCF9CD8C6}" srcOrd="0" destOrd="1" presId="urn:microsoft.com/office/officeart/2005/8/layout/list1"/>
     <dgm:cxn modelId="{CFBC4BBE-B61C-49DC-80CE-9603DA6C01C4}" type="presParOf" srcId="{811D6028-8AF2-4870-98CF-5F324402C3B0}" destId="{AA3C5632-C4CD-4BB7-8EE5-36D39F183220}" srcOrd="0" destOrd="0" presId="urn:microsoft.com/office/officeart/2005/8/layout/list1"/>
     <dgm:cxn modelId="{E55D509F-FE35-433C-8A3D-E3D7C82F5904}" type="presParOf" srcId="{AA3C5632-C4CD-4BB7-8EE5-36D39F183220}" destId="{365B1509-F378-4FA1-9DCD-85DC1C1C41D0}" srcOrd="0" destOrd="0" presId="urn:microsoft.com/office/officeart/2005/8/layout/list1"/>
     <dgm:cxn modelId="{1EA72438-8E25-4DCD-87A9-A44F38A9D93F}" type="presParOf" srcId="{AA3C5632-C4CD-4BB7-8EE5-36D39F183220}" destId="{BD89EB69-B008-432F-BD3E-90A8D4169C12}" srcOrd="1" destOrd="0" presId="urn:microsoft.com/office/officeart/2005/8/layout/list1"/>
@@ -17039,10 +17041,10 @@
         <a:lstStyle/>
         <a:p>
           <a:r>
-            <a:rPr lang="en-US" sz="3600" i="0" dirty="0" smtClean="0"/>
-            <a:t>Existing System</a:t>
+            <a:rPr lang="en-US" sz="3600" dirty="0" smtClean="0"/>
+            <a:t>Idea</a:t>
           </a:r>
-          <a:endParaRPr lang="en-US" sz="3600" i="0" dirty="0"/>
+          <a:endParaRPr lang="en-US" sz="4000" dirty="0"/>
         </a:p>
       </dgm:t>
     </dgm:pt>
@@ -17092,7 +17094,7 @@
       <dgm:spPr/>
     </dgm:pt>
     <dgm:pt modelId="{F2CC8820-8EFD-46A5-BF8C-C75425556499}" type="pres">
-      <dgm:prSet presAssocID="{10A886BE-3FDD-4E2B-B9CD-41BFFC52D625}" presName="FirstChild" presStyleLbl="revTx" presStyleIdx="0" presStyleCnt="1" custScaleX="78925" custLinFactNeighborX="51467" custLinFactNeighborY="1169">
+      <dgm:prSet presAssocID="{10A886BE-3FDD-4E2B-B9CD-41BFFC52D625}" presName="FirstChild" presStyleLbl="revTx" presStyleIdx="0" presStyleCnt="1" custScaleX="71291" custLinFactNeighborX="51467" custLinFactNeighborY="1169">
         <dgm:presLayoutVars>
           <dgm:chMax val="0"/>
           <dgm:chPref val="0"/>
@@ -17109,7 +17111,7 @@
       </dgm:t>
     </dgm:pt>
     <dgm:pt modelId="{EA84A2B0-ACF9-4FE0-8724-46A1A7116719}" type="pres">
-      <dgm:prSet presAssocID="{10A886BE-3FDD-4E2B-B9CD-41BFFC52D625}" presName="Parent" presStyleLbl="alignNode1" presStyleIdx="0" presStyleCnt="1" custScaleX="175212">
+      <dgm:prSet presAssocID="{10A886BE-3FDD-4E2B-B9CD-41BFFC52D625}" presName="Parent" presStyleLbl="alignNode1" presStyleIdx="0" presStyleCnt="1" custScaleX="212573">
         <dgm:presLayoutVars>
           <dgm:chMax val="3"/>
           <dgm:chPref val="3"/>
@@ -17131,27 +17133,198 @@
     </dgm:pt>
   </dgm:ptLst>
   <dgm:cxnLst>
-    <dgm:cxn modelId="{0D80B984-0A2D-4C14-B6ED-D680A2EC25DA}" type="presOf" srcId="{10A886BE-3FDD-4E2B-B9CD-41BFFC52D625}" destId="{EA84A2B0-ACF9-4FE0-8724-46A1A7116719}" srcOrd="0" destOrd="0" presId="urn:microsoft.com/office/officeart/2011/layout/TabList"/>
-    <dgm:cxn modelId="{BD2C355D-DEFB-4BBE-AAF1-C40201774C09}" type="presOf" srcId="{6ABFC51C-B6A2-4B37-8757-41D0A46C48A3}" destId="{F2CC8820-8EFD-46A5-BF8C-C75425556499}" srcOrd="0" destOrd="0" presId="urn:microsoft.com/office/officeart/2011/layout/TabList"/>
     <dgm:cxn modelId="{B5F5ED2A-BB8E-4EC2-8DEC-BF309CDB665A}" srcId="{10A886BE-3FDD-4E2B-B9CD-41BFFC52D625}" destId="{6ABFC51C-B6A2-4B37-8757-41D0A46C48A3}" srcOrd="0" destOrd="0" parTransId="{46B10605-10BC-444F-9410-DD0CF82A1A11}" sibTransId="{D947CDF1-4BE5-4926-BB54-F39D1BA4A98A}"/>
     <dgm:cxn modelId="{E5888D65-3575-4F52-A11F-A9AC79EE46D5}" srcId="{769B6C3A-7D91-448B-BFAE-23452E779E6C}" destId="{10A886BE-3FDD-4E2B-B9CD-41BFFC52D625}" srcOrd="0" destOrd="0" parTransId="{30837BC2-89CE-4519-A7BE-1B5DFB6C373A}" sibTransId="{DBD27DE8-3C61-472E-898A-EED87729A639}"/>
-    <dgm:cxn modelId="{31F21702-1BBF-4CA3-B468-F4DA828DF66E}" type="presOf" srcId="{769B6C3A-7D91-448B-BFAE-23452E779E6C}" destId="{86ADB2AD-438C-422D-9149-B688BC940569}" srcOrd="0" destOrd="0" presId="urn:microsoft.com/office/officeart/2011/layout/TabList"/>
-    <dgm:cxn modelId="{9D65FE5E-EF70-4756-99A8-3E89FE0DD880}" type="presParOf" srcId="{86ADB2AD-438C-422D-9149-B688BC940569}" destId="{A3B9330F-AE03-40D3-AED0-11299DACAFE6}" srcOrd="0" destOrd="0" presId="urn:microsoft.com/office/officeart/2011/layout/TabList"/>
-    <dgm:cxn modelId="{22833622-5C51-4014-9A0A-1B0939AA0485}" type="presParOf" srcId="{A3B9330F-AE03-40D3-AED0-11299DACAFE6}" destId="{F2CC8820-8EFD-46A5-BF8C-C75425556499}" srcOrd="0" destOrd="0" presId="urn:microsoft.com/office/officeart/2011/layout/TabList"/>
-    <dgm:cxn modelId="{CB32E5ED-F874-473B-95C0-EB89E78541AB}" type="presParOf" srcId="{A3B9330F-AE03-40D3-AED0-11299DACAFE6}" destId="{EA84A2B0-ACF9-4FE0-8724-46A1A7116719}" srcOrd="1" destOrd="0" presId="urn:microsoft.com/office/officeart/2011/layout/TabList"/>
-    <dgm:cxn modelId="{E4C83117-3E8C-4F93-AFD9-EED921B17463}" type="presParOf" srcId="{A3B9330F-AE03-40D3-AED0-11299DACAFE6}" destId="{AAC65FED-B913-4225-A0F5-06504ED03AD3}" srcOrd="2" destOrd="0" presId="urn:microsoft.com/office/officeart/2011/layout/TabList"/>
+    <dgm:cxn modelId="{6E022475-E930-40A3-AFEF-0A0758E87C4D}" type="presOf" srcId="{769B6C3A-7D91-448B-BFAE-23452E779E6C}" destId="{86ADB2AD-438C-422D-9149-B688BC940569}" srcOrd="0" destOrd="0" presId="urn:microsoft.com/office/officeart/2011/layout/TabList"/>
+    <dgm:cxn modelId="{CDD14BFB-1DE8-48A3-8AD7-B06E64A084BA}" type="presOf" srcId="{10A886BE-3FDD-4E2B-B9CD-41BFFC52D625}" destId="{EA84A2B0-ACF9-4FE0-8724-46A1A7116719}" srcOrd="0" destOrd="0" presId="urn:microsoft.com/office/officeart/2011/layout/TabList"/>
+    <dgm:cxn modelId="{D93A2FF8-C60F-428B-904B-F7E62237C984}" type="presOf" srcId="{6ABFC51C-B6A2-4B37-8757-41D0A46C48A3}" destId="{F2CC8820-8EFD-46A5-BF8C-C75425556499}" srcOrd="0" destOrd="0" presId="urn:microsoft.com/office/officeart/2011/layout/TabList"/>
+    <dgm:cxn modelId="{5F9B49B6-554E-4B7D-B201-AB371C3FADCA}" type="presParOf" srcId="{86ADB2AD-438C-422D-9149-B688BC940569}" destId="{A3B9330F-AE03-40D3-AED0-11299DACAFE6}" srcOrd="0" destOrd="0" presId="urn:microsoft.com/office/officeart/2011/layout/TabList"/>
+    <dgm:cxn modelId="{844882B1-93D2-4773-B0C8-A8FEDF63C3B7}" type="presParOf" srcId="{A3B9330F-AE03-40D3-AED0-11299DACAFE6}" destId="{F2CC8820-8EFD-46A5-BF8C-C75425556499}" srcOrd="0" destOrd="0" presId="urn:microsoft.com/office/officeart/2011/layout/TabList"/>
+    <dgm:cxn modelId="{56B15B1B-A536-40C1-A2D7-78F77370D9F0}" type="presParOf" srcId="{A3B9330F-AE03-40D3-AED0-11299DACAFE6}" destId="{EA84A2B0-ACF9-4FE0-8724-46A1A7116719}" srcOrd="1" destOrd="0" presId="urn:microsoft.com/office/officeart/2011/layout/TabList"/>
+    <dgm:cxn modelId="{2D716594-F8D7-4D66-B6BB-64D7AC13F9B1}" type="presParOf" srcId="{A3B9330F-AE03-40D3-AED0-11299DACAFE6}" destId="{AAC65FED-B913-4225-A0F5-06504ED03AD3}" srcOrd="2" destOrd="0" presId="urn:microsoft.com/office/officeart/2011/layout/TabList"/>
   </dgm:cxnLst>
   <dgm:bg/>
   <dgm:whole/>
   <dgm:extLst>
     <a:ext uri="http://schemas.microsoft.com/office/drawing/2008/diagram">
-      <dsp:dataModelExt xmlns:dsp="http://schemas.microsoft.com/office/drawing/2008/diagram" relId="rId8" minVer="http://schemas.openxmlformats.org/drawingml/2006/diagram"/>
+      <dsp:dataModelExt xmlns:dsp="http://schemas.microsoft.com/office/drawing/2008/diagram" relId="rId7" minVer="http://schemas.openxmlformats.org/drawingml/2006/diagram"/>
     </a:ext>
   </dgm:extLst>
 </dgm:dataModel>
 </file>
 
 <file path=ppt/diagrams/data4.xml><?xml version="1.0" encoding="utf-8"?>
+<dgm:dataModel xmlns:dgm="http://schemas.openxmlformats.org/drawingml/2006/diagram" xmlns:a="http://schemas.openxmlformats.org/drawingml/2006/main">
+  <dgm:ptLst>
+    <dgm:pt modelId="{769B6C3A-7D91-448B-BFAE-23452E779E6C}" type="doc">
+      <dgm:prSet loTypeId="urn:microsoft.com/office/officeart/2011/layout/TabList" loCatId="list" qsTypeId="urn:microsoft.com/office/officeart/2005/8/quickstyle/simple3" qsCatId="simple" csTypeId="urn:microsoft.com/office/officeart/2005/8/colors/accent3_5" csCatId="accent3" phldr="1"/>
+      <dgm:spPr/>
+      <dgm:t>
+        <a:bodyPr/>
+        <a:lstStyle/>
+        <a:p>
+          <a:endParaRPr lang="en-US"/>
+        </a:p>
+      </dgm:t>
+    </dgm:pt>
+    <dgm:pt modelId="{10A886BE-3FDD-4E2B-B9CD-41BFFC52D625}">
+      <dgm:prSet phldrT="[Text]" custT="1"/>
+      <dgm:spPr/>
+      <dgm:t>
+        <a:bodyPr/>
+        <a:lstStyle/>
+        <a:p>
+          <a:r>
+            <a:rPr lang="en-US" sz="4000" dirty="0" smtClean="0"/>
+            <a:t>Introduction</a:t>
+          </a:r>
+          <a:endParaRPr lang="en-US" sz="4000" dirty="0"/>
+        </a:p>
+      </dgm:t>
+    </dgm:pt>
+    <dgm:pt modelId="{30837BC2-89CE-4519-A7BE-1B5DFB6C373A}" type="parTrans" cxnId="{E5888D65-3575-4F52-A11F-A9AC79EE46D5}">
+      <dgm:prSet/>
+      <dgm:spPr/>
+      <dgm:t>
+        <a:bodyPr/>
+        <a:lstStyle/>
+        <a:p>
+          <a:endParaRPr lang="en-US"/>
+        </a:p>
+      </dgm:t>
+    </dgm:pt>
+    <dgm:pt modelId="{DBD27DE8-3C61-472E-898A-EED87729A639}" type="sibTrans" cxnId="{E5888D65-3575-4F52-A11F-A9AC79EE46D5}">
+      <dgm:prSet/>
+      <dgm:spPr/>
+      <dgm:t>
+        <a:bodyPr/>
+        <a:lstStyle/>
+        <a:p>
+          <a:endParaRPr lang="en-US"/>
+        </a:p>
+      </dgm:t>
+    </dgm:pt>
+    <dgm:pt modelId="{6ABFC51C-B6A2-4B37-8757-41D0A46C48A3}">
+      <dgm:prSet phldrT="[Text]" custT="1"/>
+      <dgm:spPr/>
+      <dgm:t>
+        <a:bodyPr/>
+        <a:lstStyle/>
+        <a:p>
+          <a:r>
+            <a:rPr lang="en-US" sz="3600" dirty="0" smtClean="0"/>
+            <a:t>Idea</a:t>
+          </a:r>
+          <a:endParaRPr lang="en-US" sz="4000" dirty="0"/>
+        </a:p>
+      </dgm:t>
+    </dgm:pt>
+    <dgm:pt modelId="{46B10605-10BC-444F-9410-DD0CF82A1A11}" type="parTrans" cxnId="{B5F5ED2A-BB8E-4EC2-8DEC-BF309CDB665A}">
+      <dgm:prSet/>
+      <dgm:spPr/>
+      <dgm:t>
+        <a:bodyPr/>
+        <a:lstStyle/>
+        <a:p>
+          <a:endParaRPr lang="en-US"/>
+        </a:p>
+      </dgm:t>
+    </dgm:pt>
+    <dgm:pt modelId="{D947CDF1-4BE5-4926-BB54-F39D1BA4A98A}" type="sibTrans" cxnId="{B5F5ED2A-BB8E-4EC2-8DEC-BF309CDB665A}">
+      <dgm:prSet/>
+      <dgm:spPr/>
+      <dgm:t>
+        <a:bodyPr/>
+        <a:lstStyle/>
+        <a:p>
+          <a:endParaRPr lang="en-US"/>
+        </a:p>
+      </dgm:t>
+    </dgm:pt>
+    <dgm:pt modelId="{86ADB2AD-438C-422D-9149-B688BC940569}" type="pres">
+      <dgm:prSet presAssocID="{769B6C3A-7D91-448B-BFAE-23452E779E6C}" presName="Name0" presStyleCnt="0">
+        <dgm:presLayoutVars>
+          <dgm:chMax/>
+          <dgm:chPref val="3"/>
+          <dgm:dir/>
+          <dgm:animOne val="branch"/>
+          <dgm:animLvl val="lvl"/>
+        </dgm:presLayoutVars>
+      </dgm:prSet>
+      <dgm:spPr/>
+      <dgm:t>
+        <a:bodyPr/>
+        <a:lstStyle/>
+        <a:p>
+          <a:endParaRPr lang="en-US"/>
+        </a:p>
+      </dgm:t>
+    </dgm:pt>
+    <dgm:pt modelId="{A3B9330F-AE03-40D3-AED0-11299DACAFE6}" type="pres">
+      <dgm:prSet presAssocID="{10A886BE-3FDD-4E2B-B9CD-41BFFC52D625}" presName="composite" presStyleCnt="0"/>
+      <dgm:spPr/>
+    </dgm:pt>
+    <dgm:pt modelId="{F2CC8820-8EFD-46A5-BF8C-C75425556499}" type="pres">
+      <dgm:prSet presAssocID="{10A886BE-3FDD-4E2B-B9CD-41BFFC52D625}" presName="FirstChild" presStyleLbl="revTx" presStyleIdx="0" presStyleCnt="1" custScaleX="71291" custLinFactNeighborX="51467" custLinFactNeighborY="1169">
+        <dgm:presLayoutVars>
+          <dgm:chMax val="0"/>
+          <dgm:chPref val="0"/>
+          <dgm:bulletEnabled val="1"/>
+        </dgm:presLayoutVars>
+      </dgm:prSet>
+      <dgm:spPr/>
+      <dgm:t>
+        <a:bodyPr/>
+        <a:lstStyle/>
+        <a:p>
+          <a:endParaRPr lang="en-US"/>
+        </a:p>
+      </dgm:t>
+    </dgm:pt>
+    <dgm:pt modelId="{EA84A2B0-ACF9-4FE0-8724-46A1A7116719}" type="pres">
+      <dgm:prSet presAssocID="{10A886BE-3FDD-4E2B-B9CD-41BFFC52D625}" presName="Parent" presStyleLbl="alignNode1" presStyleIdx="0" presStyleCnt="1" custScaleX="212573">
+        <dgm:presLayoutVars>
+          <dgm:chMax val="3"/>
+          <dgm:chPref val="3"/>
+          <dgm:bulletEnabled val="1"/>
+        </dgm:presLayoutVars>
+      </dgm:prSet>
+      <dgm:spPr/>
+      <dgm:t>
+        <a:bodyPr/>
+        <a:lstStyle/>
+        <a:p>
+          <a:endParaRPr lang="en-US"/>
+        </a:p>
+      </dgm:t>
+    </dgm:pt>
+    <dgm:pt modelId="{AAC65FED-B913-4225-A0F5-06504ED03AD3}" type="pres">
+      <dgm:prSet presAssocID="{10A886BE-3FDD-4E2B-B9CD-41BFFC52D625}" presName="Accent" presStyleLbl="parChTrans1D1" presStyleIdx="0" presStyleCnt="1"/>
+      <dgm:spPr/>
+    </dgm:pt>
+  </dgm:ptLst>
+  <dgm:cxnLst>
+    <dgm:cxn modelId="{5ED04F08-1BE4-4A9B-9AFD-F256411C18C0}" type="presOf" srcId="{10A886BE-3FDD-4E2B-B9CD-41BFFC52D625}" destId="{EA84A2B0-ACF9-4FE0-8724-46A1A7116719}" srcOrd="0" destOrd="0" presId="urn:microsoft.com/office/officeart/2011/layout/TabList"/>
+    <dgm:cxn modelId="{4DFE645E-79D5-4B9D-8B9F-278F82824B8D}" type="presOf" srcId="{6ABFC51C-B6A2-4B37-8757-41D0A46C48A3}" destId="{F2CC8820-8EFD-46A5-BF8C-C75425556499}" srcOrd="0" destOrd="0" presId="urn:microsoft.com/office/officeart/2011/layout/TabList"/>
+    <dgm:cxn modelId="{B5F5ED2A-BB8E-4EC2-8DEC-BF309CDB665A}" srcId="{10A886BE-3FDD-4E2B-B9CD-41BFFC52D625}" destId="{6ABFC51C-B6A2-4B37-8757-41D0A46C48A3}" srcOrd="0" destOrd="0" parTransId="{46B10605-10BC-444F-9410-DD0CF82A1A11}" sibTransId="{D947CDF1-4BE5-4926-BB54-F39D1BA4A98A}"/>
+    <dgm:cxn modelId="{B12EDEE7-2495-42C4-8281-F53ACD38B8B2}" type="presOf" srcId="{769B6C3A-7D91-448B-BFAE-23452E779E6C}" destId="{86ADB2AD-438C-422D-9149-B688BC940569}" srcOrd="0" destOrd="0" presId="urn:microsoft.com/office/officeart/2011/layout/TabList"/>
+    <dgm:cxn modelId="{E5888D65-3575-4F52-A11F-A9AC79EE46D5}" srcId="{769B6C3A-7D91-448B-BFAE-23452E779E6C}" destId="{10A886BE-3FDD-4E2B-B9CD-41BFFC52D625}" srcOrd="0" destOrd="0" parTransId="{30837BC2-89CE-4519-A7BE-1B5DFB6C373A}" sibTransId="{DBD27DE8-3C61-472E-898A-EED87729A639}"/>
+    <dgm:cxn modelId="{4CE24ED3-6E91-4C8C-AD91-1B15DC708767}" type="presParOf" srcId="{86ADB2AD-438C-422D-9149-B688BC940569}" destId="{A3B9330F-AE03-40D3-AED0-11299DACAFE6}" srcOrd="0" destOrd="0" presId="urn:microsoft.com/office/officeart/2011/layout/TabList"/>
+    <dgm:cxn modelId="{920B19D0-1405-461C-A21F-DF8B8F4C8673}" type="presParOf" srcId="{A3B9330F-AE03-40D3-AED0-11299DACAFE6}" destId="{F2CC8820-8EFD-46A5-BF8C-C75425556499}" srcOrd="0" destOrd="0" presId="urn:microsoft.com/office/officeart/2011/layout/TabList"/>
+    <dgm:cxn modelId="{01516B22-6139-4FA9-B9C1-37A26486355C}" type="presParOf" srcId="{A3B9330F-AE03-40D3-AED0-11299DACAFE6}" destId="{EA84A2B0-ACF9-4FE0-8724-46A1A7116719}" srcOrd="1" destOrd="0" presId="urn:microsoft.com/office/officeart/2011/layout/TabList"/>
+    <dgm:cxn modelId="{C82E9028-5A02-4A14-A585-2989727FE843}" type="presParOf" srcId="{A3B9330F-AE03-40D3-AED0-11299DACAFE6}" destId="{AAC65FED-B913-4225-A0F5-06504ED03AD3}" srcOrd="2" destOrd="0" presId="urn:microsoft.com/office/officeart/2011/layout/TabList"/>
+  </dgm:cxnLst>
+  <dgm:bg/>
+  <dgm:whole/>
+  <dgm:extLst>
+    <a:ext uri="http://schemas.microsoft.com/office/drawing/2008/diagram">
+      <dsp:dataModelExt xmlns:dsp="http://schemas.microsoft.com/office/drawing/2008/diagram" relId="rId7" minVer="http://schemas.openxmlformats.org/drawingml/2006/diagram"/>
+    </a:ext>
+  </dgm:extLst>
+</dgm:dataModel>
+</file>
+
+<file path=ppt/diagrams/data5.xml><?xml version="1.0" encoding="utf-8"?>
 <dgm:dataModel xmlns:dgm="http://schemas.openxmlformats.org/drawingml/2006/diagram" xmlns:a="http://schemas.openxmlformats.org/drawingml/2006/main">
   <dgm:ptLst>
     <dgm:pt modelId="{769B6C3A-7D91-448B-BFAE-23452E779E6C}" type="doc">
@@ -17302,27 +17475,198 @@
     </dgm:pt>
   </dgm:ptLst>
   <dgm:cxnLst>
-    <dgm:cxn modelId="{73E1FF27-594F-4F71-AC96-D5FDA0DF9EFA}" type="presOf" srcId="{10A886BE-3FDD-4E2B-B9CD-41BFFC52D625}" destId="{EA84A2B0-ACF9-4FE0-8724-46A1A7116719}" srcOrd="0" destOrd="0" presId="urn:microsoft.com/office/officeart/2011/layout/TabList"/>
+    <dgm:cxn modelId="{C21129D2-E7D4-4B8B-BE6F-18857B3B6CD8}" type="presOf" srcId="{769B6C3A-7D91-448B-BFAE-23452E779E6C}" destId="{86ADB2AD-438C-422D-9149-B688BC940569}" srcOrd="0" destOrd="0" presId="urn:microsoft.com/office/officeart/2011/layout/TabList"/>
     <dgm:cxn modelId="{B5F5ED2A-BB8E-4EC2-8DEC-BF309CDB665A}" srcId="{10A886BE-3FDD-4E2B-B9CD-41BFFC52D625}" destId="{6ABFC51C-B6A2-4B37-8757-41D0A46C48A3}" srcOrd="0" destOrd="0" parTransId="{46B10605-10BC-444F-9410-DD0CF82A1A11}" sibTransId="{D947CDF1-4BE5-4926-BB54-F39D1BA4A98A}"/>
-    <dgm:cxn modelId="{99070830-3F95-4083-A60A-90C162172943}" type="presOf" srcId="{769B6C3A-7D91-448B-BFAE-23452E779E6C}" destId="{86ADB2AD-438C-422D-9149-B688BC940569}" srcOrd="0" destOrd="0" presId="urn:microsoft.com/office/officeart/2011/layout/TabList"/>
+    <dgm:cxn modelId="{EFCEFF4A-8DF6-4278-B2FE-BA420F3F3FC6}" type="presOf" srcId="{6ABFC51C-B6A2-4B37-8757-41D0A46C48A3}" destId="{F2CC8820-8EFD-46A5-BF8C-C75425556499}" srcOrd="0" destOrd="0" presId="urn:microsoft.com/office/officeart/2011/layout/TabList"/>
+    <dgm:cxn modelId="{4F3037EE-FF1F-474B-AAC5-F4391DAD9949}" type="presOf" srcId="{10A886BE-3FDD-4E2B-B9CD-41BFFC52D625}" destId="{EA84A2B0-ACF9-4FE0-8724-46A1A7116719}" srcOrd="0" destOrd="0" presId="urn:microsoft.com/office/officeart/2011/layout/TabList"/>
     <dgm:cxn modelId="{E5888D65-3575-4F52-A11F-A9AC79EE46D5}" srcId="{769B6C3A-7D91-448B-BFAE-23452E779E6C}" destId="{10A886BE-3FDD-4E2B-B9CD-41BFFC52D625}" srcOrd="0" destOrd="0" parTransId="{30837BC2-89CE-4519-A7BE-1B5DFB6C373A}" sibTransId="{DBD27DE8-3C61-472E-898A-EED87729A639}"/>
-    <dgm:cxn modelId="{69E2DE6C-EC6B-4048-8F6C-1248EA368D9B}" type="presOf" srcId="{6ABFC51C-B6A2-4B37-8757-41D0A46C48A3}" destId="{F2CC8820-8EFD-46A5-BF8C-C75425556499}" srcOrd="0" destOrd="0" presId="urn:microsoft.com/office/officeart/2011/layout/TabList"/>
-    <dgm:cxn modelId="{0AB73329-4FB9-4E2C-8A67-855556D1F78A}" type="presParOf" srcId="{86ADB2AD-438C-422D-9149-B688BC940569}" destId="{A3B9330F-AE03-40D3-AED0-11299DACAFE6}" srcOrd="0" destOrd="0" presId="urn:microsoft.com/office/officeart/2011/layout/TabList"/>
-    <dgm:cxn modelId="{9FA7B72C-34DC-45B5-92D5-491868195C10}" type="presParOf" srcId="{A3B9330F-AE03-40D3-AED0-11299DACAFE6}" destId="{F2CC8820-8EFD-46A5-BF8C-C75425556499}" srcOrd="0" destOrd="0" presId="urn:microsoft.com/office/officeart/2011/layout/TabList"/>
-    <dgm:cxn modelId="{147AAA4D-8AAC-498C-B778-6D7D00BDB7C8}" type="presParOf" srcId="{A3B9330F-AE03-40D3-AED0-11299DACAFE6}" destId="{EA84A2B0-ACF9-4FE0-8724-46A1A7116719}" srcOrd="1" destOrd="0" presId="urn:microsoft.com/office/officeart/2011/layout/TabList"/>
-    <dgm:cxn modelId="{C436AE23-DABF-4F9F-8622-82FA6402245E}" type="presParOf" srcId="{A3B9330F-AE03-40D3-AED0-11299DACAFE6}" destId="{AAC65FED-B913-4225-A0F5-06504ED03AD3}" srcOrd="2" destOrd="0" presId="urn:microsoft.com/office/officeart/2011/layout/TabList"/>
+    <dgm:cxn modelId="{8990FFCD-554B-42B9-A280-43E110694C0B}" type="presParOf" srcId="{86ADB2AD-438C-422D-9149-B688BC940569}" destId="{A3B9330F-AE03-40D3-AED0-11299DACAFE6}" srcOrd="0" destOrd="0" presId="urn:microsoft.com/office/officeart/2011/layout/TabList"/>
+    <dgm:cxn modelId="{112876FA-01D8-47D3-8B5D-90C90E9CDF33}" type="presParOf" srcId="{A3B9330F-AE03-40D3-AED0-11299DACAFE6}" destId="{F2CC8820-8EFD-46A5-BF8C-C75425556499}" srcOrd="0" destOrd="0" presId="urn:microsoft.com/office/officeart/2011/layout/TabList"/>
+    <dgm:cxn modelId="{97F3E133-62C4-447F-9B4A-245F6339AEBB}" type="presParOf" srcId="{A3B9330F-AE03-40D3-AED0-11299DACAFE6}" destId="{EA84A2B0-ACF9-4FE0-8724-46A1A7116719}" srcOrd="1" destOrd="0" presId="urn:microsoft.com/office/officeart/2011/layout/TabList"/>
+    <dgm:cxn modelId="{377D3634-495C-4FF9-A59A-5C39482F7651}" type="presParOf" srcId="{A3B9330F-AE03-40D3-AED0-11299DACAFE6}" destId="{AAC65FED-B913-4225-A0F5-06504ED03AD3}" srcOrd="2" destOrd="0" presId="urn:microsoft.com/office/officeart/2011/layout/TabList"/>
   </dgm:cxnLst>
   <dgm:bg/>
   <dgm:whole/>
   <dgm:extLst>
     <a:ext uri="http://schemas.microsoft.com/office/drawing/2008/diagram">
-      <dsp:dataModelExt xmlns:dsp="http://schemas.microsoft.com/office/drawing/2008/diagram" relId="rId8" minVer="http://schemas.openxmlformats.org/drawingml/2006/diagram"/>
+      <dsp:dataModelExt xmlns:dsp="http://schemas.microsoft.com/office/drawing/2008/diagram" relId="rId7" minVer="http://schemas.openxmlformats.org/drawingml/2006/diagram"/>
     </a:ext>
   </dgm:extLst>
 </dgm:dataModel>
 </file>
 
-<file path=ppt/diagrams/data5.xml><?xml version="1.0" encoding="utf-8"?>
+<file path=ppt/diagrams/data6.xml><?xml version="1.0" encoding="utf-8"?>
+<dgm:dataModel xmlns:dgm="http://schemas.openxmlformats.org/drawingml/2006/diagram" xmlns:a="http://schemas.openxmlformats.org/drawingml/2006/main">
+  <dgm:ptLst>
+    <dgm:pt modelId="{769B6C3A-7D91-448B-BFAE-23452E779E6C}" type="doc">
+      <dgm:prSet loTypeId="urn:microsoft.com/office/officeart/2011/layout/TabList" loCatId="list" qsTypeId="urn:microsoft.com/office/officeart/2005/8/quickstyle/simple3" qsCatId="simple" csTypeId="urn:microsoft.com/office/officeart/2005/8/colors/accent3_5" csCatId="accent3" phldr="1"/>
+      <dgm:spPr/>
+      <dgm:t>
+        <a:bodyPr/>
+        <a:lstStyle/>
+        <a:p>
+          <a:endParaRPr lang="en-US"/>
+        </a:p>
+      </dgm:t>
+    </dgm:pt>
+    <dgm:pt modelId="{10A886BE-3FDD-4E2B-B9CD-41BFFC52D625}">
+      <dgm:prSet phldrT="[Text]" custT="1"/>
+      <dgm:spPr/>
+      <dgm:t>
+        <a:bodyPr/>
+        <a:lstStyle/>
+        <a:p>
+          <a:r>
+            <a:rPr lang="en-US" sz="4000" dirty="0" smtClean="0"/>
+            <a:t>Introduction</a:t>
+          </a:r>
+          <a:endParaRPr lang="en-US" sz="4000" dirty="0"/>
+        </a:p>
+      </dgm:t>
+    </dgm:pt>
+    <dgm:pt modelId="{30837BC2-89CE-4519-A7BE-1B5DFB6C373A}" type="parTrans" cxnId="{E5888D65-3575-4F52-A11F-A9AC79EE46D5}">
+      <dgm:prSet/>
+      <dgm:spPr/>
+      <dgm:t>
+        <a:bodyPr/>
+        <a:lstStyle/>
+        <a:p>
+          <a:endParaRPr lang="en-US"/>
+        </a:p>
+      </dgm:t>
+    </dgm:pt>
+    <dgm:pt modelId="{DBD27DE8-3C61-472E-898A-EED87729A639}" type="sibTrans" cxnId="{E5888D65-3575-4F52-A11F-A9AC79EE46D5}">
+      <dgm:prSet/>
+      <dgm:spPr/>
+      <dgm:t>
+        <a:bodyPr/>
+        <a:lstStyle/>
+        <a:p>
+          <a:endParaRPr lang="en-US"/>
+        </a:p>
+      </dgm:t>
+    </dgm:pt>
+    <dgm:pt modelId="{6ABFC51C-B6A2-4B37-8757-41D0A46C48A3}">
+      <dgm:prSet phldrT="[Text]" custT="1"/>
+      <dgm:spPr/>
+      <dgm:t>
+        <a:bodyPr/>
+        <a:lstStyle/>
+        <a:p>
+          <a:r>
+            <a:rPr lang="en-US" sz="3600" i="0" dirty="0" smtClean="0"/>
+            <a:t>Existing System</a:t>
+          </a:r>
+          <a:endParaRPr lang="en-US" sz="3600" i="0" dirty="0"/>
+        </a:p>
+      </dgm:t>
+    </dgm:pt>
+    <dgm:pt modelId="{46B10605-10BC-444F-9410-DD0CF82A1A11}" type="parTrans" cxnId="{B5F5ED2A-BB8E-4EC2-8DEC-BF309CDB665A}">
+      <dgm:prSet/>
+      <dgm:spPr/>
+      <dgm:t>
+        <a:bodyPr/>
+        <a:lstStyle/>
+        <a:p>
+          <a:endParaRPr lang="en-US"/>
+        </a:p>
+      </dgm:t>
+    </dgm:pt>
+    <dgm:pt modelId="{D947CDF1-4BE5-4926-BB54-F39D1BA4A98A}" type="sibTrans" cxnId="{B5F5ED2A-BB8E-4EC2-8DEC-BF309CDB665A}">
+      <dgm:prSet/>
+      <dgm:spPr/>
+      <dgm:t>
+        <a:bodyPr/>
+        <a:lstStyle/>
+        <a:p>
+          <a:endParaRPr lang="en-US"/>
+        </a:p>
+      </dgm:t>
+    </dgm:pt>
+    <dgm:pt modelId="{86ADB2AD-438C-422D-9149-B688BC940569}" type="pres">
+      <dgm:prSet presAssocID="{769B6C3A-7D91-448B-BFAE-23452E779E6C}" presName="Name0" presStyleCnt="0">
+        <dgm:presLayoutVars>
+          <dgm:chMax/>
+          <dgm:chPref val="3"/>
+          <dgm:dir/>
+          <dgm:animOne val="branch"/>
+          <dgm:animLvl val="lvl"/>
+        </dgm:presLayoutVars>
+      </dgm:prSet>
+      <dgm:spPr/>
+      <dgm:t>
+        <a:bodyPr/>
+        <a:lstStyle/>
+        <a:p>
+          <a:endParaRPr lang="en-US"/>
+        </a:p>
+      </dgm:t>
+    </dgm:pt>
+    <dgm:pt modelId="{A3B9330F-AE03-40D3-AED0-11299DACAFE6}" type="pres">
+      <dgm:prSet presAssocID="{10A886BE-3FDD-4E2B-B9CD-41BFFC52D625}" presName="composite" presStyleCnt="0"/>
+      <dgm:spPr/>
+    </dgm:pt>
+    <dgm:pt modelId="{F2CC8820-8EFD-46A5-BF8C-C75425556499}" type="pres">
+      <dgm:prSet presAssocID="{10A886BE-3FDD-4E2B-B9CD-41BFFC52D625}" presName="FirstChild" presStyleLbl="revTx" presStyleIdx="0" presStyleCnt="1" custScaleX="78925" custLinFactNeighborX="51467" custLinFactNeighborY="1169">
+        <dgm:presLayoutVars>
+          <dgm:chMax val="0"/>
+          <dgm:chPref val="0"/>
+          <dgm:bulletEnabled val="1"/>
+        </dgm:presLayoutVars>
+      </dgm:prSet>
+      <dgm:spPr/>
+      <dgm:t>
+        <a:bodyPr/>
+        <a:lstStyle/>
+        <a:p>
+          <a:endParaRPr lang="en-US"/>
+        </a:p>
+      </dgm:t>
+    </dgm:pt>
+    <dgm:pt modelId="{EA84A2B0-ACF9-4FE0-8724-46A1A7116719}" type="pres">
+      <dgm:prSet presAssocID="{10A886BE-3FDD-4E2B-B9CD-41BFFC52D625}" presName="Parent" presStyleLbl="alignNode1" presStyleIdx="0" presStyleCnt="1" custScaleX="175212">
+        <dgm:presLayoutVars>
+          <dgm:chMax val="3"/>
+          <dgm:chPref val="3"/>
+          <dgm:bulletEnabled val="1"/>
+        </dgm:presLayoutVars>
+      </dgm:prSet>
+      <dgm:spPr/>
+      <dgm:t>
+        <a:bodyPr/>
+        <a:lstStyle/>
+        <a:p>
+          <a:endParaRPr lang="en-US"/>
+        </a:p>
+      </dgm:t>
+    </dgm:pt>
+    <dgm:pt modelId="{AAC65FED-B913-4225-A0F5-06504ED03AD3}" type="pres">
+      <dgm:prSet presAssocID="{10A886BE-3FDD-4E2B-B9CD-41BFFC52D625}" presName="Accent" presStyleLbl="parChTrans1D1" presStyleIdx="0" presStyleCnt="1"/>
+      <dgm:spPr/>
+    </dgm:pt>
+  </dgm:ptLst>
+  <dgm:cxnLst>
+    <dgm:cxn modelId="{B5F5ED2A-BB8E-4EC2-8DEC-BF309CDB665A}" srcId="{10A886BE-3FDD-4E2B-B9CD-41BFFC52D625}" destId="{6ABFC51C-B6A2-4B37-8757-41D0A46C48A3}" srcOrd="0" destOrd="0" parTransId="{46B10605-10BC-444F-9410-DD0CF82A1A11}" sibTransId="{D947CDF1-4BE5-4926-BB54-F39D1BA4A98A}"/>
+    <dgm:cxn modelId="{D523B986-611A-43AE-A2F6-FCAD331C694A}" type="presOf" srcId="{769B6C3A-7D91-448B-BFAE-23452E779E6C}" destId="{86ADB2AD-438C-422D-9149-B688BC940569}" srcOrd="0" destOrd="0" presId="urn:microsoft.com/office/officeart/2011/layout/TabList"/>
+    <dgm:cxn modelId="{E5888D65-3575-4F52-A11F-A9AC79EE46D5}" srcId="{769B6C3A-7D91-448B-BFAE-23452E779E6C}" destId="{10A886BE-3FDD-4E2B-B9CD-41BFFC52D625}" srcOrd="0" destOrd="0" parTransId="{30837BC2-89CE-4519-A7BE-1B5DFB6C373A}" sibTransId="{DBD27DE8-3C61-472E-898A-EED87729A639}"/>
+    <dgm:cxn modelId="{C941C385-24E5-4CAD-A8B2-C3ACE875365B}" type="presOf" srcId="{6ABFC51C-B6A2-4B37-8757-41D0A46C48A3}" destId="{F2CC8820-8EFD-46A5-BF8C-C75425556499}" srcOrd="0" destOrd="0" presId="urn:microsoft.com/office/officeart/2011/layout/TabList"/>
+    <dgm:cxn modelId="{CE60B73A-02CE-413F-A4DE-DC13D7020AA4}" type="presOf" srcId="{10A886BE-3FDD-4E2B-B9CD-41BFFC52D625}" destId="{EA84A2B0-ACF9-4FE0-8724-46A1A7116719}" srcOrd="0" destOrd="0" presId="urn:microsoft.com/office/officeart/2011/layout/TabList"/>
+    <dgm:cxn modelId="{3DE70C87-5272-49A6-B902-B20D7FF9EC42}" type="presParOf" srcId="{86ADB2AD-438C-422D-9149-B688BC940569}" destId="{A3B9330F-AE03-40D3-AED0-11299DACAFE6}" srcOrd="0" destOrd="0" presId="urn:microsoft.com/office/officeart/2011/layout/TabList"/>
+    <dgm:cxn modelId="{69D54D89-3390-4E0B-B0F2-943A17CE4A83}" type="presParOf" srcId="{A3B9330F-AE03-40D3-AED0-11299DACAFE6}" destId="{F2CC8820-8EFD-46A5-BF8C-C75425556499}" srcOrd="0" destOrd="0" presId="urn:microsoft.com/office/officeart/2011/layout/TabList"/>
+    <dgm:cxn modelId="{31AE5712-B871-47B1-ABEA-FA550FB09188}" type="presParOf" srcId="{A3B9330F-AE03-40D3-AED0-11299DACAFE6}" destId="{EA84A2B0-ACF9-4FE0-8724-46A1A7116719}" srcOrd="1" destOrd="0" presId="urn:microsoft.com/office/officeart/2011/layout/TabList"/>
+    <dgm:cxn modelId="{58596636-2522-4374-844E-B2B841E88483}" type="presParOf" srcId="{A3B9330F-AE03-40D3-AED0-11299DACAFE6}" destId="{AAC65FED-B913-4225-A0F5-06504ED03AD3}" srcOrd="2" destOrd="0" presId="urn:microsoft.com/office/officeart/2011/layout/TabList"/>
+  </dgm:cxnLst>
+  <dgm:bg/>
+  <dgm:whole/>
+  <dgm:extLst>
+    <a:ext uri="http://schemas.microsoft.com/office/drawing/2008/diagram">
+      <dsp:dataModelExt xmlns:dsp="http://schemas.microsoft.com/office/drawing/2008/diagram" relId="rId7" minVer="http://schemas.openxmlformats.org/drawingml/2006/diagram"/>
+    </a:ext>
+  </dgm:extLst>
+</dgm:dataModel>
+</file>
+
+<file path=ppt/diagrams/data7.xml><?xml version="1.0" encoding="utf-8"?>
 <dgm:dataModel xmlns:dgm="http://schemas.openxmlformats.org/drawingml/2006/diagram" xmlns:a="http://schemas.openxmlformats.org/drawingml/2006/main">
   <dgm:ptLst>
     <dgm:pt modelId="{769B6C3A-7D91-448B-BFAE-23452E779E6C}" type="doc">
@@ -17493,348 +17837,6 @@
 </dgm:dataModel>
 </file>
 
-<file path=ppt/diagrams/data6.xml><?xml version="1.0" encoding="utf-8"?>
-<dgm:dataModel xmlns:dgm="http://schemas.openxmlformats.org/drawingml/2006/diagram" xmlns:a="http://schemas.openxmlformats.org/drawingml/2006/main">
-  <dgm:ptLst>
-    <dgm:pt modelId="{769B6C3A-7D91-448B-BFAE-23452E779E6C}" type="doc">
-      <dgm:prSet loTypeId="urn:microsoft.com/office/officeart/2011/layout/TabList" loCatId="list" qsTypeId="urn:microsoft.com/office/officeart/2005/8/quickstyle/simple3" qsCatId="simple" csTypeId="urn:microsoft.com/office/officeart/2005/8/colors/accent3_5" csCatId="accent3" phldr="1"/>
-      <dgm:spPr/>
-      <dgm:t>
-        <a:bodyPr/>
-        <a:lstStyle/>
-        <a:p>
-          <a:endParaRPr lang="en-US"/>
-        </a:p>
-      </dgm:t>
-    </dgm:pt>
-    <dgm:pt modelId="{10A886BE-3FDD-4E2B-B9CD-41BFFC52D625}">
-      <dgm:prSet phldrT="[Text]" custT="1"/>
-      <dgm:spPr/>
-      <dgm:t>
-        <a:bodyPr/>
-        <a:lstStyle/>
-        <a:p>
-          <a:r>
-            <a:rPr lang="en-US" sz="4000" dirty="0" smtClean="0"/>
-            <a:t>Introduction</a:t>
-          </a:r>
-          <a:endParaRPr lang="en-US" sz="4000" dirty="0"/>
-        </a:p>
-      </dgm:t>
-    </dgm:pt>
-    <dgm:pt modelId="{30837BC2-89CE-4519-A7BE-1B5DFB6C373A}" type="parTrans" cxnId="{E5888D65-3575-4F52-A11F-A9AC79EE46D5}">
-      <dgm:prSet/>
-      <dgm:spPr/>
-      <dgm:t>
-        <a:bodyPr/>
-        <a:lstStyle/>
-        <a:p>
-          <a:endParaRPr lang="en-US"/>
-        </a:p>
-      </dgm:t>
-    </dgm:pt>
-    <dgm:pt modelId="{DBD27DE8-3C61-472E-898A-EED87729A639}" type="sibTrans" cxnId="{E5888D65-3575-4F52-A11F-A9AC79EE46D5}">
-      <dgm:prSet/>
-      <dgm:spPr/>
-      <dgm:t>
-        <a:bodyPr/>
-        <a:lstStyle/>
-        <a:p>
-          <a:endParaRPr lang="en-US"/>
-        </a:p>
-      </dgm:t>
-    </dgm:pt>
-    <dgm:pt modelId="{6ABFC51C-B6A2-4B37-8757-41D0A46C48A3}">
-      <dgm:prSet phldrT="[Text]" custT="1"/>
-      <dgm:spPr/>
-      <dgm:t>
-        <a:bodyPr/>
-        <a:lstStyle/>
-        <a:p>
-          <a:r>
-            <a:rPr lang="en-US" sz="3600" dirty="0" smtClean="0"/>
-            <a:t>Idea</a:t>
-          </a:r>
-          <a:endParaRPr lang="en-US" sz="4000" dirty="0"/>
-        </a:p>
-      </dgm:t>
-    </dgm:pt>
-    <dgm:pt modelId="{46B10605-10BC-444F-9410-DD0CF82A1A11}" type="parTrans" cxnId="{B5F5ED2A-BB8E-4EC2-8DEC-BF309CDB665A}">
-      <dgm:prSet/>
-      <dgm:spPr/>
-      <dgm:t>
-        <a:bodyPr/>
-        <a:lstStyle/>
-        <a:p>
-          <a:endParaRPr lang="en-US"/>
-        </a:p>
-      </dgm:t>
-    </dgm:pt>
-    <dgm:pt modelId="{D947CDF1-4BE5-4926-BB54-F39D1BA4A98A}" type="sibTrans" cxnId="{B5F5ED2A-BB8E-4EC2-8DEC-BF309CDB665A}">
-      <dgm:prSet/>
-      <dgm:spPr/>
-      <dgm:t>
-        <a:bodyPr/>
-        <a:lstStyle/>
-        <a:p>
-          <a:endParaRPr lang="en-US"/>
-        </a:p>
-      </dgm:t>
-    </dgm:pt>
-    <dgm:pt modelId="{86ADB2AD-438C-422D-9149-B688BC940569}" type="pres">
-      <dgm:prSet presAssocID="{769B6C3A-7D91-448B-BFAE-23452E779E6C}" presName="Name0" presStyleCnt="0">
-        <dgm:presLayoutVars>
-          <dgm:chMax/>
-          <dgm:chPref val="3"/>
-          <dgm:dir/>
-          <dgm:animOne val="branch"/>
-          <dgm:animLvl val="lvl"/>
-        </dgm:presLayoutVars>
-      </dgm:prSet>
-      <dgm:spPr/>
-      <dgm:t>
-        <a:bodyPr/>
-        <a:lstStyle/>
-        <a:p>
-          <a:endParaRPr lang="en-US"/>
-        </a:p>
-      </dgm:t>
-    </dgm:pt>
-    <dgm:pt modelId="{A3B9330F-AE03-40D3-AED0-11299DACAFE6}" type="pres">
-      <dgm:prSet presAssocID="{10A886BE-3FDD-4E2B-B9CD-41BFFC52D625}" presName="composite" presStyleCnt="0"/>
-      <dgm:spPr/>
-    </dgm:pt>
-    <dgm:pt modelId="{F2CC8820-8EFD-46A5-BF8C-C75425556499}" type="pres">
-      <dgm:prSet presAssocID="{10A886BE-3FDD-4E2B-B9CD-41BFFC52D625}" presName="FirstChild" presStyleLbl="revTx" presStyleIdx="0" presStyleCnt="1" custScaleX="71291" custLinFactNeighborX="51467" custLinFactNeighborY="1169">
-        <dgm:presLayoutVars>
-          <dgm:chMax val="0"/>
-          <dgm:chPref val="0"/>
-          <dgm:bulletEnabled val="1"/>
-        </dgm:presLayoutVars>
-      </dgm:prSet>
-      <dgm:spPr/>
-      <dgm:t>
-        <a:bodyPr/>
-        <a:lstStyle/>
-        <a:p>
-          <a:endParaRPr lang="en-US"/>
-        </a:p>
-      </dgm:t>
-    </dgm:pt>
-    <dgm:pt modelId="{EA84A2B0-ACF9-4FE0-8724-46A1A7116719}" type="pres">
-      <dgm:prSet presAssocID="{10A886BE-3FDD-4E2B-B9CD-41BFFC52D625}" presName="Parent" presStyleLbl="alignNode1" presStyleIdx="0" presStyleCnt="1" custScaleX="212573">
-        <dgm:presLayoutVars>
-          <dgm:chMax val="3"/>
-          <dgm:chPref val="3"/>
-          <dgm:bulletEnabled val="1"/>
-        </dgm:presLayoutVars>
-      </dgm:prSet>
-      <dgm:spPr/>
-      <dgm:t>
-        <a:bodyPr/>
-        <a:lstStyle/>
-        <a:p>
-          <a:endParaRPr lang="en-US"/>
-        </a:p>
-      </dgm:t>
-    </dgm:pt>
-    <dgm:pt modelId="{AAC65FED-B913-4225-A0F5-06504ED03AD3}" type="pres">
-      <dgm:prSet presAssocID="{10A886BE-3FDD-4E2B-B9CD-41BFFC52D625}" presName="Accent" presStyleLbl="parChTrans1D1" presStyleIdx="0" presStyleCnt="1"/>
-      <dgm:spPr/>
-    </dgm:pt>
-  </dgm:ptLst>
-  <dgm:cxnLst>
-    <dgm:cxn modelId="{3CE17FE4-9689-4F11-831A-9C4E89CFC497}" type="presOf" srcId="{10A886BE-3FDD-4E2B-B9CD-41BFFC52D625}" destId="{EA84A2B0-ACF9-4FE0-8724-46A1A7116719}" srcOrd="0" destOrd="0" presId="urn:microsoft.com/office/officeart/2011/layout/TabList"/>
-    <dgm:cxn modelId="{AD726181-7D10-4D47-9784-1360641D90F4}" type="presOf" srcId="{6ABFC51C-B6A2-4B37-8757-41D0A46C48A3}" destId="{F2CC8820-8EFD-46A5-BF8C-C75425556499}" srcOrd="0" destOrd="0" presId="urn:microsoft.com/office/officeart/2011/layout/TabList"/>
-    <dgm:cxn modelId="{B5F5ED2A-BB8E-4EC2-8DEC-BF309CDB665A}" srcId="{10A886BE-3FDD-4E2B-B9CD-41BFFC52D625}" destId="{6ABFC51C-B6A2-4B37-8757-41D0A46C48A3}" srcOrd="0" destOrd="0" parTransId="{46B10605-10BC-444F-9410-DD0CF82A1A11}" sibTransId="{D947CDF1-4BE5-4926-BB54-F39D1BA4A98A}"/>
-    <dgm:cxn modelId="{E5888D65-3575-4F52-A11F-A9AC79EE46D5}" srcId="{769B6C3A-7D91-448B-BFAE-23452E779E6C}" destId="{10A886BE-3FDD-4E2B-B9CD-41BFFC52D625}" srcOrd="0" destOrd="0" parTransId="{30837BC2-89CE-4519-A7BE-1B5DFB6C373A}" sibTransId="{DBD27DE8-3C61-472E-898A-EED87729A639}"/>
-    <dgm:cxn modelId="{88F22B05-BC1E-49E3-87CB-FEEF0860EE07}" type="presOf" srcId="{769B6C3A-7D91-448B-BFAE-23452E779E6C}" destId="{86ADB2AD-438C-422D-9149-B688BC940569}" srcOrd="0" destOrd="0" presId="urn:microsoft.com/office/officeart/2011/layout/TabList"/>
-    <dgm:cxn modelId="{C1198034-00A0-4299-BB17-CFF841CF2EC4}" type="presParOf" srcId="{86ADB2AD-438C-422D-9149-B688BC940569}" destId="{A3B9330F-AE03-40D3-AED0-11299DACAFE6}" srcOrd="0" destOrd="0" presId="urn:microsoft.com/office/officeart/2011/layout/TabList"/>
-    <dgm:cxn modelId="{A7F223A5-6A44-4F80-90F9-6637EAF022B1}" type="presParOf" srcId="{A3B9330F-AE03-40D3-AED0-11299DACAFE6}" destId="{F2CC8820-8EFD-46A5-BF8C-C75425556499}" srcOrd="0" destOrd="0" presId="urn:microsoft.com/office/officeart/2011/layout/TabList"/>
-    <dgm:cxn modelId="{9CC53F12-153A-46F7-8E4C-F97A95C8D5C9}" type="presParOf" srcId="{A3B9330F-AE03-40D3-AED0-11299DACAFE6}" destId="{EA84A2B0-ACF9-4FE0-8724-46A1A7116719}" srcOrd="1" destOrd="0" presId="urn:microsoft.com/office/officeart/2011/layout/TabList"/>
-    <dgm:cxn modelId="{24F5D6DD-F9BF-498E-83D6-168DDE96524E}" type="presParOf" srcId="{A3B9330F-AE03-40D3-AED0-11299DACAFE6}" destId="{AAC65FED-B913-4225-A0F5-06504ED03AD3}" srcOrd="2" destOrd="0" presId="urn:microsoft.com/office/officeart/2011/layout/TabList"/>
-  </dgm:cxnLst>
-  <dgm:bg/>
-  <dgm:whole/>
-  <dgm:extLst>
-    <a:ext uri="http://schemas.microsoft.com/office/drawing/2008/diagram">
-      <dsp:dataModelExt xmlns:dsp="http://schemas.microsoft.com/office/drawing/2008/diagram" relId="rId8" minVer="http://schemas.openxmlformats.org/drawingml/2006/diagram"/>
-    </a:ext>
-  </dgm:extLst>
-</dgm:dataModel>
-</file>
-
-<file path=ppt/diagrams/data7.xml><?xml version="1.0" encoding="utf-8"?>
-<dgm:dataModel xmlns:dgm="http://schemas.openxmlformats.org/drawingml/2006/diagram" xmlns:a="http://schemas.openxmlformats.org/drawingml/2006/main">
-  <dgm:ptLst>
-    <dgm:pt modelId="{769B6C3A-7D91-448B-BFAE-23452E779E6C}" type="doc">
-      <dgm:prSet loTypeId="urn:microsoft.com/office/officeart/2011/layout/TabList" loCatId="list" qsTypeId="urn:microsoft.com/office/officeart/2005/8/quickstyle/simple3" qsCatId="simple" csTypeId="urn:microsoft.com/office/officeart/2005/8/colors/accent3_5" csCatId="accent3" phldr="1"/>
-      <dgm:spPr/>
-      <dgm:t>
-        <a:bodyPr/>
-        <a:lstStyle/>
-        <a:p>
-          <a:endParaRPr lang="en-US"/>
-        </a:p>
-      </dgm:t>
-    </dgm:pt>
-    <dgm:pt modelId="{10A886BE-3FDD-4E2B-B9CD-41BFFC52D625}">
-      <dgm:prSet phldrT="[Text]" custT="1"/>
-      <dgm:spPr/>
-      <dgm:t>
-        <a:bodyPr/>
-        <a:lstStyle/>
-        <a:p>
-          <a:r>
-            <a:rPr lang="en-US" sz="4000" dirty="0" smtClean="0"/>
-            <a:t>Introduction</a:t>
-          </a:r>
-          <a:endParaRPr lang="en-US" sz="4000" dirty="0"/>
-        </a:p>
-      </dgm:t>
-    </dgm:pt>
-    <dgm:pt modelId="{30837BC2-89CE-4519-A7BE-1B5DFB6C373A}" type="parTrans" cxnId="{E5888D65-3575-4F52-A11F-A9AC79EE46D5}">
-      <dgm:prSet/>
-      <dgm:spPr/>
-      <dgm:t>
-        <a:bodyPr/>
-        <a:lstStyle/>
-        <a:p>
-          <a:endParaRPr lang="en-US"/>
-        </a:p>
-      </dgm:t>
-    </dgm:pt>
-    <dgm:pt modelId="{DBD27DE8-3C61-472E-898A-EED87729A639}" type="sibTrans" cxnId="{E5888D65-3575-4F52-A11F-A9AC79EE46D5}">
-      <dgm:prSet/>
-      <dgm:spPr/>
-      <dgm:t>
-        <a:bodyPr/>
-        <a:lstStyle/>
-        <a:p>
-          <a:endParaRPr lang="en-US"/>
-        </a:p>
-      </dgm:t>
-    </dgm:pt>
-    <dgm:pt modelId="{6ABFC51C-B6A2-4B37-8757-41D0A46C48A3}">
-      <dgm:prSet phldrT="[Text]" custT="1"/>
-      <dgm:spPr/>
-      <dgm:t>
-        <a:bodyPr/>
-        <a:lstStyle/>
-        <a:p>
-          <a:r>
-            <a:rPr lang="en-US" sz="3600" dirty="0" smtClean="0"/>
-            <a:t>Idea</a:t>
-          </a:r>
-          <a:endParaRPr lang="en-US" sz="4000" dirty="0"/>
-        </a:p>
-      </dgm:t>
-    </dgm:pt>
-    <dgm:pt modelId="{46B10605-10BC-444F-9410-DD0CF82A1A11}" type="parTrans" cxnId="{B5F5ED2A-BB8E-4EC2-8DEC-BF309CDB665A}">
-      <dgm:prSet/>
-      <dgm:spPr/>
-      <dgm:t>
-        <a:bodyPr/>
-        <a:lstStyle/>
-        <a:p>
-          <a:endParaRPr lang="en-US"/>
-        </a:p>
-      </dgm:t>
-    </dgm:pt>
-    <dgm:pt modelId="{D947CDF1-4BE5-4926-BB54-F39D1BA4A98A}" type="sibTrans" cxnId="{B5F5ED2A-BB8E-4EC2-8DEC-BF309CDB665A}">
-      <dgm:prSet/>
-      <dgm:spPr/>
-      <dgm:t>
-        <a:bodyPr/>
-        <a:lstStyle/>
-        <a:p>
-          <a:endParaRPr lang="en-US"/>
-        </a:p>
-      </dgm:t>
-    </dgm:pt>
-    <dgm:pt modelId="{86ADB2AD-438C-422D-9149-B688BC940569}" type="pres">
-      <dgm:prSet presAssocID="{769B6C3A-7D91-448B-BFAE-23452E779E6C}" presName="Name0" presStyleCnt="0">
-        <dgm:presLayoutVars>
-          <dgm:chMax/>
-          <dgm:chPref val="3"/>
-          <dgm:dir/>
-          <dgm:animOne val="branch"/>
-          <dgm:animLvl val="lvl"/>
-        </dgm:presLayoutVars>
-      </dgm:prSet>
-      <dgm:spPr/>
-      <dgm:t>
-        <a:bodyPr/>
-        <a:lstStyle/>
-        <a:p>
-          <a:endParaRPr lang="en-US"/>
-        </a:p>
-      </dgm:t>
-    </dgm:pt>
-    <dgm:pt modelId="{A3B9330F-AE03-40D3-AED0-11299DACAFE6}" type="pres">
-      <dgm:prSet presAssocID="{10A886BE-3FDD-4E2B-B9CD-41BFFC52D625}" presName="composite" presStyleCnt="0"/>
-      <dgm:spPr/>
-    </dgm:pt>
-    <dgm:pt modelId="{F2CC8820-8EFD-46A5-BF8C-C75425556499}" type="pres">
-      <dgm:prSet presAssocID="{10A886BE-3FDD-4E2B-B9CD-41BFFC52D625}" presName="FirstChild" presStyleLbl="revTx" presStyleIdx="0" presStyleCnt="1" custScaleX="71291" custLinFactNeighborX="51467" custLinFactNeighborY="1169">
-        <dgm:presLayoutVars>
-          <dgm:chMax val="0"/>
-          <dgm:chPref val="0"/>
-          <dgm:bulletEnabled val="1"/>
-        </dgm:presLayoutVars>
-      </dgm:prSet>
-      <dgm:spPr/>
-      <dgm:t>
-        <a:bodyPr/>
-        <a:lstStyle/>
-        <a:p>
-          <a:endParaRPr lang="en-US"/>
-        </a:p>
-      </dgm:t>
-    </dgm:pt>
-    <dgm:pt modelId="{EA84A2B0-ACF9-4FE0-8724-46A1A7116719}" type="pres">
-      <dgm:prSet presAssocID="{10A886BE-3FDD-4E2B-B9CD-41BFFC52D625}" presName="Parent" presStyleLbl="alignNode1" presStyleIdx="0" presStyleCnt="1" custScaleX="212573">
-        <dgm:presLayoutVars>
-          <dgm:chMax val="3"/>
-          <dgm:chPref val="3"/>
-          <dgm:bulletEnabled val="1"/>
-        </dgm:presLayoutVars>
-      </dgm:prSet>
-      <dgm:spPr/>
-      <dgm:t>
-        <a:bodyPr/>
-        <a:lstStyle/>
-        <a:p>
-          <a:endParaRPr lang="en-US"/>
-        </a:p>
-      </dgm:t>
-    </dgm:pt>
-    <dgm:pt modelId="{AAC65FED-B913-4225-A0F5-06504ED03AD3}" type="pres">
-      <dgm:prSet presAssocID="{10A886BE-3FDD-4E2B-B9CD-41BFFC52D625}" presName="Accent" presStyleLbl="parChTrans1D1" presStyleIdx="0" presStyleCnt="1"/>
-      <dgm:spPr/>
-    </dgm:pt>
-  </dgm:ptLst>
-  <dgm:cxnLst>
-    <dgm:cxn modelId="{4F805D54-50CB-4F0A-94E9-7AA39DC835B8}" type="presOf" srcId="{10A886BE-3FDD-4E2B-B9CD-41BFFC52D625}" destId="{EA84A2B0-ACF9-4FE0-8724-46A1A7116719}" srcOrd="0" destOrd="0" presId="urn:microsoft.com/office/officeart/2011/layout/TabList"/>
-    <dgm:cxn modelId="{B5F5ED2A-BB8E-4EC2-8DEC-BF309CDB665A}" srcId="{10A886BE-3FDD-4E2B-B9CD-41BFFC52D625}" destId="{6ABFC51C-B6A2-4B37-8757-41D0A46C48A3}" srcOrd="0" destOrd="0" parTransId="{46B10605-10BC-444F-9410-DD0CF82A1A11}" sibTransId="{D947CDF1-4BE5-4926-BB54-F39D1BA4A98A}"/>
-    <dgm:cxn modelId="{324113DE-EC14-42AA-8183-05FB6A116634}" type="presOf" srcId="{769B6C3A-7D91-448B-BFAE-23452E779E6C}" destId="{86ADB2AD-438C-422D-9149-B688BC940569}" srcOrd="0" destOrd="0" presId="urn:microsoft.com/office/officeart/2011/layout/TabList"/>
-    <dgm:cxn modelId="{E5888D65-3575-4F52-A11F-A9AC79EE46D5}" srcId="{769B6C3A-7D91-448B-BFAE-23452E779E6C}" destId="{10A886BE-3FDD-4E2B-B9CD-41BFFC52D625}" srcOrd="0" destOrd="0" parTransId="{30837BC2-89CE-4519-A7BE-1B5DFB6C373A}" sibTransId="{DBD27DE8-3C61-472E-898A-EED87729A639}"/>
-    <dgm:cxn modelId="{F25FC1F2-1D02-488E-93D3-9429E6572EA9}" type="presOf" srcId="{6ABFC51C-B6A2-4B37-8757-41D0A46C48A3}" destId="{F2CC8820-8EFD-46A5-BF8C-C75425556499}" srcOrd="0" destOrd="0" presId="urn:microsoft.com/office/officeart/2011/layout/TabList"/>
-    <dgm:cxn modelId="{4BC47536-0B93-4A35-9520-802E8FB0A80B}" type="presParOf" srcId="{86ADB2AD-438C-422D-9149-B688BC940569}" destId="{A3B9330F-AE03-40D3-AED0-11299DACAFE6}" srcOrd="0" destOrd="0" presId="urn:microsoft.com/office/officeart/2011/layout/TabList"/>
-    <dgm:cxn modelId="{FE54B540-0BFE-47B2-A68D-E85845CA5666}" type="presParOf" srcId="{A3B9330F-AE03-40D3-AED0-11299DACAFE6}" destId="{F2CC8820-8EFD-46A5-BF8C-C75425556499}" srcOrd="0" destOrd="0" presId="urn:microsoft.com/office/officeart/2011/layout/TabList"/>
-    <dgm:cxn modelId="{2756D93B-1909-4E7D-A629-5BB085618936}" type="presParOf" srcId="{A3B9330F-AE03-40D3-AED0-11299DACAFE6}" destId="{EA84A2B0-ACF9-4FE0-8724-46A1A7116719}" srcOrd="1" destOrd="0" presId="urn:microsoft.com/office/officeart/2011/layout/TabList"/>
-    <dgm:cxn modelId="{12FEA51B-9717-44E9-B22E-5034563827DE}" type="presParOf" srcId="{A3B9330F-AE03-40D3-AED0-11299DACAFE6}" destId="{AAC65FED-B913-4225-A0F5-06504ED03AD3}" srcOrd="2" destOrd="0" presId="urn:microsoft.com/office/officeart/2011/layout/TabList"/>
-  </dgm:cxnLst>
-  <dgm:bg/>
-  <dgm:whole/>
-  <dgm:extLst>
-    <a:ext uri="http://schemas.microsoft.com/office/drawing/2008/diagram">
-      <dsp:dataModelExt xmlns:dsp="http://schemas.microsoft.com/office/drawing/2008/diagram" relId="rId8" minVer="http://schemas.openxmlformats.org/drawingml/2006/diagram"/>
-    </a:ext>
-  </dgm:extLst>
-</dgm:dataModel>
-</file>
-
 <file path=ppt/diagrams/data8.xml><?xml version="1.0" encoding="utf-8"?>
 <dgm:dataModel xmlns:dgm="http://schemas.openxmlformats.org/drawingml/2006/diagram" xmlns:a="http://schemas.openxmlformats.org/drawingml/2006/main">
   <dgm:ptLst>
@@ -17895,15 +17897,7 @@
         <a:p>
           <a:r>
             <a:rPr lang="en-US" sz="3600" dirty="0" smtClean="0"/>
-            <a:t>Idea (</a:t>
-          </a:r>
-          <a:r>
-            <a:rPr lang="en-US" sz="3600" dirty="0" err="1" smtClean="0"/>
-            <a:t>cont</a:t>
-          </a:r>
-          <a:r>
-            <a:rPr lang="en-US" sz="3600" dirty="0" smtClean="0"/>
-            <a:t>) </a:t>
+            <a:t>Conclusion </a:t>
           </a:r>
           <a:endParaRPr lang="en-US" sz="3600" dirty="0"/>
         </a:p>
@@ -17994,21 +17988,21 @@
     </dgm:pt>
   </dgm:ptLst>
   <dgm:cxnLst>
-    <dgm:cxn modelId="{A747674D-60FF-42D5-978B-C9CF8E7DB954}" type="presOf" srcId="{10A886BE-3FDD-4E2B-B9CD-41BFFC52D625}" destId="{EA84A2B0-ACF9-4FE0-8724-46A1A7116719}" srcOrd="0" destOrd="0" presId="urn:microsoft.com/office/officeart/2011/layout/TabList"/>
+    <dgm:cxn modelId="{D04714BB-98BE-4424-A9E4-2CFF8F596AF6}" type="presOf" srcId="{769B6C3A-7D91-448B-BFAE-23452E779E6C}" destId="{86ADB2AD-438C-422D-9149-B688BC940569}" srcOrd="0" destOrd="0" presId="urn:microsoft.com/office/officeart/2011/layout/TabList"/>
     <dgm:cxn modelId="{B5F5ED2A-BB8E-4EC2-8DEC-BF309CDB665A}" srcId="{10A886BE-3FDD-4E2B-B9CD-41BFFC52D625}" destId="{6ABFC51C-B6A2-4B37-8757-41D0A46C48A3}" srcOrd="0" destOrd="0" parTransId="{46B10605-10BC-444F-9410-DD0CF82A1A11}" sibTransId="{D947CDF1-4BE5-4926-BB54-F39D1BA4A98A}"/>
-    <dgm:cxn modelId="{48B9D050-B6EB-4C99-867C-03E66E40F417}" type="presOf" srcId="{6ABFC51C-B6A2-4B37-8757-41D0A46C48A3}" destId="{F2CC8820-8EFD-46A5-BF8C-C75425556499}" srcOrd="0" destOrd="0" presId="urn:microsoft.com/office/officeart/2011/layout/TabList"/>
     <dgm:cxn modelId="{E5888D65-3575-4F52-A11F-A9AC79EE46D5}" srcId="{769B6C3A-7D91-448B-BFAE-23452E779E6C}" destId="{10A886BE-3FDD-4E2B-B9CD-41BFFC52D625}" srcOrd="0" destOrd="0" parTransId="{30837BC2-89CE-4519-A7BE-1B5DFB6C373A}" sibTransId="{DBD27DE8-3C61-472E-898A-EED87729A639}"/>
-    <dgm:cxn modelId="{82B53731-8B61-4E55-BDCE-2FC5A5225AA5}" type="presOf" srcId="{769B6C3A-7D91-448B-BFAE-23452E779E6C}" destId="{86ADB2AD-438C-422D-9149-B688BC940569}" srcOrd="0" destOrd="0" presId="urn:microsoft.com/office/officeart/2011/layout/TabList"/>
-    <dgm:cxn modelId="{173A967F-EC4F-4256-881E-46B3A07A30BF}" type="presParOf" srcId="{86ADB2AD-438C-422D-9149-B688BC940569}" destId="{A3B9330F-AE03-40D3-AED0-11299DACAFE6}" srcOrd="0" destOrd="0" presId="urn:microsoft.com/office/officeart/2011/layout/TabList"/>
-    <dgm:cxn modelId="{32B43177-25CB-44D3-A4D6-6B601287286D}" type="presParOf" srcId="{A3B9330F-AE03-40D3-AED0-11299DACAFE6}" destId="{F2CC8820-8EFD-46A5-BF8C-C75425556499}" srcOrd="0" destOrd="0" presId="urn:microsoft.com/office/officeart/2011/layout/TabList"/>
-    <dgm:cxn modelId="{8E59C7E7-D409-4C0C-8E91-AFA41F68873A}" type="presParOf" srcId="{A3B9330F-AE03-40D3-AED0-11299DACAFE6}" destId="{EA84A2B0-ACF9-4FE0-8724-46A1A7116719}" srcOrd="1" destOrd="0" presId="urn:microsoft.com/office/officeart/2011/layout/TabList"/>
-    <dgm:cxn modelId="{417C6B21-5753-4D15-BF22-01BAF78C8DE7}" type="presParOf" srcId="{A3B9330F-AE03-40D3-AED0-11299DACAFE6}" destId="{AAC65FED-B913-4225-A0F5-06504ED03AD3}" srcOrd="2" destOrd="0" presId="urn:microsoft.com/office/officeart/2011/layout/TabList"/>
+    <dgm:cxn modelId="{C3E9FD9F-D7FA-4D28-9599-2FC1EA639CDA}" type="presOf" srcId="{6ABFC51C-B6A2-4B37-8757-41D0A46C48A3}" destId="{F2CC8820-8EFD-46A5-BF8C-C75425556499}" srcOrd="0" destOrd="0" presId="urn:microsoft.com/office/officeart/2011/layout/TabList"/>
+    <dgm:cxn modelId="{9B39BDB9-0139-4781-A2FA-07DAD4DB7B1A}" type="presOf" srcId="{10A886BE-3FDD-4E2B-B9CD-41BFFC52D625}" destId="{EA84A2B0-ACF9-4FE0-8724-46A1A7116719}" srcOrd="0" destOrd="0" presId="urn:microsoft.com/office/officeart/2011/layout/TabList"/>
+    <dgm:cxn modelId="{3FABEA59-FF09-4AAF-BF2A-ABE2050CF1F3}" type="presParOf" srcId="{86ADB2AD-438C-422D-9149-B688BC940569}" destId="{A3B9330F-AE03-40D3-AED0-11299DACAFE6}" srcOrd="0" destOrd="0" presId="urn:microsoft.com/office/officeart/2011/layout/TabList"/>
+    <dgm:cxn modelId="{340A851A-7887-4DC0-A85A-F41B1A7D179C}" type="presParOf" srcId="{A3B9330F-AE03-40D3-AED0-11299DACAFE6}" destId="{F2CC8820-8EFD-46A5-BF8C-C75425556499}" srcOrd="0" destOrd="0" presId="urn:microsoft.com/office/officeart/2011/layout/TabList"/>
+    <dgm:cxn modelId="{603BEC8F-CF61-4225-9EFD-353677A00B45}" type="presParOf" srcId="{A3B9330F-AE03-40D3-AED0-11299DACAFE6}" destId="{EA84A2B0-ACF9-4FE0-8724-46A1A7116719}" srcOrd="1" destOrd="0" presId="urn:microsoft.com/office/officeart/2011/layout/TabList"/>
+    <dgm:cxn modelId="{BEB1C8AD-4F50-45BC-A1E8-393C0337F61F}" type="presParOf" srcId="{A3B9330F-AE03-40D3-AED0-11299DACAFE6}" destId="{AAC65FED-B913-4225-A0F5-06504ED03AD3}" srcOrd="2" destOrd="0" presId="urn:microsoft.com/office/officeart/2011/layout/TabList"/>
   </dgm:cxnLst>
   <dgm:bg/>
   <dgm:whole/>
   <dgm:extLst>
     <a:ext uri="http://schemas.microsoft.com/office/drawing/2008/diagram">
-      <dsp:dataModelExt xmlns:dsp="http://schemas.microsoft.com/office/drawing/2008/diagram" relId="rId8" minVer="http://schemas.openxmlformats.org/drawingml/2006/diagram"/>
+      <dsp:dataModelExt xmlns:dsp="http://schemas.microsoft.com/office/drawing/2008/diagram" relId="rId7" minVer="http://schemas.openxmlformats.org/drawingml/2006/diagram"/>
     </a:ext>
   </dgm:extLst>
 </dgm:dataModel>
@@ -18166,8 +18160,8 @@
   </dgm:ptLst>
   <dgm:cxnLst>
     <dgm:cxn modelId="{B5F5ED2A-BB8E-4EC2-8DEC-BF309CDB665A}" srcId="{10A886BE-3FDD-4E2B-B9CD-41BFFC52D625}" destId="{6ABFC51C-B6A2-4B37-8757-41D0A46C48A3}" srcOrd="0" destOrd="0" parTransId="{46B10605-10BC-444F-9410-DD0CF82A1A11}" sibTransId="{D947CDF1-4BE5-4926-BB54-F39D1BA4A98A}"/>
+    <dgm:cxn modelId="{75A17FAF-D3DD-49A0-96F4-5CF260B6CB99}" type="presOf" srcId="{769B6C3A-7D91-448B-BFAE-23452E779E6C}" destId="{86ADB2AD-438C-422D-9149-B688BC940569}" srcOrd="0" destOrd="0" presId="urn:microsoft.com/office/officeart/2011/layout/TabList"/>
     <dgm:cxn modelId="{CAED2980-EBD6-4DB0-8E4F-5F7FB0562F54}" type="presOf" srcId="{6ABFC51C-B6A2-4B37-8757-41D0A46C48A3}" destId="{F2CC8820-8EFD-46A5-BF8C-C75425556499}" srcOrd="0" destOrd="0" presId="urn:microsoft.com/office/officeart/2011/layout/TabList"/>
-    <dgm:cxn modelId="{75A17FAF-D3DD-49A0-96F4-5CF260B6CB99}" type="presOf" srcId="{769B6C3A-7D91-448B-BFAE-23452E779E6C}" destId="{86ADB2AD-438C-422D-9149-B688BC940569}" srcOrd="0" destOrd="0" presId="urn:microsoft.com/office/officeart/2011/layout/TabList"/>
     <dgm:cxn modelId="{E5888D65-3575-4F52-A11F-A9AC79EE46D5}" srcId="{769B6C3A-7D91-448B-BFAE-23452E779E6C}" destId="{10A886BE-3FDD-4E2B-B9CD-41BFFC52D625}" srcOrd="0" destOrd="0" parTransId="{30837BC2-89CE-4519-A7BE-1B5DFB6C373A}" sibTransId="{DBD27DE8-3C61-472E-898A-EED87729A639}"/>
     <dgm:cxn modelId="{CBEFF24E-6D1A-4EEF-8BBB-6DFD401EF4E0}" type="presOf" srcId="{10A886BE-3FDD-4E2B-B9CD-41BFFC52D625}" destId="{EA84A2B0-ACF9-4FE0-8724-46A1A7116719}" srcOrd="0" destOrd="0" presId="urn:microsoft.com/office/officeart/2011/layout/TabList"/>
     <dgm:cxn modelId="{16F34871-06A3-4764-A1D5-C7D87C82B6F3}" type="presParOf" srcId="{86ADB2AD-438C-422D-9149-B688BC940569}" destId="{A3B9330F-AE03-40D3-AED0-11299DACAFE6}" srcOrd="0" destOrd="0" presId="urn:microsoft.com/office/officeart/2011/layout/TabList"/>
@@ -18260,7 +18254,7 @@
           </a:pPr>
           <a:r>
             <a:rPr lang="en-US" sz="2300" kern="1200" dirty="0" smtClean="0"/>
-            <a:t>Existing System</a:t>
+            <a:t>Idea</a:t>
           </a:r>
           <a:endParaRPr lang="en-US" sz="2300" kern="1200" dirty="0"/>
         </a:p>
@@ -18279,7 +18273,7 @@
           </a:pPr>
           <a:r>
             <a:rPr lang="en-US" sz="2300" kern="1200" dirty="0" smtClean="0"/>
-            <a:t>Ideal</a:t>
+            <a:t>Existing System</a:t>
           </a:r>
           <a:endParaRPr lang="en-US" sz="2300" kern="1200" dirty="0"/>
         </a:p>
@@ -20704,8 +20698,8 @@
       </dsp:nvSpPr>
       <dsp:spPr>
         <a:xfrm>
-          <a:off x="331547" y="1325363"/>
-          <a:ext cx="6781800" cy="0"/>
+          <a:off x="378449" y="1325363"/>
+          <a:ext cx="5172028" cy="0"/>
         </a:xfrm>
         <a:prstGeom prst="line">
           <a:avLst/>
@@ -20745,8 +20739,8 @@
       </dsp:nvSpPr>
       <dsp:spPr>
         <a:xfrm>
-          <a:off x="2820923" y="670957"/>
-          <a:ext cx="3960876" cy="662146"/>
+          <a:off x="2443507" y="670957"/>
+          <a:ext cx="2728520" cy="662146"/>
         </a:xfrm>
         <a:prstGeom prst="rect">
           <a:avLst/>
@@ -20787,15 +20781,15 @@
             </a:spcAft>
           </a:pPr>
           <a:r>
-            <a:rPr lang="en-US" sz="3600" i="0" kern="1200" dirty="0" smtClean="0"/>
-            <a:t>Existing System</a:t>
+            <a:rPr lang="en-US" sz="3600" kern="1200" dirty="0" smtClean="0"/>
+            <a:t>Idea</a:t>
           </a:r>
-          <a:endParaRPr lang="en-US" sz="3600" i="0" kern="1200" dirty="0"/>
+          <a:endParaRPr lang="en-US" sz="4000" kern="1200" dirty="0"/>
         </a:p>
       </dsp:txBody>
       <dsp:txXfrm>
-        <a:off x="2820923" y="670957"/>
-        <a:ext cx="3960876" cy="662146"/>
+        <a:off x="2443507" y="670957"/>
+        <a:ext cx="2728520" cy="662146"/>
       </dsp:txXfrm>
     </dsp:sp>
     <dsp:sp modelId="{EA84A2B0-ACF9-4FE0-8724-46A1A7116719}">
@@ -20805,8 +20799,8 @@
       </dsp:nvSpPr>
       <dsp:spPr>
         <a:xfrm>
-          <a:off x="-331547" y="663216"/>
-          <a:ext cx="3089457" cy="662146"/>
+          <a:off x="-378449" y="663216"/>
+          <a:ext cx="2858527" cy="662146"/>
         </a:xfrm>
         <a:prstGeom prst="round2SameRect">
           <a:avLst>
@@ -20911,8 +20905,8 @@
         </a:p>
       </dsp:txBody>
       <dsp:txXfrm>
-        <a:off x="-299218" y="695545"/>
-        <a:ext cx="3024799" cy="629817"/>
+        <a:off x="-346120" y="695545"/>
+        <a:ext cx="2793869" cy="629817"/>
       </dsp:txXfrm>
     </dsp:sp>
   </dsp:spTree>
@@ -20934,8 +20928,8 @@
       </dsp:nvSpPr>
       <dsp:spPr>
         <a:xfrm>
-          <a:off x="331547" y="1325363"/>
-          <a:ext cx="6781800" cy="0"/>
+          <a:off x="378449" y="1325363"/>
+          <a:ext cx="5172028" cy="0"/>
         </a:xfrm>
         <a:prstGeom prst="line">
           <a:avLst/>
@@ -20975,8 +20969,8 @@
       </dsp:nvSpPr>
       <dsp:spPr>
         <a:xfrm>
-          <a:off x="2820923" y="670957"/>
-          <a:ext cx="3960876" cy="662146"/>
+          <a:off x="2443507" y="670957"/>
+          <a:ext cx="2728520" cy="662146"/>
         </a:xfrm>
         <a:prstGeom prst="rect">
           <a:avLst/>
@@ -21017,15 +21011,15 @@
             </a:spcAft>
           </a:pPr>
           <a:r>
-            <a:rPr lang="en-US" sz="3600" i="0" kern="1200" dirty="0" smtClean="0"/>
-            <a:t>Existing System</a:t>
+            <a:rPr lang="en-US" sz="3600" kern="1200" dirty="0" smtClean="0"/>
+            <a:t>Idea</a:t>
           </a:r>
-          <a:endParaRPr lang="en-US" sz="3600" i="0" kern="1200" dirty="0"/>
+          <a:endParaRPr lang="en-US" sz="4000" kern="1200" dirty="0"/>
         </a:p>
       </dsp:txBody>
       <dsp:txXfrm>
-        <a:off x="2820923" y="670957"/>
-        <a:ext cx="3960876" cy="662146"/>
+        <a:off x="2443507" y="670957"/>
+        <a:ext cx="2728520" cy="662146"/>
       </dsp:txXfrm>
     </dsp:sp>
     <dsp:sp modelId="{EA84A2B0-ACF9-4FE0-8724-46A1A7116719}">
@@ -21035,8 +21029,8 @@
       </dsp:nvSpPr>
       <dsp:spPr>
         <a:xfrm>
-          <a:off x="-331547" y="663216"/>
-          <a:ext cx="3089457" cy="662146"/>
+          <a:off x="-378449" y="663216"/>
+          <a:ext cx="2858527" cy="662146"/>
         </a:xfrm>
         <a:prstGeom prst="round2SameRect">
           <a:avLst>
@@ -21141,8 +21135,8 @@
         </a:p>
       </dsp:txBody>
       <dsp:txXfrm>
-        <a:off x="-299218" y="695545"/>
-        <a:ext cx="3024799" cy="629817"/>
+        <a:off x="-346120" y="695545"/>
+        <a:ext cx="2793869" cy="629817"/>
       </dsp:txXfrm>
     </dsp:sp>
   </dsp:spTree>
@@ -21394,8 +21388,8 @@
       </dsp:nvSpPr>
       <dsp:spPr>
         <a:xfrm>
-          <a:off x="378449" y="1325363"/>
-          <a:ext cx="5172028" cy="0"/>
+          <a:off x="331547" y="1325363"/>
+          <a:ext cx="6781800" cy="0"/>
         </a:xfrm>
         <a:prstGeom prst="line">
           <a:avLst/>
@@ -21435,8 +21429,8 @@
       </dsp:nvSpPr>
       <dsp:spPr>
         <a:xfrm>
-          <a:off x="2443507" y="670957"/>
-          <a:ext cx="2728520" cy="662146"/>
+          <a:off x="2820923" y="670957"/>
+          <a:ext cx="3960876" cy="662146"/>
         </a:xfrm>
         <a:prstGeom prst="rect">
           <a:avLst/>
@@ -21477,15 +21471,15 @@
             </a:spcAft>
           </a:pPr>
           <a:r>
-            <a:rPr lang="en-US" sz="3600" kern="1200" dirty="0" smtClean="0"/>
-            <a:t>Idea</a:t>
+            <a:rPr lang="en-US" sz="3600" i="0" kern="1200" dirty="0" smtClean="0"/>
+            <a:t>Existing System</a:t>
           </a:r>
-          <a:endParaRPr lang="en-US" sz="4000" kern="1200" dirty="0"/>
+          <a:endParaRPr lang="en-US" sz="3600" i="0" kern="1200" dirty="0"/>
         </a:p>
       </dsp:txBody>
       <dsp:txXfrm>
-        <a:off x="2443507" y="670957"/>
-        <a:ext cx="2728520" cy="662146"/>
+        <a:off x="2820923" y="670957"/>
+        <a:ext cx="3960876" cy="662146"/>
       </dsp:txXfrm>
     </dsp:sp>
     <dsp:sp modelId="{EA84A2B0-ACF9-4FE0-8724-46A1A7116719}">
@@ -21495,8 +21489,8 @@
       </dsp:nvSpPr>
       <dsp:spPr>
         <a:xfrm>
-          <a:off x="-378449" y="663216"/>
-          <a:ext cx="2858527" cy="662146"/>
+          <a:off x="-331547" y="663216"/>
+          <a:ext cx="3089457" cy="662146"/>
         </a:xfrm>
         <a:prstGeom prst="round2SameRect">
           <a:avLst>
@@ -21601,8 +21595,8 @@
         </a:p>
       </dsp:txBody>
       <dsp:txXfrm>
-        <a:off x="-346120" y="695545"/>
-        <a:ext cx="2793869" cy="629817"/>
+        <a:off x="-299218" y="695545"/>
+        <a:ext cx="3024799" cy="629817"/>
       </dsp:txXfrm>
     </dsp:sp>
   </dsp:spTree>
@@ -21624,8 +21618,8 @@
       </dsp:nvSpPr>
       <dsp:spPr>
         <a:xfrm>
-          <a:off x="378449" y="1325363"/>
-          <a:ext cx="5172028" cy="0"/>
+          <a:off x="331547" y="1325363"/>
+          <a:ext cx="6781800" cy="0"/>
         </a:xfrm>
         <a:prstGeom prst="line">
           <a:avLst/>
@@ -21665,8 +21659,8 @@
       </dsp:nvSpPr>
       <dsp:spPr>
         <a:xfrm>
-          <a:off x="2443507" y="670957"/>
-          <a:ext cx="2728520" cy="662146"/>
+          <a:off x="2820923" y="670957"/>
+          <a:ext cx="3960876" cy="662146"/>
         </a:xfrm>
         <a:prstGeom prst="rect">
           <a:avLst/>
@@ -21707,15 +21701,15 @@
             </a:spcAft>
           </a:pPr>
           <a:r>
-            <a:rPr lang="en-US" sz="3600" kern="1200" dirty="0" smtClean="0"/>
-            <a:t>Idea</a:t>
+            <a:rPr lang="en-US" sz="3600" i="0" kern="1200" dirty="0" smtClean="0"/>
+            <a:t>Existing System</a:t>
           </a:r>
-          <a:endParaRPr lang="en-US" sz="4000" kern="1200" dirty="0"/>
+          <a:endParaRPr lang="en-US" sz="3600" i="0" kern="1200" dirty="0"/>
         </a:p>
       </dsp:txBody>
       <dsp:txXfrm>
-        <a:off x="2443507" y="670957"/>
-        <a:ext cx="2728520" cy="662146"/>
+        <a:off x="2820923" y="670957"/>
+        <a:ext cx="3960876" cy="662146"/>
       </dsp:txXfrm>
     </dsp:sp>
     <dsp:sp modelId="{EA84A2B0-ACF9-4FE0-8724-46A1A7116719}">
@@ -21725,8 +21719,8 @@
       </dsp:nvSpPr>
       <dsp:spPr>
         <a:xfrm>
-          <a:off x="-378449" y="663216"/>
-          <a:ext cx="2858527" cy="662146"/>
+          <a:off x="-331547" y="663216"/>
+          <a:ext cx="3089457" cy="662146"/>
         </a:xfrm>
         <a:prstGeom prst="round2SameRect">
           <a:avLst>
@@ -21831,8 +21825,8 @@
         </a:p>
       </dsp:txBody>
       <dsp:txXfrm>
-        <a:off x="-346120" y="695545"/>
-        <a:ext cx="2793869" cy="629817"/>
+        <a:off x="-299218" y="695545"/>
+        <a:ext cx="3024799" cy="629817"/>
       </dsp:txXfrm>
     </dsp:sp>
   </dsp:spTree>
@@ -21938,15 +21932,7 @@
           </a:pPr>
           <a:r>
             <a:rPr lang="en-US" sz="3600" kern="1200" dirty="0" smtClean="0"/>
-            <a:t>Idea (</a:t>
-          </a:r>
-          <a:r>
-            <a:rPr lang="en-US" sz="3600" kern="1200" dirty="0" err="1" smtClean="0"/>
-            <a:t>cont</a:t>
-          </a:r>
-          <a:r>
-            <a:rPr lang="en-US" sz="3600" kern="1200" dirty="0" smtClean="0"/>
-            <a:t>) </a:t>
+            <a:t>Conclusion </a:t>
           </a:r>
           <a:endParaRPr lang="en-US" sz="3600" kern="1200" dirty="0"/>
         </a:p>
@@ -45545,7 +45531,7 @@
               <a:pPr>
                 <a:defRPr/>
               </a:pPr>
-              <a:t>13-Sep-12</a:t>
+              <a:t>9/18/2012</a:t>
             </a:fld>
             <a:endParaRPr lang="en-US"/>
           </a:p>
@@ -46043,7 +46029,7 @@
               <a:pPr>
                 <a:defRPr/>
               </a:pPr>
-              <a:t>13/09/2012</a:t>
+              <a:t>18/09/2012</a:t>
             </a:fld>
             <a:endParaRPr lang="fr-FR"/>
           </a:p>
@@ -46240,7 +46226,7 @@
               <a:pPr>
                 <a:defRPr/>
               </a:pPr>
-              <a:t>13/09/2012</a:t>
+              <a:t>18/09/2012</a:t>
             </a:fld>
             <a:endParaRPr lang="fr-FR"/>
           </a:p>
@@ -46447,7 +46433,7 @@
               <a:pPr>
                 <a:defRPr/>
               </a:pPr>
-              <a:t>13/09/2012</a:t>
+              <a:t>18/09/2012</a:t>
             </a:fld>
             <a:endParaRPr lang="fr-FR"/>
           </a:p>
@@ -46644,7 +46630,7 @@
               <a:pPr>
                 <a:defRPr/>
               </a:pPr>
-              <a:t>13/09/2012</a:t>
+              <a:t>18/09/2012</a:t>
             </a:fld>
             <a:endParaRPr lang="fr-FR"/>
           </a:p>
@@ -46917,7 +46903,7 @@
               <a:pPr>
                 <a:defRPr/>
               </a:pPr>
-              <a:t>13/09/2012</a:t>
+              <a:t>18/09/2012</a:t>
             </a:fld>
             <a:endParaRPr lang="fr-FR"/>
           </a:p>
@@ -47232,7 +47218,7 @@
               <a:pPr>
                 <a:defRPr/>
               </a:pPr>
-              <a:t>13/09/2012</a:t>
+              <a:t>18/09/2012</a:t>
             </a:fld>
             <a:endParaRPr lang="fr-FR"/>
           </a:p>
@@ -47681,7 +47667,7 @@
               <a:pPr>
                 <a:defRPr/>
               </a:pPr>
-              <a:t>13/09/2012</a:t>
+              <a:t>18/09/2012</a:t>
             </a:fld>
             <a:endParaRPr lang="fr-FR"/>
           </a:p>
@@ -47826,7 +47812,7 @@
               <a:pPr>
                 <a:defRPr/>
               </a:pPr>
-              <a:t>13/09/2012</a:t>
+              <a:t>18/09/2012</a:t>
             </a:fld>
             <a:endParaRPr lang="fr-FR"/>
           </a:p>
@@ -47948,7 +47934,7 @@
               <a:pPr>
                 <a:defRPr/>
               </a:pPr>
-              <a:t>13/09/2012</a:t>
+              <a:t>18/09/2012</a:t>
             </a:fld>
             <a:endParaRPr lang="fr-FR"/>
           </a:p>
@@ -48252,7 +48238,7 @@
               <a:pPr>
                 <a:defRPr/>
               </a:pPr>
-              <a:t>13/09/2012</a:t>
+              <a:t>18/09/2012</a:t>
             </a:fld>
             <a:endParaRPr lang="fr-FR"/>
           </a:p>
@@ -48539,7 +48525,7 @@
               <a:pPr>
                 <a:defRPr/>
               </a:pPr>
-              <a:t>13/09/2012</a:t>
+              <a:t>18/09/2012</a:t>
             </a:fld>
             <a:endParaRPr lang="fr-FR"/>
           </a:p>
@@ -48831,7 +48817,7 @@
               <a:pPr>
                 <a:defRPr/>
               </a:pPr>
-              <a:t>13/09/2012</a:t>
+              <a:t>18/09/2012</a:t>
             </a:fld>
             <a:endParaRPr lang="fr-FR"/>
           </a:p>
@@ -50615,7 +50601,7 @@
           <p:nvPr/>
         </p:nvPicPr>
         <p:blipFill>
-          <a:blip r:embed="rId12">
+          <a:blip r:embed="rId12" cstate="print">
             <a:extLst>
               <a:ext uri="{28A0092B-C50C-407E-A947-70E740481C1C}">
                 <a14:useLocalDpi xmlns:a14="http://schemas.microsoft.com/office/drawing/2010/main" val="0"/>
@@ -51807,27 +51793,6 @@
               </a:rPr>
               <a:t>SMO</a:t>
             </a:r>
-            <a:endParaRPr lang="en-US" sz="3200" b="1" dirty="0">
-              <a:ln w="19050">
-                <a:solidFill>
-                  <a:schemeClr val="tx2">
-                    <a:tint val="1000"/>
-                  </a:schemeClr>
-                </a:solidFill>
-                <a:prstDash val="solid"/>
-              </a:ln>
-              <a:solidFill>
-                <a:srgbClr val="FF0000"/>
-              </a:solidFill>
-              <a:effectLst>
-                <a:outerShdw blurRad="50000" dist="50800" dir="7500000" algn="tl">
-                  <a:srgbClr val="000000">
-                    <a:shade val="5000"/>
-                    <a:alpha val="35000"/>
-                  </a:srgbClr>
-                </a:outerShdw>
-              </a:effectLst>
-            </a:endParaRPr>
           </a:p>
         </p:txBody>
       </p:sp>
@@ -52439,13 +52404,13 @@
         </p:spPr>
         <p:style>
           <a:lnRef idx="1">
-            <a:schemeClr val="accent3"/>
+            <a:schemeClr val="accent4"/>
           </a:lnRef>
           <a:fillRef idx="3">
-            <a:schemeClr val="accent3"/>
+            <a:schemeClr val="accent4"/>
           </a:fillRef>
           <a:effectRef idx="2">
-            <a:schemeClr val="accent3"/>
+            <a:schemeClr val="accent4"/>
           </a:effectRef>
           <a:fontRef idx="minor">
             <a:schemeClr val="lt1"/>
@@ -52465,12 +52430,16 @@
               <a:defRPr/>
             </a:pPr>
             <a:r>
-              <a:rPr lang="en-US" sz="1100" b="1" dirty="0">
+              <a:rPr lang="en-US" sz="1100" b="1" dirty="0" smtClean="0">
                 <a:ea typeface="Calibri"/>
                 <a:cs typeface="Times New Roman"/>
               </a:rPr>
-              <a:t>RS232</a:t>
+              <a:t>USB module</a:t>
             </a:r>
+            <a:endParaRPr lang="en-US" sz="1100" b="1" dirty="0">
+              <a:ea typeface="Calibri"/>
+              <a:cs typeface="Times New Roman"/>
+            </a:endParaRPr>
           </a:p>
         </p:txBody>
       </p:sp>
@@ -52577,13 +52546,18 @@
               <a:defRPr/>
             </a:pPr>
             <a:r>
-              <a:rPr lang="en-US" b="1" dirty="0">
+              <a:rPr lang="en-US" b="1" dirty="0" smtClean="0">
                 <a:solidFill>
                   <a:schemeClr val="tx1"/>
                 </a:solidFill>
               </a:rPr>
-              <a:t>RS232</a:t>
+              <a:t>USB</a:t>
             </a:r>
+            <a:endParaRPr lang="en-US" b="1" dirty="0">
+              <a:solidFill>
+                <a:schemeClr val="tx1"/>
+              </a:solidFill>
+            </a:endParaRPr>
           </a:p>
         </p:txBody>
       </p:sp>
@@ -56280,7 +56254,13 @@
         <p:nvGraphicFramePr>
           <p:cNvPr id="4" name="Diagram 3"/>
           <p:cNvGraphicFramePr/>
-          <p:nvPr/>
+          <p:nvPr>
+            <p:extLst>
+              <p:ext uri="{D42A27DB-BD31-4B8C-83A1-F6EECF244321}">
+                <p14:modId xmlns:p14="http://schemas.microsoft.com/office/powerpoint/2010/main" val="2273707844"/>
+              </p:ext>
+            </p:extLst>
+          </p:nvPr>
         </p:nvGraphicFramePr>
         <p:xfrm>
           <a:off x="1219200" y="1295400"/>
@@ -56326,18 +56306,1221 @@
 <file path=ppt/slides/slide3.xml><?xml version="1.0" encoding="utf-8"?>
 <p:sld xmlns:a="http://schemas.openxmlformats.org/drawingml/2006/main" xmlns:r="http://schemas.openxmlformats.org/officeDocument/2006/relationships" xmlns:p="http://schemas.openxmlformats.org/presentationml/2006/main">
   <p:cSld>
-    <p:bg>
-      <p:bgPr>
-        <a:blipFill dpi="0" rotWithShape="0">
-          <a:blip r:embed="rId2"/>
+    <p:spTree>
+      <p:nvGrpSpPr>
+        <p:cNvPr id="1" name=""/>
+        <p:cNvGrpSpPr/>
+        <p:nvPr/>
+      </p:nvGrpSpPr>
+      <p:grpSpPr>
+        <a:xfrm>
+          <a:off x="0" y="0"/>
+          <a:ext cx="0" cy="0"/>
+          <a:chOff x="0" y="0"/>
+          <a:chExt cx="0" cy="0"/>
+        </a:xfrm>
+      </p:grpSpPr>
+      <p:pic>
+        <p:nvPicPr>
+          <p:cNvPr id="7170" name="Picture 17"/>
+          <p:cNvPicPr>
+            <a:picLocks noChangeAspect="1"/>
+          </p:cNvPicPr>
+          <p:nvPr/>
+        </p:nvPicPr>
+        <p:blipFill>
+          <a:blip r:embed="rId2">
+            <a:extLst>
+              <a:ext uri="{28A0092B-C50C-407E-A947-70E740481C1C}">
+                <a14:useLocalDpi xmlns:a14="http://schemas.microsoft.com/office/drawing/2010/main" val="0"/>
+              </a:ext>
+            </a:extLst>
+          </a:blip>
           <a:srcRect/>
           <a:stretch>
             <a:fillRect/>
           </a:stretch>
-        </a:blipFill>
-        <a:effectLst/>
-      </p:bgPr>
-    </p:bg>
+        </p:blipFill>
+        <p:spPr bwMode="auto">
+          <a:xfrm>
+            <a:off x="0" y="0"/>
+            <a:ext cx="9144000" cy="6858000"/>
+          </a:xfrm>
+          <a:prstGeom prst="rect">
+            <a:avLst/>
+          </a:prstGeom>
+          <a:noFill/>
+          <a:ln>
+            <a:noFill/>
+          </a:ln>
+          <a:extLst>
+            <a:ext uri="{909E8E84-426E-40DD-AFC4-6F175D3DCCD1}">
+              <a14:hiddenFill xmlns:a14="http://schemas.microsoft.com/office/drawing/2010/main">
+                <a:solidFill>
+                  <a:srgbClr val="FFFFFF"/>
+                </a:solidFill>
+              </a14:hiddenFill>
+            </a:ext>
+            <a:ext uri="{91240B29-F687-4F45-9708-019B960494DF}">
+              <a14:hiddenLine xmlns:a14="http://schemas.microsoft.com/office/drawing/2010/main" w="9525">
+                <a:solidFill>
+                  <a:srgbClr val="000000"/>
+                </a:solidFill>
+                <a:miter lim="800000"/>
+                <a:headEnd/>
+                <a:tailEnd/>
+              </a14:hiddenLine>
+            </a:ext>
+          </a:extLst>
+        </p:spPr>
+      </p:pic>
+      <p:graphicFrame>
+        <p:nvGraphicFramePr>
+          <p:cNvPr id="8" name="Diagram 7"/>
+          <p:cNvGraphicFramePr/>
+          <p:nvPr/>
+        </p:nvGraphicFramePr>
+        <p:xfrm>
+          <a:off x="542972" y="-442355"/>
+          <a:ext cx="5172028" cy="1988580"/>
+        </p:xfrm>
+        <a:graphic>
+          <a:graphicData uri="http://schemas.openxmlformats.org/drawingml/2006/diagram">
+            <dgm:relIds xmlns:dgm="http://schemas.openxmlformats.org/drawingml/2006/diagram" xmlns:r="http://schemas.openxmlformats.org/officeDocument/2006/relationships" r:dm="rId3" r:lo="rId4" r:qs="rId5" r:cs="rId6"/>
+          </a:graphicData>
+        </a:graphic>
+      </p:graphicFrame>
+      <p:pic>
+        <p:nvPicPr>
+          <p:cNvPr id="7172" name="Picture 9"/>
+          <p:cNvPicPr>
+            <a:picLocks noChangeAspect="1"/>
+          </p:cNvPicPr>
+          <p:nvPr/>
+        </p:nvPicPr>
+        <p:blipFill>
+          <a:blip r:embed="rId8">
+            <a:extLst>
+              <a:ext uri="{28A0092B-C50C-407E-A947-70E740481C1C}">
+                <a14:useLocalDpi xmlns:a14="http://schemas.microsoft.com/office/drawing/2010/main" val="0"/>
+              </a:ext>
+            </a:extLst>
+          </a:blip>
+          <a:srcRect/>
+          <a:stretch>
+            <a:fillRect/>
+          </a:stretch>
+        </p:blipFill>
+        <p:spPr bwMode="auto">
+          <a:xfrm>
+            <a:off x="323850" y="1231900"/>
+            <a:ext cx="1679575" cy="2708275"/>
+          </a:xfrm>
+          <a:prstGeom prst="rect">
+            <a:avLst/>
+          </a:prstGeom>
+          <a:noFill/>
+          <a:ln>
+            <a:noFill/>
+          </a:ln>
+          <a:extLst>
+            <a:ext uri="{909E8E84-426E-40DD-AFC4-6F175D3DCCD1}">
+              <a14:hiddenFill xmlns:a14="http://schemas.microsoft.com/office/drawing/2010/main">
+                <a:solidFill>
+                  <a:srgbClr val="FFFFFF"/>
+                </a:solidFill>
+              </a14:hiddenFill>
+            </a:ext>
+            <a:ext uri="{91240B29-F687-4F45-9708-019B960494DF}">
+              <a14:hiddenLine xmlns:a14="http://schemas.microsoft.com/office/drawing/2010/main" w="9525">
+                <a:solidFill>
+                  <a:srgbClr val="000000"/>
+                </a:solidFill>
+                <a:miter lim="800000"/>
+                <a:headEnd/>
+                <a:tailEnd/>
+              </a14:hiddenLine>
+            </a:ext>
+          </a:extLst>
+        </p:spPr>
+      </p:pic>
+      <p:pic>
+        <p:nvPicPr>
+          <p:cNvPr id="7173" name="Picture 10"/>
+          <p:cNvPicPr>
+            <a:picLocks noChangeAspect="1"/>
+          </p:cNvPicPr>
+          <p:nvPr/>
+        </p:nvPicPr>
+        <p:blipFill>
+          <a:blip r:embed="rId9">
+            <a:extLst>
+              <a:ext uri="{28A0092B-C50C-407E-A947-70E740481C1C}">
+                <a14:useLocalDpi xmlns:a14="http://schemas.microsoft.com/office/drawing/2010/main" val="0"/>
+              </a:ext>
+            </a:extLst>
+          </a:blip>
+          <a:srcRect/>
+          <a:stretch>
+            <a:fillRect/>
+          </a:stretch>
+        </p:blipFill>
+        <p:spPr bwMode="auto">
+          <a:xfrm>
+            <a:off x="2133600" y="3716338"/>
+            <a:ext cx="3525838" cy="2635250"/>
+          </a:xfrm>
+          <a:prstGeom prst="rect">
+            <a:avLst/>
+          </a:prstGeom>
+          <a:noFill/>
+          <a:ln>
+            <a:noFill/>
+          </a:ln>
+          <a:extLst>
+            <a:ext uri="{909E8E84-426E-40DD-AFC4-6F175D3DCCD1}">
+              <a14:hiddenFill xmlns:a14="http://schemas.microsoft.com/office/drawing/2010/main">
+                <a:solidFill>
+                  <a:srgbClr val="FFFFFF"/>
+                </a:solidFill>
+              </a14:hiddenFill>
+            </a:ext>
+            <a:ext uri="{91240B29-F687-4F45-9708-019B960494DF}">
+              <a14:hiddenLine xmlns:a14="http://schemas.microsoft.com/office/drawing/2010/main" w="9525">
+                <a:solidFill>
+                  <a:srgbClr val="000000"/>
+                </a:solidFill>
+                <a:miter lim="800000"/>
+                <a:headEnd/>
+                <a:tailEnd/>
+              </a14:hiddenLine>
+            </a:ext>
+          </a:extLst>
+        </p:spPr>
+      </p:pic>
+      <p:pic>
+        <p:nvPicPr>
+          <p:cNvPr id="7174" name="Picture 11"/>
+          <p:cNvPicPr>
+            <a:picLocks noChangeAspect="1"/>
+          </p:cNvPicPr>
+          <p:nvPr/>
+        </p:nvPicPr>
+        <p:blipFill>
+          <a:blip r:embed="rId10" cstate="print">
+            <a:extLst>
+              <a:ext uri="{28A0092B-C50C-407E-A947-70E740481C1C}">
+                <a14:useLocalDpi xmlns:a14="http://schemas.microsoft.com/office/drawing/2010/main" val="0"/>
+              </a:ext>
+            </a:extLst>
+          </a:blip>
+          <a:srcRect/>
+          <a:stretch>
+            <a:fillRect/>
+          </a:stretch>
+        </p:blipFill>
+        <p:spPr bwMode="auto">
+          <a:xfrm>
+            <a:off x="6069013" y="1273175"/>
+            <a:ext cx="2844800" cy="2682875"/>
+          </a:xfrm>
+          <a:prstGeom prst="rect">
+            <a:avLst/>
+          </a:prstGeom>
+          <a:noFill/>
+          <a:ln>
+            <a:noFill/>
+          </a:ln>
+          <a:extLst>
+            <a:ext uri="{909E8E84-426E-40DD-AFC4-6F175D3DCCD1}">
+              <a14:hiddenFill xmlns:a14="http://schemas.microsoft.com/office/drawing/2010/main">
+                <a:solidFill>
+                  <a:srgbClr val="FFFFFF"/>
+                </a:solidFill>
+              </a14:hiddenFill>
+            </a:ext>
+            <a:ext uri="{91240B29-F687-4F45-9708-019B960494DF}">
+              <a14:hiddenLine xmlns:a14="http://schemas.microsoft.com/office/drawing/2010/main" w="9525">
+                <a:solidFill>
+                  <a:srgbClr val="000000"/>
+                </a:solidFill>
+                <a:miter lim="800000"/>
+                <a:headEnd/>
+                <a:tailEnd/>
+              </a14:hiddenLine>
+            </a:ext>
+          </a:extLst>
+        </p:spPr>
+      </p:pic>
+      <p:cxnSp>
+        <p:nvCxnSpPr>
+          <p:cNvPr id="13" name="Elbow Connector 12"/>
+          <p:cNvCxnSpPr>
+            <a:stCxn id="7172" idx="2"/>
+            <a:endCxn id="7173" idx="1"/>
+          </p:cNvCxnSpPr>
+          <p:nvPr/>
+        </p:nvCxnSpPr>
+        <p:spPr>
+          <a:xfrm rot="16200000" flipH="1">
+            <a:off x="1101725" y="4002088"/>
+            <a:ext cx="1093788" cy="969962"/>
+          </a:xfrm>
+          <a:prstGeom prst="bentConnector2">
+            <a:avLst/>
+          </a:prstGeom>
+          <a:ln>
+            <a:tailEnd type="arrow"/>
+          </a:ln>
+        </p:spPr>
+        <p:style>
+          <a:lnRef idx="3">
+            <a:schemeClr val="accent3"/>
+          </a:lnRef>
+          <a:fillRef idx="0">
+            <a:schemeClr val="accent3"/>
+          </a:fillRef>
+          <a:effectRef idx="2">
+            <a:schemeClr val="accent3"/>
+          </a:effectRef>
+          <a:fontRef idx="minor">
+            <a:schemeClr val="tx1"/>
+          </a:fontRef>
+        </p:style>
+      </p:cxnSp>
+      <p:cxnSp>
+        <p:nvCxnSpPr>
+          <p:cNvPr id="15" name="Elbow Connector 14"/>
+          <p:cNvCxnSpPr>
+            <a:stCxn id="7173" idx="3"/>
+            <a:endCxn id="7174" idx="2"/>
+          </p:cNvCxnSpPr>
+          <p:nvPr/>
+        </p:nvCxnSpPr>
+        <p:spPr>
+          <a:xfrm flipV="1">
+            <a:off x="5659438" y="3956050"/>
+            <a:ext cx="1831975" cy="1077913"/>
+          </a:xfrm>
+          <a:prstGeom prst="bentConnector2">
+            <a:avLst/>
+          </a:prstGeom>
+          <a:ln>
+            <a:tailEnd type="arrow"/>
+          </a:ln>
+        </p:spPr>
+        <p:style>
+          <a:lnRef idx="3">
+            <a:schemeClr val="accent3"/>
+          </a:lnRef>
+          <a:fillRef idx="0">
+            <a:schemeClr val="accent3"/>
+          </a:fillRef>
+          <a:effectRef idx="2">
+            <a:schemeClr val="accent3"/>
+          </a:effectRef>
+          <a:fontRef idx="minor">
+            <a:schemeClr val="tx1"/>
+          </a:fontRef>
+        </p:style>
+      </p:cxnSp>
+      <p:cxnSp>
+        <p:nvCxnSpPr>
+          <p:cNvPr id="17" name="Elbow Connector 16"/>
+          <p:cNvCxnSpPr>
+            <a:stCxn id="7174" idx="1"/>
+            <a:endCxn id="7173" idx="0"/>
+          </p:cNvCxnSpPr>
+          <p:nvPr/>
+        </p:nvCxnSpPr>
+        <p:spPr>
+          <a:xfrm rot="10800000" flipV="1">
+            <a:off x="3897313" y="2614613"/>
+            <a:ext cx="2171700" cy="1101725"/>
+          </a:xfrm>
+          <a:prstGeom prst="bentConnector2">
+            <a:avLst/>
+          </a:prstGeom>
+          <a:ln>
+            <a:tailEnd type="arrow"/>
+          </a:ln>
+        </p:spPr>
+        <p:style>
+          <a:lnRef idx="3">
+            <a:schemeClr val="accent3"/>
+          </a:lnRef>
+          <a:fillRef idx="0">
+            <a:schemeClr val="accent3"/>
+          </a:fillRef>
+          <a:effectRef idx="2">
+            <a:schemeClr val="accent3"/>
+          </a:effectRef>
+          <a:fontRef idx="minor">
+            <a:schemeClr val="tx1"/>
+          </a:fontRef>
+        </p:style>
+      </p:cxnSp>
+      <p:sp>
+        <p:nvSpPr>
+          <p:cNvPr id="9" name="Rectangle 8"/>
+          <p:cNvSpPr/>
+          <p:nvPr/>
+        </p:nvSpPr>
+        <p:spPr bwMode="auto">
+          <a:xfrm rot="20271598">
+            <a:off x="972903" y="1865775"/>
+            <a:ext cx="5032610" cy="1323439"/>
+          </a:xfrm>
+          <a:prstGeom prst="rect">
+            <a:avLst/>
+          </a:prstGeom>
+          <a:noFill/>
+        </p:spPr>
+        <p:txBody>
+          <a:bodyPr wrap="none">
+            <a:spAutoFit/>
+            <a:scene3d>
+              <a:camera prst="orthographicFront"/>
+              <a:lightRig rig="flat" dir="tl">
+                <a:rot lat="0" lon="0" rev="6600000"/>
+              </a:lightRig>
+            </a:scene3d>
+            <a:sp3d extrusionH="25400" contourW="8890">
+              <a:bevelT w="38100" h="31750"/>
+              <a:contourClr>
+                <a:schemeClr val="accent2">
+                  <a:shade val="75000"/>
+                </a:schemeClr>
+              </a:contourClr>
+            </a:sp3d>
+          </a:bodyPr>
+          <a:lstStyle/>
+          <a:p>
+            <a:pPr algn="ctr">
+              <a:defRPr/>
+            </a:pPr>
+            <a:r>
+              <a:rPr lang="en-US" sz="8000" b="1" dirty="0">
+                <a:ln w="11430"/>
+                <a:solidFill>
+                  <a:srgbClr val="FF0000"/>
+                </a:solidFill>
+                <a:effectLst>
+                  <a:outerShdw blurRad="50800" dist="39000" dir="5460000" algn="tl">
+                    <a:srgbClr val="000000">
+                      <a:alpha val="38000"/>
+                    </a:srgbClr>
+                  </a:outerShdw>
+                </a:effectLst>
+              </a:rPr>
+              <a:t>Waste time</a:t>
+            </a:r>
+          </a:p>
+        </p:txBody>
+      </p:sp>
+    </p:spTree>
+    <p:extLst>
+      <p:ext uri="{BB962C8B-B14F-4D97-AF65-F5344CB8AC3E}">
+        <p14:creationId xmlns:p14="http://schemas.microsoft.com/office/powerpoint/2010/main" val="3677786064"/>
+      </p:ext>
+    </p:extLst>
+  </p:cSld>
+  <p:clrMapOvr>
+    <a:masterClrMapping/>
+  </p:clrMapOvr>
+  <p:timing>
+    <p:tnLst>
+      <p:par>
+        <p:cTn id="1" dur="indefinite" restart="never" nodeType="tmRoot"/>
+      </p:par>
+    </p:tnLst>
+  </p:timing>
+</p:sld>
+</file>
+
+<file path=ppt/slides/slide4.xml><?xml version="1.0" encoding="utf-8"?>
+<p:sld xmlns:a="http://schemas.openxmlformats.org/drawingml/2006/main" xmlns:r="http://schemas.openxmlformats.org/officeDocument/2006/relationships" xmlns:p="http://schemas.openxmlformats.org/presentationml/2006/main">
+  <p:cSld>
+    <p:spTree>
+      <p:nvGrpSpPr>
+        <p:cNvPr id="1" name=""/>
+        <p:cNvGrpSpPr/>
+        <p:nvPr/>
+      </p:nvGrpSpPr>
+      <p:grpSpPr>
+        <a:xfrm>
+          <a:off x="0" y="0"/>
+          <a:ext cx="0" cy="0"/>
+          <a:chOff x="0" y="0"/>
+          <a:chExt cx="0" cy="0"/>
+        </a:xfrm>
+      </p:grpSpPr>
+      <p:pic>
+        <p:nvPicPr>
+          <p:cNvPr id="8194" name="Picture 1"/>
+          <p:cNvPicPr>
+            <a:picLocks noChangeAspect="1"/>
+          </p:cNvPicPr>
+          <p:nvPr/>
+        </p:nvPicPr>
+        <p:blipFill>
+          <a:blip r:embed="rId2">
+            <a:extLst>
+              <a:ext uri="{28A0092B-C50C-407E-A947-70E740481C1C}">
+                <a14:useLocalDpi xmlns:a14="http://schemas.microsoft.com/office/drawing/2010/main" val="0"/>
+              </a:ext>
+            </a:extLst>
+          </a:blip>
+          <a:srcRect/>
+          <a:stretch>
+            <a:fillRect/>
+          </a:stretch>
+        </p:blipFill>
+        <p:spPr bwMode="auto">
+          <a:xfrm>
+            <a:off x="0" y="0"/>
+            <a:ext cx="9144000" cy="6858000"/>
+          </a:xfrm>
+          <a:prstGeom prst="rect">
+            <a:avLst/>
+          </a:prstGeom>
+          <a:noFill/>
+          <a:ln>
+            <a:noFill/>
+          </a:ln>
+          <a:extLst>
+            <a:ext uri="{909E8E84-426E-40DD-AFC4-6F175D3DCCD1}">
+              <a14:hiddenFill xmlns:a14="http://schemas.microsoft.com/office/drawing/2010/main">
+                <a:solidFill>
+                  <a:srgbClr val="FFFFFF"/>
+                </a:solidFill>
+              </a14:hiddenFill>
+            </a:ext>
+            <a:ext uri="{91240B29-F687-4F45-9708-019B960494DF}">
+              <a14:hiddenLine xmlns:a14="http://schemas.microsoft.com/office/drawing/2010/main" w="9525">
+                <a:solidFill>
+                  <a:srgbClr val="000000"/>
+                </a:solidFill>
+                <a:miter lim="800000"/>
+                <a:headEnd/>
+                <a:tailEnd/>
+              </a14:hiddenLine>
+            </a:ext>
+          </a:extLst>
+        </p:spPr>
+      </p:pic>
+      <p:graphicFrame>
+        <p:nvGraphicFramePr>
+          <p:cNvPr id="8" name="Diagram 7"/>
+          <p:cNvGraphicFramePr/>
+          <p:nvPr/>
+        </p:nvGraphicFramePr>
+        <p:xfrm>
+          <a:off x="542972" y="-442355"/>
+          <a:ext cx="5172028" cy="1988580"/>
+        </p:xfrm>
+        <a:graphic>
+          <a:graphicData uri="http://schemas.openxmlformats.org/drawingml/2006/diagram">
+            <dgm:relIds xmlns:dgm="http://schemas.openxmlformats.org/drawingml/2006/diagram" xmlns:r="http://schemas.openxmlformats.org/officeDocument/2006/relationships" r:dm="rId3" r:lo="rId4" r:qs="rId5" r:cs="rId6"/>
+          </a:graphicData>
+        </a:graphic>
+      </p:graphicFrame>
+      <p:pic>
+        <p:nvPicPr>
+          <p:cNvPr id="8196" name="Picture 2"/>
+          <p:cNvPicPr>
+            <a:picLocks noChangeAspect="1"/>
+          </p:cNvPicPr>
+          <p:nvPr/>
+        </p:nvPicPr>
+        <p:blipFill>
+          <a:blip r:embed="rId8">
+            <a:extLst>
+              <a:ext uri="{28A0092B-C50C-407E-A947-70E740481C1C}">
+                <a14:useLocalDpi xmlns:a14="http://schemas.microsoft.com/office/drawing/2010/main" val="0"/>
+              </a:ext>
+            </a:extLst>
+          </a:blip>
+          <a:srcRect/>
+          <a:stretch>
+            <a:fillRect/>
+          </a:stretch>
+        </p:blipFill>
+        <p:spPr bwMode="auto">
+          <a:xfrm>
+            <a:off x="2794000" y="2079625"/>
+            <a:ext cx="3556000" cy="2698750"/>
+          </a:xfrm>
+          <a:prstGeom prst="rect">
+            <a:avLst/>
+          </a:prstGeom>
+          <a:noFill/>
+          <a:ln>
+            <a:noFill/>
+          </a:ln>
+          <a:extLst>
+            <a:ext uri="{909E8E84-426E-40DD-AFC4-6F175D3DCCD1}">
+              <a14:hiddenFill xmlns:a14="http://schemas.microsoft.com/office/drawing/2010/main">
+                <a:solidFill>
+                  <a:srgbClr val="FFFFFF"/>
+                </a:solidFill>
+              </a14:hiddenFill>
+            </a:ext>
+            <a:ext uri="{91240B29-F687-4F45-9708-019B960494DF}">
+              <a14:hiddenLine xmlns:a14="http://schemas.microsoft.com/office/drawing/2010/main" w="9525">
+                <a:solidFill>
+                  <a:srgbClr val="000000"/>
+                </a:solidFill>
+                <a:miter lim="800000"/>
+                <a:headEnd/>
+                <a:tailEnd/>
+              </a14:hiddenLine>
+            </a:ext>
+          </a:extLst>
+        </p:spPr>
+      </p:pic>
+      <p:pic>
+        <p:nvPicPr>
+          <p:cNvPr id="8197" name="Picture 3"/>
+          <p:cNvPicPr>
+            <a:picLocks noChangeAspect="1"/>
+          </p:cNvPicPr>
+          <p:nvPr/>
+        </p:nvPicPr>
+        <p:blipFill>
+          <a:blip r:embed="rId9">
+            <a:extLst>
+              <a:ext uri="{28A0092B-C50C-407E-A947-70E740481C1C}">
+                <a14:useLocalDpi xmlns:a14="http://schemas.microsoft.com/office/drawing/2010/main" val="0"/>
+              </a:ext>
+            </a:extLst>
+          </a:blip>
+          <a:srcRect/>
+          <a:stretch>
+            <a:fillRect/>
+          </a:stretch>
+        </p:blipFill>
+        <p:spPr bwMode="auto">
+          <a:xfrm>
+            <a:off x="4953000" y="1209675"/>
+            <a:ext cx="2079625" cy="1576388"/>
+          </a:xfrm>
+          <a:prstGeom prst="rect">
+            <a:avLst/>
+          </a:prstGeom>
+          <a:noFill/>
+          <a:ln>
+            <a:noFill/>
+          </a:ln>
+          <a:extLst>
+            <a:ext uri="{909E8E84-426E-40DD-AFC4-6F175D3DCCD1}">
+              <a14:hiddenFill xmlns:a14="http://schemas.microsoft.com/office/drawing/2010/main">
+                <a:solidFill>
+                  <a:srgbClr val="FFFFFF"/>
+                </a:solidFill>
+              </a14:hiddenFill>
+            </a:ext>
+            <a:ext uri="{91240B29-F687-4F45-9708-019B960494DF}">
+              <a14:hiddenLine xmlns:a14="http://schemas.microsoft.com/office/drawing/2010/main" w="9525">
+                <a:solidFill>
+                  <a:srgbClr val="000000"/>
+                </a:solidFill>
+                <a:miter lim="800000"/>
+                <a:headEnd/>
+                <a:tailEnd/>
+              </a14:hiddenLine>
+            </a:ext>
+          </a:extLst>
+        </p:spPr>
+      </p:pic>
+      <p:pic>
+        <p:nvPicPr>
+          <p:cNvPr id="8198" name="Picture 5"/>
+          <p:cNvPicPr>
+            <a:picLocks noChangeAspect="1"/>
+          </p:cNvPicPr>
+          <p:nvPr/>
+        </p:nvPicPr>
+        <p:blipFill>
+          <a:blip r:embed="rId9">
+            <a:extLst>
+              <a:ext uri="{28A0092B-C50C-407E-A947-70E740481C1C}">
+                <a14:useLocalDpi xmlns:a14="http://schemas.microsoft.com/office/drawing/2010/main" val="0"/>
+              </a:ext>
+            </a:extLst>
+          </a:blip>
+          <a:srcRect/>
+          <a:stretch>
+            <a:fillRect/>
+          </a:stretch>
+        </p:blipFill>
+        <p:spPr bwMode="auto">
+          <a:xfrm>
+            <a:off x="1266825" y="3481388"/>
+            <a:ext cx="2078038" cy="1577975"/>
+          </a:xfrm>
+          <a:prstGeom prst="rect">
+            <a:avLst/>
+          </a:prstGeom>
+          <a:noFill/>
+          <a:ln>
+            <a:noFill/>
+          </a:ln>
+          <a:extLst>
+            <a:ext uri="{909E8E84-426E-40DD-AFC4-6F175D3DCCD1}">
+              <a14:hiddenFill xmlns:a14="http://schemas.microsoft.com/office/drawing/2010/main">
+                <a:solidFill>
+                  <a:srgbClr val="FFFFFF"/>
+                </a:solidFill>
+              </a14:hiddenFill>
+            </a:ext>
+            <a:ext uri="{91240B29-F687-4F45-9708-019B960494DF}">
+              <a14:hiddenLine xmlns:a14="http://schemas.microsoft.com/office/drawing/2010/main" w="9525">
+                <a:solidFill>
+                  <a:srgbClr val="000000"/>
+                </a:solidFill>
+                <a:miter lim="800000"/>
+                <a:headEnd/>
+                <a:tailEnd/>
+              </a14:hiddenLine>
+            </a:ext>
+          </a:extLst>
+        </p:spPr>
+      </p:pic>
+      <p:pic>
+        <p:nvPicPr>
+          <p:cNvPr id="8199" name="Picture 6"/>
+          <p:cNvPicPr>
+            <a:picLocks noChangeAspect="1"/>
+          </p:cNvPicPr>
+          <p:nvPr/>
+        </p:nvPicPr>
+        <p:blipFill>
+          <a:blip r:embed="rId9">
+            <a:extLst>
+              <a:ext uri="{28A0092B-C50C-407E-A947-70E740481C1C}">
+                <a14:useLocalDpi xmlns:a14="http://schemas.microsoft.com/office/drawing/2010/main" val="0"/>
+              </a:ext>
+            </a:extLst>
+          </a:blip>
+          <a:srcRect/>
+          <a:stretch>
+            <a:fillRect/>
+          </a:stretch>
+        </p:blipFill>
+        <p:spPr bwMode="auto">
+          <a:xfrm>
+            <a:off x="3344863" y="4778375"/>
+            <a:ext cx="2079625" cy="1576388"/>
+          </a:xfrm>
+          <a:prstGeom prst="rect">
+            <a:avLst/>
+          </a:prstGeom>
+          <a:noFill/>
+          <a:ln>
+            <a:noFill/>
+          </a:ln>
+          <a:extLst>
+            <a:ext uri="{909E8E84-426E-40DD-AFC4-6F175D3DCCD1}">
+              <a14:hiddenFill xmlns:a14="http://schemas.microsoft.com/office/drawing/2010/main">
+                <a:solidFill>
+                  <a:srgbClr val="FFFFFF"/>
+                </a:solidFill>
+              </a14:hiddenFill>
+            </a:ext>
+            <a:ext uri="{91240B29-F687-4F45-9708-019B960494DF}">
+              <a14:hiddenLine xmlns:a14="http://schemas.microsoft.com/office/drawing/2010/main" w="9525">
+                <a:solidFill>
+                  <a:srgbClr val="000000"/>
+                </a:solidFill>
+                <a:miter lim="800000"/>
+                <a:headEnd/>
+                <a:tailEnd/>
+              </a14:hiddenLine>
+            </a:ext>
+          </a:extLst>
+        </p:spPr>
+      </p:pic>
+      <p:pic>
+        <p:nvPicPr>
+          <p:cNvPr id="8200" name="Picture 8"/>
+          <p:cNvPicPr>
+            <a:picLocks noChangeAspect="1"/>
+          </p:cNvPicPr>
+          <p:nvPr/>
+        </p:nvPicPr>
+        <p:blipFill>
+          <a:blip r:embed="rId9">
+            <a:extLst>
+              <a:ext uri="{28A0092B-C50C-407E-A947-70E740481C1C}">
+                <a14:useLocalDpi xmlns:a14="http://schemas.microsoft.com/office/drawing/2010/main" val="0"/>
+              </a:ext>
+            </a:extLst>
+          </a:blip>
+          <a:srcRect/>
+          <a:stretch>
+            <a:fillRect/>
+          </a:stretch>
+        </p:blipFill>
+        <p:spPr bwMode="auto">
+          <a:xfrm>
+            <a:off x="5486400" y="3962400"/>
+            <a:ext cx="2079625" cy="1577975"/>
+          </a:xfrm>
+          <a:prstGeom prst="rect">
+            <a:avLst/>
+          </a:prstGeom>
+          <a:noFill/>
+          <a:ln>
+            <a:noFill/>
+          </a:ln>
+          <a:extLst>
+            <a:ext uri="{909E8E84-426E-40DD-AFC4-6F175D3DCCD1}">
+              <a14:hiddenFill xmlns:a14="http://schemas.microsoft.com/office/drawing/2010/main">
+                <a:solidFill>
+                  <a:srgbClr val="FFFFFF"/>
+                </a:solidFill>
+              </a14:hiddenFill>
+            </a:ext>
+            <a:ext uri="{91240B29-F687-4F45-9708-019B960494DF}">
+              <a14:hiddenLine xmlns:a14="http://schemas.microsoft.com/office/drawing/2010/main" w="9525">
+                <a:solidFill>
+                  <a:srgbClr val="000000"/>
+                </a:solidFill>
+                <a:miter lim="800000"/>
+                <a:headEnd/>
+                <a:tailEnd/>
+              </a14:hiddenLine>
+            </a:ext>
+          </a:extLst>
+        </p:spPr>
+      </p:pic>
+      <p:pic>
+        <p:nvPicPr>
+          <p:cNvPr id="8201" name="Picture 10"/>
+          <p:cNvPicPr>
+            <a:picLocks noChangeAspect="1"/>
+          </p:cNvPicPr>
+          <p:nvPr/>
+        </p:nvPicPr>
+        <p:blipFill>
+          <a:blip r:embed="rId10">
+            <a:extLst>
+              <a:ext uri="{28A0092B-C50C-407E-A947-70E740481C1C}">
+                <a14:useLocalDpi xmlns:a14="http://schemas.microsoft.com/office/drawing/2010/main" val="0"/>
+              </a:ext>
+            </a:extLst>
+          </a:blip>
+          <a:srcRect/>
+          <a:stretch>
+            <a:fillRect/>
+          </a:stretch>
+        </p:blipFill>
+        <p:spPr bwMode="auto">
+          <a:xfrm>
+            <a:off x="6858000" y="2324100"/>
+            <a:ext cx="1219200" cy="925513"/>
+          </a:xfrm>
+          <a:prstGeom prst="rect">
+            <a:avLst/>
+          </a:prstGeom>
+          <a:noFill/>
+          <a:ln>
+            <a:noFill/>
+          </a:ln>
+          <a:extLst>
+            <a:ext uri="{909E8E84-426E-40DD-AFC4-6F175D3DCCD1}">
+              <a14:hiddenFill xmlns:a14="http://schemas.microsoft.com/office/drawing/2010/main">
+                <a:solidFill>
+                  <a:srgbClr val="FFFFFF"/>
+                </a:solidFill>
+              </a14:hiddenFill>
+            </a:ext>
+            <a:ext uri="{91240B29-F687-4F45-9708-019B960494DF}">
+              <a14:hiddenLine xmlns:a14="http://schemas.microsoft.com/office/drawing/2010/main" w="9525">
+                <a:solidFill>
+                  <a:srgbClr val="000000"/>
+                </a:solidFill>
+                <a:miter lim="800000"/>
+                <a:headEnd/>
+                <a:tailEnd/>
+              </a14:hiddenLine>
+            </a:ext>
+          </a:extLst>
+        </p:spPr>
+      </p:pic>
+      <p:pic>
+        <p:nvPicPr>
+          <p:cNvPr id="8202" name="Picture 11"/>
+          <p:cNvPicPr>
+            <a:picLocks noChangeAspect="1"/>
+          </p:cNvPicPr>
+          <p:nvPr/>
+        </p:nvPicPr>
+        <p:blipFill>
+          <a:blip r:embed="rId11">
+            <a:extLst>
+              <a:ext uri="{28A0092B-C50C-407E-A947-70E740481C1C}">
+                <a14:useLocalDpi xmlns:a14="http://schemas.microsoft.com/office/drawing/2010/main" val="0"/>
+              </a:ext>
+            </a:extLst>
+          </a:blip>
+          <a:srcRect/>
+          <a:stretch>
+            <a:fillRect/>
+          </a:stretch>
+        </p:blipFill>
+        <p:spPr bwMode="auto">
+          <a:xfrm>
+            <a:off x="1697038" y="4835525"/>
+            <a:ext cx="1219200" cy="923925"/>
+          </a:xfrm>
+          <a:prstGeom prst="rect">
+            <a:avLst/>
+          </a:prstGeom>
+          <a:noFill/>
+          <a:ln>
+            <a:noFill/>
+          </a:ln>
+          <a:extLst>
+            <a:ext uri="{909E8E84-426E-40DD-AFC4-6F175D3DCCD1}">
+              <a14:hiddenFill xmlns:a14="http://schemas.microsoft.com/office/drawing/2010/main">
+                <a:solidFill>
+                  <a:srgbClr val="FFFFFF"/>
+                </a:solidFill>
+              </a14:hiddenFill>
+            </a:ext>
+            <a:ext uri="{91240B29-F687-4F45-9708-019B960494DF}">
+              <a14:hiddenLine xmlns:a14="http://schemas.microsoft.com/office/drawing/2010/main" w="9525">
+                <a:solidFill>
+                  <a:srgbClr val="000000"/>
+                </a:solidFill>
+                <a:miter lim="800000"/>
+                <a:headEnd/>
+                <a:tailEnd/>
+              </a14:hiddenLine>
+            </a:ext>
+          </a:extLst>
+        </p:spPr>
+      </p:pic>
+      <p:pic>
+        <p:nvPicPr>
+          <p:cNvPr id="8203" name="Picture 12"/>
+          <p:cNvPicPr>
+            <a:picLocks noChangeAspect="1"/>
+          </p:cNvPicPr>
+          <p:nvPr/>
+        </p:nvPicPr>
+        <p:blipFill>
+          <a:blip r:embed="rId11">
+            <a:extLst>
+              <a:ext uri="{28A0092B-C50C-407E-A947-70E740481C1C}">
+                <a14:useLocalDpi xmlns:a14="http://schemas.microsoft.com/office/drawing/2010/main" val="0"/>
+              </a:ext>
+            </a:extLst>
+          </a:blip>
+          <a:srcRect/>
+          <a:stretch>
+            <a:fillRect/>
+          </a:stretch>
+        </p:blipFill>
+        <p:spPr bwMode="auto">
+          <a:xfrm>
+            <a:off x="7315200" y="3500438"/>
+            <a:ext cx="1219200" cy="923925"/>
+          </a:xfrm>
+          <a:prstGeom prst="rect">
+            <a:avLst/>
+          </a:prstGeom>
+          <a:noFill/>
+          <a:ln>
+            <a:noFill/>
+          </a:ln>
+          <a:extLst>
+            <a:ext uri="{909E8E84-426E-40DD-AFC4-6F175D3DCCD1}">
+              <a14:hiddenFill xmlns:a14="http://schemas.microsoft.com/office/drawing/2010/main">
+                <a:solidFill>
+                  <a:srgbClr val="FFFFFF"/>
+                </a:solidFill>
+              </a14:hiddenFill>
+            </a:ext>
+            <a:ext uri="{91240B29-F687-4F45-9708-019B960494DF}">
+              <a14:hiddenLine xmlns:a14="http://schemas.microsoft.com/office/drawing/2010/main" w="9525">
+                <a:solidFill>
+                  <a:srgbClr val="000000"/>
+                </a:solidFill>
+                <a:miter lim="800000"/>
+                <a:headEnd/>
+                <a:tailEnd/>
+              </a14:hiddenLine>
+            </a:ext>
+          </a:extLst>
+        </p:spPr>
+      </p:pic>
+      <p:pic>
+        <p:nvPicPr>
+          <p:cNvPr id="8204" name="Picture 14"/>
+          <p:cNvPicPr>
+            <a:picLocks noChangeAspect="1"/>
+          </p:cNvPicPr>
+          <p:nvPr/>
+        </p:nvPicPr>
+        <p:blipFill>
+          <a:blip r:embed="rId10">
+            <a:extLst>
+              <a:ext uri="{28A0092B-C50C-407E-A947-70E740481C1C}">
+                <a14:useLocalDpi xmlns:a14="http://schemas.microsoft.com/office/drawing/2010/main" val="0"/>
+              </a:ext>
+            </a:extLst>
+          </a:blip>
+          <a:srcRect/>
+          <a:stretch>
+            <a:fillRect/>
+          </a:stretch>
+        </p:blipFill>
+        <p:spPr bwMode="auto">
+          <a:xfrm>
+            <a:off x="5638800" y="5565775"/>
+            <a:ext cx="1219200" cy="925513"/>
+          </a:xfrm>
+          <a:prstGeom prst="rect">
+            <a:avLst/>
+          </a:prstGeom>
+          <a:noFill/>
+          <a:ln>
+            <a:noFill/>
+          </a:ln>
+          <a:extLst>
+            <a:ext uri="{909E8E84-426E-40DD-AFC4-6F175D3DCCD1}">
+              <a14:hiddenFill xmlns:a14="http://schemas.microsoft.com/office/drawing/2010/main">
+                <a:solidFill>
+                  <a:srgbClr val="FFFFFF"/>
+                </a:solidFill>
+              </a14:hiddenFill>
+            </a:ext>
+            <a:ext uri="{91240B29-F687-4F45-9708-019B960494DF}">
+              <a14:hiddenLine xmlns:a14="http://schemas.microsoft.com/office/drawing/2010/main" w="9525">
+                <a:solidFill>
+                  <a:srgbClr val="000000"/>
+                </a:solidFill>
+                <a:miter lim="800000"/>
+                <a:headEnd/>
+                <a:tailEnd/>
+              </a14:hiddenLine>
+            </a:ext>
+          </a:extLst>
+        </p:spPr>
+      </p:pic>
+      <p:pic>
+        <p:nvPicPr>
+          <p:cNvPr id="8205" name="Picture 15"/>
+          <p:cNvPicPr>
+            <a:picLocks noChangeAspect="1"/>
+          </p:cNvPicPr>
+          <p:nvPr/>
+        </p:nvPicPr>
+        <p:blipFill>
+          <a:blip r:embed="rId10">
+            <a:extLst>
+              <a:ext uri="{28A0092B-C50C-407E-A947-70E740481C1C}">
+                <a14:useLocalDpi xmlns:a14="http://schemas.microsoft.com/office/drawing/2010/main" val="0"/>
+              </a:ext>
+            </a:extLst>
+          </a:blip>
+          <a:srcRect/>
+          <a:stretch>
+            <a:fillRect/>
+          </a:stretch>
+        </p:blipFill>
+        <p:spPr bwMode="auto">
+          <a:xfrm>
+            <a:off x="6691313" y="1073150"/>
+            <a:ext cx="1219200" cy="925513"/>
+          </a:xfrm>
+          <a:prstGeom prst="rect">
+            <a:avLst/>
+          </a:prstGeom>
+          <a:noFill/>
+          <a:ln>
+            <a:noFill/>
+          </a:ln>
+          <a:extLst>
+            <a:ext uri="{909E8E84-426E-40DD-AFC4-6F175D3DCCD1}">
+              <a14:hiddenFill xmlns:a14="http://schemas.microsoft.com/office/drawing/2010/main">
+                <a:solidFill>
+                  <a:srgbClr val="FFFFFF"/>
+                </a:solidFill>
+              </a14:hiddenFill>
+            </a:ext>
+            <a:ext uri="{91240B29-F687-4F45-9708-019B960494DF}">
+              <a14:hiddenLine xmlns:a14="http://schemas.microsoft.com/office/drawing/2010/main" w="9525">
+                <a:solidFill>
+                  <a:srgbClr val="000000"/>
+                </a:solidFill>
+                <a:miter lim="800000"/>
+                <a:headEnd/>
+                <a:tailEnd/>
+              </a14:hiddenLine>
+            </a:ext>
+          </a:extLst>
+        </p:spPr>
+      </p:pic>
+      <p:pic>
+        <p:nvPicPr>
+          <p:cNvPr id="8206" name="Picture 17"/>
+          <p:cNvPicPr>
+            <a:picLocks noChangeAspect="1"/>
+          </p:cNvPicPr>
+          <p:nvPr/>
+        </p:nvPicPr>
+        <p:blipFill>
+          <a:blip r:embed="rId11">
+            <a:extLst>
+              <a:ext uri="{28A0092B-C50C-407E-A947-70E740481C1C}">
+                <a14:useLocalDpi xmlns:a14="http://schemas.microsoft.com/office/drawing/2010/main" val="0"/>
+              </a:ext>
+            </a:extLst>
+          </a:blip>
+          <a:srcRect/>
+          <a:stretch>
+            <a:fillRect/>
+          </a:stretch>
+        </p:blipFill>
+        <p:spPr bwMode="auto">
+          <a:xfrm>
+            <a:off x="5584825" y="2967038"/>
+            <a:ext cx="1219200" cy="923925"/>
+          </a:xfrm>
+          <a:prstGeom prst="rect">
+            <a:avLst/>
+          </a:prstGeom>
+          <a:noFill/>
+          <a:ln>
+            <a:noFill/>
+          </a:ln>
+          <a:extLst>
+            <a:ext uri="{909E8E84-426E-40DD-AFC4-6F175D3DCCD1}">
+              <a14:hiddenFill xmlns:a14="http://schemas.microsoft.com/office/drawing/2010/main">
+                <a:solidFill>
+                  <a:srgbClr val="FFFFFF"/>
+                </a:solidFill>
+              </a14:hiddenFill>
+            </a:ext>
+            <a:ext uri="{91240B29-F687-4F45-9708-019B960494DF}">
+              <a14:hiddenLine xmlns:a14="http://schemas.microsoft.com/office/drawing/2010/main" w="9525">
+                <a:solidFill>
+                  <a:srgbClr val="000000"/>
+                </a:solidFill>
+                <a:miter lim="800000"/>
+                <a:headEnd/>
+                <a:tailEnd/>
+              </a14:hiddenLine>
+            </a:ext>
+          </a:extLst>
+        </p:spPr>
+      </p:pic>
+      <p:sp>
+        <p:nvSpPr>
+          <p:cNvPr id="19" name="Rectangle 18"/>
+          <p:cNvSpPr/>
+          <p:nvPr/>
+        </p:nvSpPr>
+        <p:spPr>
+          <a:xfrm rot="20906910">
+            <a:off x="771372" y="1250325"/>
+            <a:ext cx="5433923" cy="2554545"/>
+          </a:xfrm>
+          <a:prstGeom prst="rect">
+            <a:avLst/>
+          </a:prstGeom>
+          <a:noFill/>
+        </p:spPr>
+        <p:txBody>
+          <a:bodyPr wrap="none">
+            <a:spAutoFit/>
+            <a:scene3d>
+              <a:camera prst="orthographicFront"/>
+              <a:lightRig rig="flat" dir="tl">
+                <a:rot lat="0" lon="0" rev="6600000"/>
+              </a:lightRig>
+            </a:scene3d>
+            <a:sp3d extrusionH="25400" contourW="8890">
+              <a:bevelT w="38100" h="31750"/>
+              <a:contourClr>
+                <a:schemeClr val="accent2">
+                  <a:shade val="75000"/>
+                </a:schemeClr>
+              </a:contourClr>
+            </a:sp3d>
+          </a:bodyPr>
+          <a:lstStyle/>
+          <a:p>
+            <a:pPr>
+              <a:defRPr/>
+            </a:pPr>
+            <a:r>
+              <a:rPr lang="en-US" sz="8000" b="1" dirty="0">
+                <a:ln w="11430"/>
+                <a:solidFill>
+                  <a:srgbClr val="FF0000"/>
+                </a:solidFill>
+                <a:effectLst>
+                  <a:outerShdw blurRad="50800" dist="39000" dir="5460000" algn="tl">
+                    <a:srgbClr val="000000">
+                      <a:alpha val="38000"/>
+                    </a:srgbClr>
+                  </a:outerShdw>
+                </a:effectLst>
+              </a:rPr>
+              <a:t>Costly</a:t>
+            </a:r>
+          </a:p>
+          <a:p>
+            <a:pPr>
+              <a:defRPr/>
+            </a:pPr>
+            <a:r>
+              <a:rPr lang="en-US" sz="8000" b="1" dirty="0">
+                <a:ln w="11430"/>
+                <a:solidFill>
+                  <a:srgbClr val="FF0000"/>
+                </a:solidFill>
+                <a:effectLst>
+                  <a:outerShdw blurRad="50800" dist="39000" dir="5460000" algn="tl">
+                    <a:srgbClr val="000000">
+                      <a:alpha val="38000"/>
+                    </a:srgbClr>
+                  </a:outerShdw>
+                </a:effectLst>
+              </a:rPr>
+              <a:t>Redundancy</a:t>
+            </a:r>
+          </a:p>
+        </p:txBody>
+      </p:sp>
+    </p:spTree>
+    <p:extLst>
+      <p:ext uri="{BB962C8B-B14F-4D97-AF65-F5344CB8AC3E}">
+        <p14:creationId xmlns:p14="http://schemas.microsoft.com/office/powerpoint/2010/main" val="1137363538"/>
+      </p:ext>
+    </p:extLst>
+  </p:cSld>
+  <p:clrMapOvr>
+    <a:masterClrMapping/>
+  </p:clrMapOvr>
+  <p:timing>
+    <p:tnLst>
+      <p:par>
+        <p:cTn id="1" dur="indefinite" restart="never" nodeType="tmRoot"/>
+      </p:par>
+    </p:tnLst>
+  </p:timing>
+</p:sld>
+</file>
+
+<file path=ppt/slides/slide5.xml><?xml version="1.0" encoding="utf-8"?>
+<p:sld xmlns:a="http://schemas.openxmlformats.org/drawingml/2006/main" xmlns:r="http://schemas.openxmlformats.org/officeDocument/2006/relationships" xmlns:p="http://schemas.openxmlformats.org/presentationml/2006/main">
+  <p:cSld>
     <p:spTree>
       <p:nvGrpSpPr>
         <p:cNvPr id="1" name=""/>
@@ -56361,7 +57544,7 @@
           <p:nvPr/>
         </p:nvPicPr>
         <p:blipFill>
-          <a:blip r:embed="rId3">
+          <a:blip r:embed="rId2">
             <a:extLst>
               <a:ext uri="{28A0092B-C50C-407E-A947-70E740481C1C}">
                 <a14:useLocalDpi xmlns:a14="http://schemas.microsoft.com/office/drawing/2010/main" val="0"/>
@@ -56418,7 +57601,7 @@
         </p:xfrm>
         <a:graphic>
           <a:graphicData uri="http://schemas.openxmlformats.org/drawingml/2006/diagram">
-            <dgm:relIds xmlns:dgm="http://schemas.openxmlformats.org/drawingml/2006/diagram" xmlns:r="http://schemas.openxmlformats.org/officeDocument/2006/relationships" r:dm="rId4" r:lo="rId5" r:qs="rId6" r:cs="rId7"/>
+            <dgm:relIds xmlns:dgm="http://schemas.openxmlformats.org/drawingml/2006/diagram" xmlns:r="http://schemas.openxmlformats.org/officeDocument/2006/relationships" r:dm="rId3" r:lo="rId4" r:qs="rId5" r:cs="rId6"/>
           </a:graphicData>
         </a:graphic>
       </p:graphicFrame>
@@ -56431,7 +57614,7 @@
           <p:nvPr/>
         </p:nvPicPr>
         <p:blipFill>
-          <a:blip r:embed="rId9">
+          <a:blip r:embed="rId8">
             <a:extLst>
               <a:ext uri="{28A0092B-C50C-407E-A947-70E740481C1C}">
                 <a14:useLocalDpi xmlns:a14="http://schemas.microsoft.com/office/drawing/2010/main" val="0"/>
@@ -56641,7 +57824,7 @@
         <p:spPr bwMode="auto">
           <a:xfrm>
             <a:off x="5580063" y="2297113"/>
-            <a:ext cx="3113087" cy="2676525"/>
+            <a:ext cx="3113087" cy="1938992"/>
           </a:xfrm>
           <a:prstGeom prst="rect">
             <a:avLst/>
@@ -56778,7 +57961,7 @@
               <a:buChar char="•"/>
             </a:pPr>
             <a:r>
-              <a:rPr lang="en-US" sz="2400" b="1" i="1">
+              <a:rPr lang="en-US" sz="2400" b="1" i="1" dirty="0">
                 <a:latin typeface="Calibri" pitchFamily="34" charset="0"/>
                 <a:cs typeface="Arial" charset="0"/>
               </a:rPr>
@@ -56791,25 +57974,23 @@
               <a:buChar char="•"/>
             </a:pPr>
             <a:r>
-              <a:rPr lang="en-US" sz="2400" b="1" i="1">
+              <a:rPr lang="en-US" sz="2400" b="1" i="1" dirty="0">
                 <a:latin typeface="Calibri" pitchFamily="34" charset="0"/>
                 <a:cs typeface="Arial" charset="0"/>
               </a:rPr>
-              <a:t>Choosing dishes thought IPAD or another tablet.</a:t>
+              <a:t>Choosing dishes thought IPAD or another tablet</a:t>
             </a:r>
-          </a:p>
-          <a:p>
-            <a:pPr eaLnBrk="1" hangingPunct="1">
-              <a:buFont typeface="Arial" charset="0"/>
-              <a:buChar char="•"/>
-            </a:pPr>
             <a:r>
-              <a:rPr lang="en-US" sz="2400" b="1" i="1">
+              <a:rPr lang="en-US" sz="2400" b="1" i="1" dirty="0" smtClean="0">
                 <a:latin typeface="Calibri" pitchFamily="34" charset="0"/>
                 <a:cs typeface="Arial" charset="0"/>
               </a:rPr>
-              <a:t>Lowing investment cost.</a:t>
+              <a:t>.</a:t>
             </a:r>
+            <a:endParaRPr lang="en-US" sz="2400" b="1" i="1" dirty="0">
+              <a:latin typeface="Calibri" pitchFamily="34" charset="0"/>
+              <a:cs typeface="Arial" charset="0"/>
+            </a:endParaRPr>
           </a:p>
         </p:txBody>
       </p:sp>
@@ -56861,7 +58042,7 @@
           <a:p>
             <a:r>
               <a:rPr lang="en-US">
-                <a:hlinkClick r:id="rId10"/>
+                <a:hlinkClick r:id="rId9"/>
               </a:rPr>
               <a:t>http://www.bicweb.vn</a:t>
             </a:r>
@@ -56870,6 +58051,11 @@
         </p:txBody>
       </p:sp>
     </p:spTree>
+    <p:extLst>
+      <p:ext uri="{BB962C8B-B14F-4D97-AF65-F5344CB8AC3E}">
+        <p14:creationId xmlns:p14="http://schemas.microsoft.com/office/powerpoint/2010/main" val="3580728464"/>
+      </p:ext>
+    </p:extLst>
   </p:cSld>
   <p:clrMapOvr>
     <a:masterClrMapping/>
@@ -56884,21 +58070,9 @@
 </p:sld>
 </file>
 
-<file path=ppt/slides/slide4.xml><?xml version="1.0" encoding="utf-8"?>
+<file path=ppt/slides/slide6.xml><?xml version="1.0" encoding="utf-8"?>
 <p:sld xmlns:a="http://schemas.openxmlformats.org/drawingml/2006/main" xmlns:r="http://schemas.openxmlformats.org/officeDocument/2006/relationships" xmlns:p="http://schemas.openxmlformats.org/presentationml/2006/main">
   <p:cSld>
-    <p:bg>
-      <p:bgPr>
-        <a:blipFill dpi="0" rotWithShape="0">
-          <a:blip r:embed="rId2"/>
-          <a:srcRect/>
-          <a:stretch>
-            <a:fillRect/>
-          </a:stretch>
-        </a:blipFill>
-        <a:effectLst/>
-      </p:bgPr>
-    </p:bg>
     <p:spTree>
       <p:nvGrpSpPr>
         <p:cNvPr id="1" name=""/>
@@ -56922,7 +58096,7 @@
           <p:nvPr/>
         </p:nvPicPr>
         <p:blipFill>
-          <a:blip r:embed="rId3">
+          <a:blip r:embed="rId2">
             <a:extLst>
               <a:ext uri="{28A0092B-C50C-407E-A947-70E740481C1C}">
                 <a14:useLocalDpi xmlns:a14="http://schemas.microsoft.com/office/drawing/2010/main" val="0"/>
@@ -56976,7 +58150,7 @@
           <p:nvPr/>
         </p:nvPicPr>
         <p:blipFill>
-          <a:blip r:embed="rId3">
+          <a:blip r:embed="rId2">
             <a:extLst>
               <a:ext uri="{28A0092B-C50C-407E-A947-70E740481C1C}">
                 <a14:useLocalDpi xmlns:a14="http://schemas.microsoft.com/office/drawing/2010/main" val="0"/>
@@ -57033,7 +58207,7 @@
         </p:xfrm>
         <a:graphic>
           <a:graphicData uri="http://schemas.openxmlformats.org/drawingml/2006/diagram">
-            <dgm:relIds xmlns:dgm="http://schemas.openxmlformats.org/drawingml/2006/diagram" xmlns:r="http://schemas.openxmlformats.org/officeDocument/2006/relationships" r:dm="rId4" r:lo="rId5" r:qs="rId6" r:cs="rId7"/>
+            <dgm:relIds xmlns:dgm="http://schemas.openxmlformats.org/drawingml/2006/diagram" xmlns:r="http://schemas.openxmlformats.org/officeDocument/2006/relationships" r:dm="rId3" r:lo="rId4" r:qs="rId5" r:cs="rId6"/>
           </a:graphicData>
         </a:graphic>
       </p:graphicFrame>
@@ -57256,7 +58430,7 @@
           <p:nvPr/>
         </p:nvPicPr>
         <p:blipFill>
-          <a:blip r:embed="rId9">
+          <a:blip r:embed="rId8">
             <a:extLst>
               <a:ext uri="{28A0092B-C50C-407E-A947-70E740481C1C}">
                 <a14:useLocalDpi xmlns:a14="http://schemas.microsoft.com/office/drawing/2010/main" val="0"/>
@@ -57349,7 +58523,7 @@
           <a:p>
             <a:r>
               <a:rPr lang="en-US">
-                <a:hlinkClick r:id="rId10"/>
+                <a:hlinkClick r:id="rId9"/>
               </a:rPr>
               <a:t>http://www.bicweb.vn</a:t>
             </a:r>
@@ -57358,6 +58532,11 @@
         </p:txBody>
       </p:sp>
     </p:spTree>
+    <p:extLst>
+      <p:ext uri="{BB962C8B-B14F-4D97-AF65-F5344CB8AC3E}">
+        <p14:creationId xmlns:p14="http://schemas.microsoft.com/office/powerpoint/2010/main" val="1026776567"/>
+      </p:ext>
+    </p:extLst>
   </p:cSld>
   <p:clrMapOvr>
     <a:masterClrMapping/>
@@ -57372,7 +58551,7 @@
 </p:sld>
 </file>
 
-<file path=ppt/slides/slide5.xml><?xml version="1.0" encoding="utf-8"?>
+<file path=ppt/slides/slide7.xml><?xml version="1.0" encoding="utf-8"?>
 <p:sld xmlns:a="http://schemas.openxmlformats.org/drawingml/2006/main" xmlns:r="http://schemas.openxmlformats.org/officeDocument/2006/relationships" xmlns:p="http://schemas.openxmlformats.org/presentationml/2006/main">
   <p:cSld>
     <p:bg>
@@ -57858,1250 +59037,9 @@
 </p:sld>
 </file>
 
-<file path=ppt/slides/slide6.xml><?xml version="1.0" encoding="utf-8"?>
-<p:sld xmlns:a="http://schemas.openxmlformats.org/drawingml/2006/main" xmlns:r="http://schemas.openxmlformats.org/officeDocument/2006/relationships" xmlns:p="http://schemas.openxmlformats.org/presentationml/2006/main">
-  <p:cSld>
-    <p:bg>
-      <p:bgPr>
-        <a:blipFill dpi="0" rotWithShape="0">
-          <a:blip r:embed="rId2"/>
-          <a:srcRect/>
-          <a:stretch>
-            <a:fillRect/>
-          </a:stretch>
-        </a:blipFill>
-        <a:effectLst/>
-      </p:bgPr>
-    </p:bg>
-    <p:spTree>
-      <p:nvGrpSpPr>
-        <p:cNvPr id="1" name=""/>
-        <p:cNvGrpSpPr/>
-        <p:nvPr/>
-      </p:nvGrpSpPr>
-      <p:grpSpPr>
-        <a:xfrm>
-          <a:off x="0" y="0"/>
-          <a:ext cx="0" cy="0"/>
-          <a:chOff x="0" y="0"/>
-          <a:chExt cx="0" cy="0"/>
-        </a:xfrm>
-      </p:grpSpPr>
-      <p:pic>
-        <p:nvPicPr>
-          <p:cNvPr id="7170" name="Picture 17"/>
-          <p:cNvPicPr>
-            <a:picLocks noChangeAspect="1"/>
-          </p:cNvPicPr>
-          <p:nvPr/>
-        </p:nvPicPr>
-        <p:blipFill>
-          <a:blip r:embed="rId3">
-            <a:extLst>
-              <a:ext uri="{28A0092B-C50C-407E-A947-70E740481C1C}">
-                <a14:useLocalDpi xmlns:a14="http://schemas.microsoft.com/office/drawing/2010/main" val="0"/>
-              </a:ext>
-            </a:extLst>
-          </a:blip>
-          <a:srcRect/>
-          <a:stretch>
-            <a:fillRect/>
-          </a:stretch>
-        </p:blipFill>
-        <p:spPr bwMode="auto">
-          <a:xfrm>
-            <a:off x="0" y="0"/>
-            <a:ext cx="9144000" cy="6858000"/>
-          </a:xfrm>
-          <a:prstGeom prst="rect">
-            <a:avLst/>
-          </a:prstGeom>
-          <a:noFill/>
-          <a:ln>
-            <a:noFill/>
-          </a:ln>
-          <a:extLst>
-            <a:ext uri="{909E8E84-426E-40DD-AFC4-6F175D3DCCD1}">
-              <a14:hiddenFill xmlns:a14="http://schemas.microsoft.com/office/drawing/2010/main">
-                <a:solidFill>
-                  <a:srgbClr val="FFFFFF"/>
-                </a:solidFill>
-              </a14:hiddenFill>
-            </a:ext>
-            <a:ext uri="{91240B29-F687-4F45-9708-019B960494DF}">
-              <a14:hiddenLine xmlns:a14="http://schemas.microsoft.com/office/drawing/2010/main" w="9525">
-                <a:solidFill>
-                  <a:srgbClr val="000000"/>
-                </a:solidFill>
-                <a:miter lim="800000"/>
-                <a:headEnd/>
-                <a:tailEnd/>
-              </a14:hiddenLine>
-            </a:ext>
-          </a:extLst>
-        </p:spPr>
-      </p:pic>
-      <p:graphicFrame>
-        <p:nvGraphicFramePr>
-          <p:cNvPr id="8" name="Diagram 7"/>
-          <p:cNvGraphicFramePr/>
-          <p:nvPr/>
-        </p:nvGraphicFramePr>
-        <p:xfrm>
-          <a:off x="542972" y="-442355"/>
-          <a:ext cx="5172028" cy="1988580"/>
-        </p:xfrm>
-        <a:graphic>
-          <a:graphicData uri="http://schemas.openxmlformats.org/drawingml/2006/diagram">
-            <dgm:relIds xmlns:dgm="http://schemas.openxmlformats.org/drawingml/2006/diagram" xmlns:r="http://schemas.openxmlformats.org/officeDocument/2006/relationships" r:dm="rId4" r:lo="rId5" r:qs="rId6" r:cs="rId7"/>
-          </a:graphicData>
-        </a:graphic>
-      </p:graphicFrame>
-      <p:pic>
-        <p:nvPicPr>
-          <p:cNvPr id="7172" name="Picture 9"/>
-          <p:cNvPicPr>
-            <a:picLocks noChangeAspect="1"/>
-          </p:cNvPicPr>
-          <p:nvPr/>
-        </p:nvPicPr>
-        <p:blipFill>
-          <a:blip r:embed="rId9">
-            <a:extLst>
-              <a:ext uri="{28A0092B-C50C-407E-A947-70E740481C1C}">
-                <a14:useLocalDpi xmlns:a14="http://schemas.microsoft.com/office/drawing/2010/main" val="0"/>
-              </a:ext>
-            </a:extLst>
-          </a:blip>
-          <a:srcRect/>
-          <a:stretch>
-            <a:fillRect/>
-          </a:stretch>
-        </p:blipFill>
-        <p:spPr bwMode="auto">
-          <a:xfrm>
-            <a:off x="323850" y="1231900"/>
-            <a:ext cx="1679575" cy="2708275"/>
-          </a:xfrm>
-          <a:prstGeom prst="rect">
-            <a:avLst/>
-          </a:prstGeom>
-          <a:noFill/>
-          <a:ln>
-            <a:noFill/>
-          </a:ln>
-          <a:extLst>
-            <a:ext uri="{909E8E84-426E-40DD-AFC4-6F175D3DCCD1}">
-              <a14:hiddenFill xmlns:a14="http://schemas.microsoft.com/office/drawing/2010/main">
-                <a:solidFill>
-                  <a:srgbClr val="FFFFFF"/>
-                </a:solidFill>
-              </a14:hiddenFill>
-            </a:ext>
-            <a:ext uri="{91240B29-F687-4F45-9708-019B960494DF}">
-              <a14:hiddenLine xmlns:a14="http://schemas.microsoft.com/office/drawing/2010/main" w="9525">
-                <a:solidFill>
-                  <a:srgbClr val="000000"/>
-                </a:solidFill>
-                <a:miter lim="800000"/>
-                <a:headEnd/>
-                <a:tailEnd/>
-              </a14:hiddenLine>
-            </a:ext>
-          </a:extLst>
-        </p:spPr>
-      </p:pic>
-      <p:pic>
-        <p:nvPicPr>
-          <p:cNvPr id="7173" name="Picture 10"/>
-          <p:cNvPicPr>
-            <a:picLocks noChangeAspect="1"/>
-          </p:cNvPicPr>
-          <p:nvPr/>
-        </p:nvPicPr>
-        <p:blipFill>
-          <a:blip r:embed="rId10">
-            <a:extLst>
-              <a:ext uri="{28A0092B-C50C-407E-A947-70E740481C1C}">
-                <a14:useLocalDpi xmlns:a14="http://schemas.microsoft.com/office/drawing/2010/main" val="0"/>
-              </a:ext>
-            </a:extLst>
-          </a:blip>
-          <a:srcRect/>
-          <a:stretch>
-            <a:fillRect/>
-          </a:stretch>
-        </p:blipFill>
-        <p:spPr bwMode="auto">
-          <a:xfrm>
-            <a:off x="2133600" y="3716338"/>
-            <a:ext cx="3525838" cy="2635250"/>
-          </a:xfrm>
-          <a:prstGeom prst="rect">
-            <a:avLst/>
-          </a:prstGeom>
-          <a:noFill/>
-          <a:ln>
-            <a:noFill/>
-          </a:ln>
-          <a:extLst>
-            <a:ext uri="{909E8E84-426E-40DD-AFC4-6F175D3DCCD1}">
-              <a14:hiddenFill xmlns:a14="http://schemas.microsoft.com/office/drawing/2010/main">
-                <a:solidFill>
-                  <a:srgbClr val="FFFFFF"/>
-                </a:solidFill>
-              </a14:hiddenFill>
-            </a:ext>
-            <a:ext uri="{91240B29-F687-4F45-9708-019B960494DF}">
-              <a14:hiddenLine xmlns:a14="http://schemas.microsoft.com/office/drawing/2010/main" w="9525">
-                <a:solidFill>
-                  <a:srgbClr val="000000"/>
-                </a:solidFill>
-                <a:miter lim="800000"/>
-                <a:headEnd/>
-                <a:tailEnd/>
-              </a14:hiddenLine>
-            </a:ext>
-          </a:extLst>
-        </p:spPr>
-      </p:pic>
-      <p:pic>
-        <p:nvPicPr>
-          <p:cNvPr id="7174" name="Picture 11"/>
-          <p:cNvPicPr>
-            <a:picLocks noChangeAspect="1"/>
-          </p:cNvPicPr>
-          <p:nvPr/>
-        </p:nvPicPr>
-        <p:blipFill>
-          <a:blip r:embed="rId11" cstate="print">
-            <a:extLst>
-              <a:ext uri="{28A0092B-C50C-407E-A947-70E740481C1C}">
-                <a14:useLocalDpi xmlns:a14="http://schemas.microsoft.com/office/drawing/2010/main" val="0"/>
-              </a:ext>
-            </a:extLst>
-          </a:blip>
-          <a:srcRect/>
-          <a:stretch>
-            <a:fillRect/>
-          </a:stretch>
-        </p:blipFill>
-        <p:spPr bwMode="auto">
-          <a:xfrm>
-            <a:off x="6069013" y="1273175"/>
-            <a:ext cx="2844800" cy="2682875"/>
-          </a:xfrm>
-          <a:prstGeom prst="rect">
-            <a:avLst/>
-          </a:prstGeom>
-          <a:noFill/>
-          <a:ln>
-            <a:noFill/>
-          </a:ln>
-          <a:extLst>
-            <a:ext uri="{909E8E84-426E-40DD-AFC4-6F175D3DCCD1}">
-              <a14:hiddenFill xmlns:a14="http://schemas.microsoft.com/office/drawing/2010/main">
-                <a:solidFill>
-                  <a:srgbClr val="FFFFFF"/>
-                </a:solidFill>
-              </a14:hiddenFill>
-            </a:ext>
-            <a:ext uri="{91240B29-F687-4F45-9708-019B960494DF}">
-              <a14:hiddenLine xmlns:a14="http://schemas.microsoft.com/office/drawing/2010/main" w="9525">
-                <a:solidFill>
-                  <a:srgbClr val="000000"/>
-                </a:solidFill>
-                <a:miter lim="800000"/>
-                <a:headEnd/>
-                <a:tailEnd/>
-              </a14:hiddenLine>
-            </a:ext>
-          </a:extLst>
-        </p:spPr>
-      </p:pic>
-      <p:cxnSp>
-        <p:nvCxnSpPr>
-          <p:cNvPr id="13" name="Elbow Connector 12"/>
-          <p:cNvCxnSpPr>
-            <a:stCxn id="7172" idx="2"/>
-            <a:endCxn id="7173" idx="1"/>
-          </p:cNvCxnSpPr>
-          <p:nvPr/>
-        </p:nvCxnSpPr>
-        <p:spPr>
-          <a:xfrm rot="16200000" flipH="1">
-            <a:off x="1101725" y="4002088"/>
-            <a:ext cx="1093788" cy="969962"/>
-          </a:xfrm>
-          <a:prstGeom prst="bentConnector2">
-            <a:avLst/>
-          </a:prstGeom>
-          <a:ln>
-            <a:tailEnd type="arrow"/>
-          </a:ln>
-        </p:spPr>
-        <p:style>
-          <a:lnRef idx="3">
-            <a:schemeClr val="accent3"/>
-          </a:lnRef>
-          <a:fillRef idx="0">
-            <a:schemeClr val="accent3"/>
-          </a:fillRef>
-          <a:effectRef idx="2">
-            <a:schemeClr val="accent3"/>
-          </a:effectRef>
-          <a:fontRef idx="minor">
-            <a:schemeClr val="tx1"/>
-          </a:fontRef>
-        </p:style>
-      </p:cxnSp>
-      <p:cxnSp>
-        <p:nvCxnSpPr>
-          <p:cNvPr id="15" name="Elbow Connector 14"/>
-          <p:cNvCxnSpPr>
-            <a:stCxn id="7173" idx="3"/>
-            <a:endCxn id="7174" idx="2"/>
-          </p:cNvCxnSpPr>
-          <p:nvPr/>
-        </p:nvCxnSpPr>
-        <p:spPr>
-          <a:xfrm flipV="1">
-            <a:off x="5659438" y="3956050"/>
-            <a:ext cx="1831975" cy="1077913"/>
-          </a:xfrm>
-          <a:prstGeom prst="bentConnector2">
-            <a:avLst/>
-          </a:prstGeom>
-          <a:ln>
-            <a:tailEnd type="arrow"/>
-          </a:ln>
-        </p:spPr>
-        <p:style>
-          <a:lnRef idx="3">
-            <a:schemeClr val="accent3"/>
-          </a:lnRef>
-          <a:fillRef idx="0">
-            <a:schemeClr val="accent3"/>
-          </a:fillRef>
-          <a:effectRef idx="2">
-            <a:schemeClr val="accent3"/>
-          </a:effectRef>
-          <a:fontRef idx="minor">
-            <a:schemeClr val="tx1"/>
-          </a:fontRef>
-        </p:style>
-      </p:cxnSp>
-      <p:cxnSp>
-        <p:nvCxnSpPr>
-          <p:cNvPr id="17" name="Elbow Connector 16"/>
-          <p:cNvCxnSpPr>
-            <a:stCxn id="7174" idx="1"/>
-            <a:endCxn id="7173" idx="0"/>
-          </p:cNvCxnSpPr>
-          <p:nvPr/>
-        </p:nvCxnSpPr>
-        <p:spPr>
-          <a:xfrm rot="10800000" flipV="1">
-            <a:off x="3897313" y="2614613"/>
-            <a:ext cx="2171700" cy="1101725"/>
-          </a:xfrm>
-          <a:prstGeom prst="bentConnector2">
-            <a:avLst/>
-          </a:prstGeom>
-          <a:ln>
-            <a:tailEnd type="arrow"/>
-          </a:ln>
-        </p:spPr>
-        <p:style>
-          <a:lnRef idx="3">
-            <a:schemeClr val="accent3"/>
-          </a:lnRef>
-          <a:fillRef idx="0">
-            <a:schemeClr val="accent3"/>
-          </a:fillRef>
-          <a:effectRef idx="2">
-            <a:schemeClr val="accent3"/>
-          </a:effectRef>
-          <a:fontRef idx="minor">
-            <a:schemeClr val="tx1"/>
-          </a:fontRef>
-        </p:style>
-      </p:cxnSp>
-      <p:sp>
-        <p:nvSpPr>
-          <p:cNvPr id="9" name="Rectangle 8"/>
-          <p:cNvSpPr/>
-          <p:nvPr/>
-        </p:nvSpPr>
-        <p:spPr bwMode="auto">
-          <a:xfrm rot="20271598">
-            <a:off x="972903" y="1865775"/>
-            <a:ext cx="5032610" cy="1323439"/>
-          </a:xfrm>
-          <a:prstGeom prst="rect">
-            <a:avLst/>
-          </a:prstGeom>
-          <a:noFill/>
-        </p:spPr>
-        <p:txBody>
-          <a:bodyPr wrap="none">
-            <a:spAutoFit/>
-            <a:scene3d>
-              <a:camera prst="orthographicFront"/>
-              <a:lightRig rig="flat" dir="tl">
-                <a:rot lat="0" lon="0" rev="6600000"/>
-              </a:lightRig>
-            </a:scene3d>
-            <a:sp3d extrusionH="25400" contourW="8890">
-              <a:bevelT w="38100" h="31750"/>
-              <a:contourClr>
-                <a:schemeClr val="accent2">
-                  <a:shade val="75000"/>
-                </a:schemeClr>
-              </a:contourClr>
-            </a:sp3d>
-          </a:bodyPr>
-          <a:lstStyle/>
-          <a:p>
-            <a:pPr algn="ctr">
-              <a:defRPr/>
-            </a:pPr>
-            <a:r>
-              <a:rPr lang="en-US" sz="8000" b="1" dirty="0">
-                <a:ln w="11430"/>
-                <a:solidFill>
-                  <a:srgbClr val="FF0000"/>
-                </a:solidFill>
-                <a:effectLst>
-                  <a:outerShdw blurRad="50800" dist="39000" dir="5460000" algn="tl">
-                    <a:srgbClr val="000000">
-                      <a:alpha val="38000"/>
-                    </a:srgbClr>
-                  </a:outerShdw>
-                </a:effectLst>
-              </a:rPr>
-              <a:t>Waste time</a:t>
-            </a:r>
-          </a:p>
-        </p:txBody>
-      </p:sp>
-    </p:spTree>
-  </p:cSld>
-  <p:clrMapOvr>
-    <a:masterClrMapping/>
-  </p:clrMapOvr>
-  <p:timing>
-    <p:tnLst>
-      <p:par>
-        <p:cTn id="1" dur="indefinite" restart="never" nodeType="tmRoot"/>
-      </p:par>
-    </p:tnLst>
-  </p:timing>
-</p:sld>
-</file>
-
-<file path=ppt/slides/slide7.xml><?xml version="1.0" encoding="utf-8"?>
-<p:sld xmlns:a="http://schemas.openxmlformats.org/drawingml/2006/main" xmlns:r="http://schemas.openxmlformats.org/officeDocument/2006/relationships" xmlns:p="http://schemas.openxmlformats.org/presentationml/2006/main">
-  <p:cSld>
-    <p:bg>
-      <p:bgPr>
-        <a:blipFill dpi="0" rotWithShape="0">
-          <a:blip r:embed="rId2"/>
-          <a:srcRect/>
-          <a:stretch>
-            <a:fillRect/>
-          </a:stretch>
-        </a:blipFill>
-        <a:effectLst/>
-      </p:bgPr>
-    </p:bg>
-    <p:spTree>
-      <p:nvGrpSpPr>
-        <p:cNvPr id="1" name=""/>
-        <p:cNvGrpSpPr/>
-        <p:nvPr/>
-      </p:nvGrpSpPr>
-      <p:grpSpPr>
-        <a:xfrm>
-          <a:off x="0" y="0"/>
-          <a:ext cx="0" cy="0"/>
-          <a:chOff x="0" y="0"/>
-          <a:chExt cx="0" cy="0"/>
-        </a:xfrm>
-      </p:grpSpPr>
-      <p:pic>
-        <p:nvPicPr>
-          <p:cNvPr id="8194" name="Picture 1"/>
-          <p:cNvPicPr>
-            <a:picLocks noChangeAspect="1"/>
-          </p:cNvPicPr>
-          <p:nvPr/>
-        </p:nvPicPr>
-        <p:blipFill>
-          <a:blip r:embed="rId3">
-            <a:extLst>
-              <a:ext uri="{28A0092B-C50C-407E-A947-70E740481C1C}">
-                <a14:useLocalDpi xmlns:a14="http://schemas.microsoft.com/office/drawing/2010/main" val="0"/>
-              </a:ext>
-            </a:extLst>
-          </a:blip>
-          <a:srcRect/>
-          <a:stretch>
-            <a:fillRect/>
-          </a:stretch>
-        </p:blipFill>
-        <p:spPr bwMode="auto">
-          <a:xfrm>
-            <a:off x="0" y="0"/>
-            <a:ext cx="9144000" cy="6858000"/>
-          </a:xfrm>
-          <a:prstGeom prst="rect">
-            <a:avLst/>
-          </a:prstGeom>
-          <a:noFill/>
-          <a:ln>
-            <a:noFill/>
-          </a:ln>
-          <a:extLst>
-            <a:ext uri="{909E8E84-426E-40DD-AFC4-6F175D3DCCD1}">
-              <a14:hiddenFill xmlns:a14="http://schemas.microsoft.com/office/drawing/2010/main">
-                <a:solidFill>
-                  <a:srgbClr val="FFFFFF"/>
-                </a:solidFill>
-              </a14:hiddenFill>
-            </a:ext>
-            <a:ext uri="{91240B29-F687-4F45-9708-019B960494DF}">
-              <a14:hiddenLine xmlns:a14="http://schemas.microsoft.com/office/drawing/2010/main" w="9525">
-                <a:solidFill>
-                  <a:srgbClr val="000000"/>
-                </a:solidFill>
-                <a:miter lim="800000"/>
-                <a:headEnd/>
-                <a:tailEnd/>
-              </a14:hiddenLine>
-            </a:ext>
-          </a:extLst>
-        </p:spPr>
-      </p:pic>
-      <p:graphicFrame>
-        <p:nvGraphicFramePr>
-          <p:cNvPr id="8" name="Diagram 7"/>
-          <p:cNvGraphicFramePr/>
-          <p:nvPr/>
-        </p:nvGraphicFramePr>
-        <p:xfrm>
-          <a:off x="542972" y="-442355"/>
-          <a:ext cx="5172028" cy="1988580"/>
-        </p:xfrm>
-        <a:graphic>
-          <a:graphicData uri="http://schemas.openxmlformats.org/drawingml/2006/diagram">
-            <dgm:relIds xmlns:dgm="http://schemas.openxmlformats.org/drawingml/2006/diagram" xmlns:r="http://schemas.openxmlformats.org/officeDocument/2006/relationships" r:dm="rId4" r:lo="rId5" r:qs="rId6" r:cs="rId7"/>
-          </a:graphicData>
-        </a:graphic>
-      </p:graphicFrame>
-      <p:pic>
-        <p:nvPicPr>
-          <p:cNvPr id="8196" name="Picture 2"/>
-          <p:cNvPicPr>
-            <a:picLocks noChangeAspect="1"/>
-          </p:cNvPicPr>
-          <p:nvPr/>
-        </p:nvPicPr>
-        <p:blipFill>
-          <a:blip r:embed="rId9">
-            <a:extLst>
-              <a:ext uri="{28A0092B-C50C-407E-A947-70E740481C1C}">
-                <a14:useLocalDpi xmlns:a14="http://schemas.microsoft.com/office/drawing/2010/main" val="0"/>
-              </a:ext>
-            </a:extLst>
-          </a:blip>
-          <a:srcRect/>
-          <a:stretch>
-            <a:fillRect/>
-          </a:stretch>
-        </p:blipFill>
-        <p:spPr bwMode="auto">
-          <a:xfrm>
-            <a:off x="2794000" y="2079625"/>
-            <a:ext cx="3556000" cy="2698750"/>
-          </a:xfrm>
-          <a:prstGeom prst="rect">
-            <a:avLst/>
-          </a:prstGeom>
-          <a:noFill/>
-          <a:ln>
-            <a:noFill/>
-          </a:ln>
-          <a:extLst>
-            <a:ext uri="{909E8E84-426E-40DD-AFC4-6F175D3DCCD1}">
-              <a14:hiddenFill xmlns:a14="http://schemas.microsoft.com/office/drawing/2010/main">
-                <a:solidFill>
-                  <a:srgbClr val="FFFFFF"/>
-                </a:solidFill>
-              </a14:hiddenFill>
-            </a:ext>
-            <a:ext uri="{91240B29-F687-4F45-9708-019B960494DF}">
-              <a14:hiddenLine xmlns:a14="http://schemas.microsoft.com/office/drawing/2010/main" w="9525">
-                <a:solidFill>
-                  <a:srgbClr val="000000"/>
-                </a:solidFill>
-                <a:miter lim="800000"/>
-                <a:headEnd/>
-                <a:tailEnd/>
-              </a14:hiddenLine>
-            </a:ext>
-          </a:extLst>
-        </p:spPr>
-      </p:pic>
-      <p:pic>
-        <p:nvPicPr>
-          <p:cNvPr id="8197" name="Picture 3"/>
-          <p:cNvPicPr>
-            <a:picLocks noChangeAspect="1"/>
-          </p:cNvPicPr>
-          <p:nvPr/>
-        </p:nvPicPr>
-        <p:blipFill>
-          <a:blip r:embed="rId10">
-            <a:extLst>
-              <a:ext uri="{28A0092B-C50C-407E-A947-70E740481C1C}">
-                <a14:useLocalDpi xmlns:a14="http://schemas.microsoft.com/office/drawing/2010/main" val="0"/>
-              </a:ext>
-            </a:extLst>
-          </a:blip>
-          <a:srcRect/>
-          <a:stretch>
-            <a:fillRect/>
-          </a:stretch>
-        </p:blipFill>
-        <p:spPr bwMode="auto">
-          <a:xfrm>
-            <a:off x="4953000" y="1209675"/>
-            <a:ext cx="2079625" cy="1576388"/>
-          </a:xfrm>
-          <a:prstGeom prst="rect">
-            <a:avLst/>
-          </a:prstGeom>
-          <a:noFill/>
-          <a:ln>
-            <a:noFill/>
-          </a:ln>
-          <a:extLst>
-            <a:ext uri="{909E8E84-426E-40DD-AFC4-6F175D3DCCD1}">
-              <a14:hiddenFill xmlns:a14="http://schemas.microsoft.com/office/drawing/2010/main">
-                <a:solidFill>
-                  <a:srgbClr val="FFFFFF"/>
-                </a:solidFill>
-              </a14:hiddenFill>
-            </a:ext>
-            <a:ext uri="{91240B29-F687-4F45-9708-019B960494DF}">
-              <a14:hiddenLine xmlns:a14="http://schemas.microsoft.com/office/drawing/2010/main" w="9525">
-                <a:solidFill>
-                  <a:srgbClr val="000000"/>
-                </a:solidFill>
-                <a:miter lim="800000"/>
-                <a:headEnd/>
-                <a:tailEnd/>
-              </a14:hiddenLine>
-            </a:ext>
-          </a:extLst>
-        </p:spPr>
-      </p:pic>
-      <p:pic>
-        <p:nvPicPr>
-          <p:cNvPr id="8198" name="Picture 5"/>
-          <p:cNvPicPr>
-            <a:picLocks noChangeAspect="1"/>
-          </p:cNvPicPr>
-          <p:nvPr/>
-        </p:nvPicPr>
-        <p:blipFill>
-          <a:blip r:embed="rId10">
-            <a:extLst>
-              <a:ext uri="{28A0092B-C50C-407E-A947-70E740481C1C}">
-                <a14:useLocalDpi xmlns:a14="http://schemas.microsoft.com/office/drawing/2010/main" val="0"/>
-              </a:ext>
-            </a:extLst>
-          </a:blip>
-          <a:srcRect/>
-          <a:stretch>
-            <a:fillRect/>
-          </a:stretch>
-        </p:blipFill>
-        <p:spPr bwMode="auto">
-          <a:xfrm>
-            <a:off x="1266825" y="3481388"/>
-            <a:ext cx="2078038" cy="1577975"/>
-          </a:xfrm>
-          <a:prstGeom prst="rect">
-            <a:avLst/>
-          </a:prstGeom>
-          <a:noFill/>
-          <a:ln>
-            <a:noFill/>
-          </a:ln>
-          <a:extLst>
-            <a:ext uri="{909E8E84-426E-40DD-AFC4-6F175D3DCCD1}">
-              <a14:hiddenFill xmlns:a14="http://schemas.microsoft.com/office/drawing/2010/main">
-                <a:solidFill>
-                  <a:srgbClr val="FFFFFF"/>
-                </a:solidFill>
-              </a14:hiddenFill>
-            </a:ext>
-            <a:ext uri="{91240B29-F687-4F45-9708-019B960494DF}">
-              <a14:hiddenLine xmlns:a14="http://schemas.microsoft.com/office/drawing/2010/main" w="9525">
-                <a:solidFill>
-                  <a:srgbClr val="000000"/>
-                </a:solidFill>
-                <a:miter lim="800000"/>
-                <a:headEnd/>
-                <a:tailEnd/>
-              </a14:hiddenLine>
-            </a:ext>
-          </a:extLst>
-        </p:spPr>
-      </p:pic>
-      <p:pic>
-        <p:nvPicPr>
-          <p:cNvPr id="8199" name="Picture 6"/>
-          <p:cNvPicPr>
-            <a:picLocks noChangeAspect="1"/>
-          </p:cNvPicPr>
-          <p:nvPr/>
-        </p:nvPicPr>
-        <p:blipFill>
-          <a:blip r:embed="rId10">
-            <a:extLst>
-              <a:ext uri="{28A0092B-C50C-407E-A947-70E740481C1C}">
-                <a14:useLocalDpi xmlns:a14="http://schemas.microsoft.com/office/drawing/2010/main" val="0"/>
-              </a:ext>
-            </a:extLst>
-          </a:blip>
-          <a:srcRect/>
-          <a:stretch>
-            <a:fillRect/>
-          </a:stretch>
-        </p:blipFill>
-        <p:spPr bwMode="auto">
-          <a:xfrm>
-            <a:off x="3344863" y="4778375"/>
-            <a:ext cx="2079625" cy="1576388"/>
-          </a:xfrm>
-          <a:prstGeom prst="rect">
-            <a:avLst/>
-          </a:prstGeom>
-          <a:noFill/>
-          <a:ln>
-            <a:noFill/>
-          </a:ln>
-          <a:extLst>
-            <a:ext uri="{909E8E84-426E-40DD-AFC4-6F175D3DCCD1}">
-              <a14:hiddenFill xmlns:a14="http://schemas.microsoft.com/office/drawing/2010/main">
-                <a:solidFill>
-                  <a:srgbClr val="FFFFFF"/>
-                </a:solidFill>
-              </a14:hiddenFill>
-            </a:ext>
-            <a:ext uri="{91240B29-F687-4F45-9708-019B960494DF}">
-              <a14:hiddenLine xmlns:a14="http://schemas.microsoft.com/office/drawing/2010/main" w="9525">
-                <a:solidFill>
-                  <a:srgbClr val="000000"/>
-                </a:solidFill>
-                <a:miter lim="800000"/>
-                <a:headEnd/>
-                <a:tailEnd/>
-              </a14:hiddenLine>
-            </a:ext>
-          </a:extLst>
-        </p:spPr>
-      </p:pic>
-      <p:pic>
-        <p:nvPicPr>
-          <p:cNvPr id="8200" name="Picture 8"/>
-          <p:cNvPicPr>
-            <a:picLocks noChangeAspect="1"/>
-          </p:cNvPicPr>
-          <p:nvPr/>
-        </p:nvPicPr>
-        <p:blipFill>
-          <a:blip r:embed="rId10">
-            <a:extLst>
-              <a:ext uri="{28A0092B-C50C-407E-A947-70E740481C1C}">
-                <a14:useLocalDpi xmlns:a14="http://schemas.microsoft.com/office/drawing/2010/main" val="0"/>
-              </a:ext>
-            </a:extLst>
-          </a:blip>
-          <a:srcRect/>
-          <a:stretch>
-            <a:fillRect/>
-          </a:stretch>
-        </p:blipFill>
-        <p:spPr bwMode="auto">
-          <a:xfrm>
-            <a:off x="5486400" y="3962400"/>
-            <a:ext cx="2079625" cy="1577975"/>
-          </a:xfrm>
-          <a:prstGeom prst="rect">
-            <a:avLst/>
-          </a:prstGeom>
-          <a:noFill/>
-          <a:ln>
-            <a:noFill/>
-          </a:ln>
-          <a:extLst>
-            <a:ext uri="{909E8E84-426E-40DD-AFC4-6F175D3DCCD1}">
-              <a14:hiddenFill xmlns:a14="http://schemas.microsoft.com/office/drawing/2010/main">
-                <a:solidFill>
-                  <a:srgbClr val="FFFFFF"/>
-                </a:solidFill>
-              </a14:hiddenFill>
-            </a:ext>
-            <a:ext uri="{91240B29-F687-4F45-9708-019B960494DF}">
-              <a14:hiddenLine xmlns:a14="http://schemas.microsoft.com/office/drawing/2010/main" w="9525">
-                <a:solidFill>
-                  <a:srgbClr val="000000"/>
-                </a:solidFill>
-                <a:miter lim="800000"/>
-                <a:headEnd/>
-                <a:tailEnd/>
-              </a14:hiddenLine>
-            </a:ext>
-          </a:extLst>
-        </p:spPr>
-      </p:pic>
-      <p:pic>
-        <p:nvPicPr>
-          <p:cNvPr id="8201" name="Picture 10"/>
-          <p:cNvPicPr>
-            <a:picLocks noChangeAspect="1"/>
-          </p:cNvPicPr>
-          <p:nvPr/>
-        </p:nvPicPr>
-        <p:blipFill>
-          <a:blip r:embed="rId11">
-            <a:extLst>
-              <a:ext uri="{28A0092B-C50C-407E-A947-70E740481C1C}">
-                <a14:useLocalDpi xmlns:a14="http://schemas.microsoft.com/office/drawing/2010/main" val="0"/>
-              </a:ext>
-            </a:extLst>
-          </a:blip>
-          <a:srcRect/>
-          <a:stretch>
-            <a:fillRect/>
-          </a:stretch>
-        </p:blipFill>
-        <p:spPr bwMode="auto">
-          <a:xfrm>
-            <a:off x="6858000" y="2324100"/>
-            <a:ext cx="1219200" cy="925513"/>
-          </a:xfrm>
-          <a:prstGeom prst="rect">
-            <a:avLst/>
-          </a:prstGeom>
-          <a:noFill/>
-          <a:ln>
-            <a:noFill/>
-          </a:ln>
-          <a:extLst>
-            <a:ext uri="{909E8E84-426E-40DD-AFC4-6F175D3DCCD1}">
-              <a14:hiddenFill xmlns:a14="http://schemas.microsoft.com/office/drawing/2010/main">
-                <a:solidFill>
-                  <a:srgbClr val="FFFFFF"/>
-                </a:solidFill>
-              </a14:hiddenFill>
-            </a:ext>
-            <a:ext uri="{91240B29-F687-4F45-9708-019B960494DF}">
-              <a14:hiddenLine xmlns:a14="http://schemas.microsoft.com/office/drawing/2010/main" w="9525">
-                <a:solidFill>
-                  <a:srgbClr val="000000"/>
-                </a:solidFill>
-                <a:miter lim="800000"/>
-                <a:headEnd/>
-                <a:tailEnd/>
-              </a14:hiddenLine>
-            </a:ext>
-          </a:extLst>
-        </p:spPr>
-      </p:pic>
-      <p:pic>
-        <p:nvPicPr>
-          <p:cNvPr id="8202" name="Picture 11"/>
-          <p:cNvPicPr>
-            <a:picLocks noChangeAspect="1"/>
-          </p:cNvPicPr>
-          <p:nvPr/>
-        </p:nvPicPr>
-        <p:blipFill>
-          <a:blip r:embed="rId12">
-            <a:extLst>
-              <a:ext uri="{28A0092B-C50C-407E-A947-70E740481C1C}">
-                <a14:useLocalDpi xmlns:a14="http://schemas.microsoft.com/office/drawing/2010/main" val="0"/>
-              </a:ext>
-            </a:extLst>
-          </a:blip>
-          <a:srcRect/>
-          <a:stretch>
-            <a:fillRect/>
-          </a:stretch>
-        </p:blipFill>
-        <p:spPr bwMode="auto">
-          <a:xfrm>
-            <a:off x="1697038" y="4835525"/>
-            <a:ext cx="1219200" cy="923925"/>
-          </a:xfrm>
-          <a:prstGeom prst="rect">
-            <a:avLst/>
-          </a:prstGeom>
-          <a:noFill/>
-          <a:ln>
-            <a:noFill/>
-          </a:ln>
-          <a:extLst>
-            <a:ext uri="{909E8E84-426E-40DD-AFC4-6F175D3DCCD1}">
-              <a14:hiddenFill xmlns:a14="http://schemas.microsoft.com/office/drawing/2010/main">
-                <a:solidFill>
-                  <a:srgbClr val="FFFFFF"/>
-                </a:solidFill>
-              </a14:hiddenFill>
-            </a:ext>
-            <a:ext uri="{91240B29-F687-4F45-9708-019B960494DF}">
-              <a14:hiddenLine xmlns:a14="http://schemas.microsoft.com/office/drawing/2010/main" w="9525">
-                <a:solidFill>
-                  <a:srgbClr val="000000"/>
-                </a:solidFill>
-                <a:miter lim="800000"/>
-                <a:headEnd/>
-                <a:tailEnd/>
-              </a14:hiddenLine>
-            </a:ext>
-          </a:extLst>
-        </p:spPr>
-      </p:pic>
-      <p:pic>
-        <p:nvPicPr>
-          <p:cNvPr id="8203" name="Picture 12"/>
-          <p:cNvPicPr>
-            <a:picLocks noChangeAspect="1"/>
-          </p:cNvPicPr>
-          <p:nvPr/>
-        </p:nvPicPr>
-        <p:blipFill>
-          <a:blip r:embed="rId12">
-            <a:extLst>
-              <a:ext uri="{28A0092B-C50C-407E-A947-70E740481C1C}">
-                <a14:useLocalDpi xmlns:a14="http://schemas.microsoft.com/office/drawing/2010/main" val="0"/>
-              </a:ext>
-            </a:extLst>
-          </a:blip>
-          <a:srcRect/>
-          <a:stretch>
-            <a:fillRect/>
-          </a:stretch>
-        </p:blipFill>
-        <p:spPr bwMode="auto">
-          <a:xfrm>
-            <a:off x="7315200" y="3500438"/>
-            <a:ext cx="1219200" cy="923925"/>
-          </a:xfrm>
-          <a:prstGeom prst="rect">
-            <a:avLst/>
-          </a:prstGeom>
-          <a:noFill/>
-          <a:ln>
-            <a:noFill/>
-          </a:ln>
-          <a:extLst>
-            <a:ext uri="{909E8E84-426E-40DD-AFC4-6F175D3DCCD1}">
-              <a14:hiddenFill xmlns:a14="http://schemas.microsoft.com/office/drawing/2010/main">
-                <a:solidFill>
-                  <a:srgbClr val="FFFFFF"/>
-                </a:solidFill>
-              </a14:hiddenFill>
-            </a:ext>
-            <a:ext uri="{91240B29-F687-4F45-9708-019B960494DF}">
-              <a14:hiddenLine xmlns:a14="http://schemas.microsoft.com/office/drawing/2010/main" w="9525">
-                <a:solidFill>
-                  <a:srgbClr val="000000"/>
-                </a:solidFill>
-                <a:miter lim="800000"/>
-                <a:headEnd/>
-                <a:tailEnd/>
-              </a14:hiddenLine>
-            </a:ext>
-          </a:extLst>
-        </p:spPr>
-      </p:pic>
-      <p:pic>
-        <p:nvPicPr>
-          <p:cNvPr id="8204" name="Picture 14"/>
-          <p:cNvPicPr>
-            <a:picLocks noChangeAspect="1"/>
-          </p:cNvPicPr>
-          <p:nvPr/>
-        </p:nvPicPr>
-        <p:blipFill>
-          <a:blip r:embed="rId11">
-            <a:extLst>
-              <a:ext uri="{28A0092B-C50C-407E-A947-70E740481C1C}">
-                <a14:useLocalDpi xmlns:a14="http://schemas.microsoft.com/office/drawing/2010/main" val="0"/>
-              </a:ext>
-            </a:extLst>
-          </a:blip>
-          <a:srcRect/>
-          <a:stretch>
-            <a:fillRect/>
-          </a:stretch>
-        </p:blipFill>
-        <p:spPr bwMode="auto">
-          <a:xfrm>
-            <a:off x="5638800" y="5565775"/>
-            <a:ext cx="1219200" cy="925513"/>
-          </a:xfrm>
-          <a:prstGeom prst="rect">
-            <a:avLst/>
-          </a:prstGeom>
-          <a:noFill/>
-          <a:ln>
-            <a:noFill/>
-          </a:ln>
-          <a:extLst>
-            <a:ext uri="{909E8E84-426E-40DD-AFC4-6F175D3DCCD1}">
-              <a14:hiddenFill xmlns:a14="http://schemas.microsoft.com/office/drawing/2010/main">
-                <a:solidFill>
-                  <a:srgbClr val="FFFFFF"/>
-                </a:solidFill>
-              </a14:hiddenFill>
-            </a:ext>
-            <a:ext uri="{91240B29-F687-4F45-9708-019B960494DF}">
-              <a14:hiddenLine xmlns:a14="http://schemas.microsoft.com/office/drawing/2010/main" w="9525">
-                <a:solidFill>
-                  <a:srgbClr val="000000"/>
-                </a:solidFill>
-                <a:miter lim="800000"/>
-                <a:headEnd/>
-                <a:tailEnd/>
-              </a14:hiddenLine>
-            </a:ext>
-          </a:extLst>
-        </p:spPr>
-      </p:pic>
-      <p:pic>
-        <p:nvPicPr>
-          <p:cNvPr id="8205" name="Picture 15"/>
-          <p:cNvPicPr>
-            <a:picLocks noChangeAspect="1"/>
-          </p:cNvPicPr>
-          <p:nvPr/>
-        </p:nvPicPr>
-        <p:blipFill>
-          <a:blip r:embed="rId11">
-            <a:extLst>
-              <a:ext uri="{28A0092B-C50C-407E-A947-70E740481C1C}">
-                <a14:useLocalDpi xmlns:a14="http://schemas.microsoft.com/office/drawing/2010/main" val="0"/>
-              </a:ext>
-            </a:extLst>
-          </a:blip>
-          <a:srcRect/>
-          <a:stretch>
-            <a:fillRect/>
-          </a:stretch>
-        </p:blipFill>
-        <p:spPr bwMode="auto">
-          <a:xfrm>
-            <a:off x="6691313" y="1073150"/>
-            <a:ext cx="1219200" cy="925513"/>
-          </a:xfrm>
-          <a:prstGeom prst="rect">
-            <a:avLst/>
-          </a:prstGeom>
-          <a:noFill/>
-          <a:ln>
-            <a:noFill/>
-          </a:ln>
-          <a:extLst>
-            <a:ext uri="{909E8E84-426E-40DD-AFC4-6F175D3DCCD1}">
-              <a14:hiddenFill xmlns:a14="http://schemas.microsoft.com/office/drawing/2010/main">
-                <a:solidFill>
-                  <a:srgbClr val="FFFFFF"/>
-                </a:solidFill>
-              </a14:hiddenFill>
-            </a:ext>
-            <a:ext uri="{91240B29-F687-4F45-9708-019B960494DF}">
-              <a14:hiddenLine xmlns:a14="http://schemas.microsoft.com/office/drawing/2010/main" w="9525">
-                <a:solidFill>
-                  <a:srgbClr val="000000"/>
-                </a:solidFill>
-                <a:miter lim="800000"/>
-                <a:headEnd/>
-                <a:tailEnd/>
-              </a14:hiddenLine>
-            </a:ext>
-          </a:extLst>
-        </p:spPr>
-      </p:pic>
-      <p:pic>
-        <p:nvPicPr>
-          <p:cNvPr id="8206" name="Picture 17"/>
-          <p:cNvPicPr>
-            <a:picLocks noChangeAspect="1"/>
-          </p:cNvPicPr>
-          <p:nvPr/>
-        </p:nvPicPr>
-        <p:blipFill>
-          <a:blip r:embed="rId12">
-            <a:extLst>
-              <a:ext uri="{28A0092B-C50C-407E-A947-70E740481C1C}">
-                <a14:useLocalDpi xmlns:a14="http://schemas.microsoft.com/office/drawing/2010/main" val="0"/>
-              </a:ext>
-            </a:extLst>
-          </a:blip>
-          <a:srcRect/>
-          <a:stretch>
-            <a:fillRect/>
-          </a:stretch>
-        </p:blipFill>
-        <p:spPr bwMode="auto">
-          <a:xfrm>
-            <a:off x="5584825" y="2967038"/>
-            <a:ext cx="1219200" cy="923925"/>
-          </a:xfrm>
-          <a:prstGeom prst="rect">
-            <a:avLst/>
-          </a:prstGeom>
-          <a:noFill/>
-          <a:ln>
-            <a:noFill/>
-          </a:ln>
-          <a:extLst>
-            <a:ext uri="{909E8E84-426E-40DD-AFC4-6F175D3DCCD1}">
-              <a14:hiddenFill xmlns:a14="http://schemas.microsoft.com/office/drawing/2010/main">
-                <a:solidFill>
-                  <a:srgbClr val="FFFFFF"/>
-                </a:solidFill>
-              </a14:hiddenFill>
-            </a:ext>
-            <a:ext uri="{91240B29-F687-4F45-9708-019B960494DF}">
-              <a14:hiddenLine xmlns:a14="http://schemas.microsoft.com/office/drawing/2010/main" w="9525">
-                <a:solidFill>
-                  <a:srgbClr val="000000"/>
-                </a:solidFill>
-                <a:miter lim="800000"/>
-                <a:headEnd/>
-                <a:tailEnd/>
-              </a14:hiddenLine>
-            </a:ext>
-          </a:extLst>
-        </p:spPr>
-      </p:pic>
-      <p:sp>
-        <p:nvSpPr>
-          <p:cNvPr id="19" name="Rectangle 18"/>
-          <p:cNvSpPr/>
-          <p:nvPr/>
-        </p:nvSpPr>
-        <p:spPr>
-          <a:xfrm rot="20906910">
-            <a:off x="771372" y="1250325"/>
-            <a:ext cx="5433923" cy="2554545"/>
-          </a:xfrm>
-          <a:prstGeom prst="rect">
-            <a:avLst/>
-          </a:prstGeom>
-          <a:noFill/>
-        </p:spPr>
-        <p:txBody>
-          <a:bodyPr wrap="none">
-            <a:spAutoFit/>
-            <a:scene3d>
-              <a:camera prst="orthographicFront"/>
-              <a:lightRig rig="flat" dir="tl">
-                <a:rot lat="0" lon="0" rev="6600000"/>
-              </a:lightRig>
-            </a:scene3d>
-            <a:sp3d extrusionH="25400" contourW="8890">
-              <a:bevelT w="38100" h="31750"/>
-              <a:contourClr>
-                <a:schemeClr val="accent2">
-                  <a:shade val="75000"/>
-                </a:schemeClr>
-              </a:contourClr>
-            </a:sp3d>
-          </a:bodyPr>
-          <a:lstStyle/>
-          <a:p>
-            <a:pPr>
-              <a:defRPr/>
-            </a:pPr>
-            <a:r>
-              <a:rPr lang="en-US" sz="8000" b="1" dirty="0">
-                <a:ln w="11430"/>
-                <a:solidFill>
-                  <a:srgbClr val="FF0000"/>
-                </a:solidFill>
-                <a:effectLst>
-                  <a:outerShdw blurRad="50800" dist="39000" dir="5460000" algn="tl">
-                    <a:srgbClr val="000000">
-                      <a:alpha val="38000"/>
-                    </a:srgbClr>
-                  </a:outerShdw>
-                </a:effectLst>
-              </a:rPr>
-              <a:t>Costly</a:t>
-            </a:r>
-          </a:p>
-          <a:p>
-            <a:pPr>
-              <a:defRPr/>
-            </a:pPr>
-            <a:r>
-              <a:rPr lang="en-US" sz="8000" b="1" dirty="0">
-                <a:ln w="11430"/>
-                <a:solidFill>
-                  <a:srgbClr val="FF0000"/>
-                </a:solidFill>
-                <a:effectLst>
-                  <a:outerShdw blurRad="50800" dist="39000" dir="5460000" algn="tl">
-                    <a:srgbClr val="000000">
-                      <a:alpha val="38000"/>
-                    </a:srgbClr>
-                  </a:outerShdw>
-                </a:effectLst>
-              </a:rPr>
-              <a:t>Redundancy</a:t>
-            </a:r>
-          </a:p>
-        </p:txBody>
-      </p:sp>
-    </p:spTree>
-  </p:cSld>
-  <p:clrMapOvr>
-    <a:masterClrMapping/>
-  </p:clrMapOvr>
-  <p:timing>
-    <p:tnLst>
-      <p:par>
-        <p:cTn id="1" dur="indefinite" restart="never" nodeType="tmRoot"/>
-      </p:par>
-    </p:tnLst>
-  </p:timing>
-</p:sld>
-</file>
-
 <file path=ppt/slides/slide8.xml><?xml version="1.0" encoding="utf-8"?>
 <p:sld xmlns:a="http://schemas.openxmlformats.org/drawingml/2006/main" xmlns:r="http://schemas.openxmlformats.org/officeDocument/2006/relationships" xmlns:p="http://schemas.openxmlformats.org/presentationml/2006/main">
   <p:cSld>
-    <p:bg>
-      <p:bgPr>
-        <a:blipFill dpi="0" rotWithShape="0">
-          <a:blip r:embed="rId2"/>
-          <a:srcRect/>
-          <a:stretch>
-            <a:fillRect/>
-          </a:stretch>
-        </a:blipFill>
-        <a:effectLst/>
-      </p:bgPr>
-    </p:bg>
     <p:spTree>
       <p:nvGrpSpPr>
         <p:cNvPr id="1" name=""/>
@@ -59125,7 +59063,7 @@
           <p:nvPr/>
         </p:nvPicPr>
         <p:blipFill>
-          <a:blip r:embed="rId3">
+          <a:blip r:embed="rId2">
             <a:extLst>
               <a:ext uri="{28A0092B-C50C-407E-A947-70E740481C1C}">
                 <a14:useLocalDpi xmlns:a14="http://schemas.microsoft.com/office/drawing/2010/main" val="0"/>
@@ -59174,7 +59112,13 @@
         <p:nvGraphicFramePr>
           <p:cNvPr id="20" name="Diagram 19"/>
           <p:cNvGraphicFramePr/>
-          <p:nvPr/>
+          <p:nvPr>
+            <p:extLst>
+              <p:ext uri="{D42A27DB-BD31-4B8C-83A1-F6EECF244321}">
+                <p14:modId xmlns:p14="http://schemas.microsoft.com/office/powerpoint/2010/main" val="665092031"/>
+              </p:ext>
+            </p:extLst>
+          </p:nvPr>
         </p:nvGraphicFramePr>
         <p:xfrm>
           <a:off x="542972" y="-442355"/>
@@ -59182,7 +59126,7 @@
         </p:xfrm>
         <a:graphic>
           <a:graphicData uri="http://schemas.openxmlformats.org/drawingml/2006/diagram">
-            <dgm:relIds xmlns:dgm="http://schemas.openxmlformats.org/drawingml/2006/diagram" xmlns:r="http://schemas.openxmlformats.org/officeDocument/2006/relationships" r:dm="rId4" r:lo="rId5" r:qs="rId6" r:cs="rId7"/>
+            <dgm:relIds xmlns:dgm="http://schemas.openxmlformats.org/drawingml/2006/diagram" xmlns:r="http://schemas.openxmlformats.org/officeDocument/2006/relationships" r:dm="rId3" r:lo="rId4" r:qs="rId5" r:cs="rId6"/>
           </a:graphicData>
         </a:graphic>
       </p:graphicFrame>
@@ -59277,11 +59221,25 @@
               <a:defRPr/>
             </a:pPr>
             <a:r>
+              <a:rPr lang="en-US" sz="2400" i="1" dirty="0" smtClean="0">
+                <a:latin typeface="+mn-lt"/>
+                <a:sym typeface="Wingdings" pitchFamily="2" charset="2"/>
+              </a:rPr>
+              <a:t>High expense</a:t>
+            </a:r>
+            <a:r>
+              <a:rPr lang="en-US" sz="2400" i="1" dirty="0" smtClean="0">
+                <a:latin typeface="+mn-lt"/>
+                <a:sym typeface="Wingdings" pitchFamily="2" charset="2"/>
+              </a:rPr>
+              <a:t> </a:t>
+            </a:r>
+            <a:r>
               <a:rPr lang="en-US" sz="2400" i="1" dirty="0">
                 <a:latin typeface="+mn-lt"/>
                 <a:sym typeface="Wingdings" pitchFamily="2" charset="2"/>
               </a:rPr>
-              <a:t>Lost money and hard to control a lots waiter.</a:t>
+              <a:t>and hard to control a lots waiter.</a:t>
             </a:r>
             <a:endParaRPr lang="en-US" sz="2400" b="1" i="1" dirty="0">
               <a:latin typeface="+mn-lt"/>
@@ -59390,6 +59348,11 @@
         </p:txBody>
       </p:sp>
     </p:spTree>
+    <p:extLst>
+      <p:ext uri="{BB962C8B-B14F-4D97-AF65-F5344CB8AC3E}">
+        <p14:creationId xmlns:p14="http://schemas.microsoft.com/office/powerpoint/2010/main" val="1480291500"/>
+      </p:ext>
+    </p:extLst>
   </p:cSld>
   <p:clrMapOvr>
     <a:masterClrMapping/>

--- a/Documents/Other Docs/SMS Group - Slide Thẩm định đồ án.pptx
+++ b/Documents/Other Docs/SMS Group - Slide Thẩm định đồ án.pptx
@@ -15580,10 +15580,13 @@
         <a:lstStyle/>
         <a:p>
           <a:r>
-            <a:rPr lang="en-US" sz="3600" dirty="0" smtClean="0"/>
-            <a:t>Scope </a:t>
+            <a:rPr lang="en-US" sz="3600" b="0" dirty="0" smtClean="0">
+              <a:latin typeface="Calibri" pitchFamily="34" charset="0"/>
+              <a:cs typeface="Arial" charset="0"/>
+            </a:rPr>
+            <a:t>Global Picture</a:t>
           </a:r>
-          <a:endParaRPr lang="en-US" sz="3600" dirty="0"/>
+          <a:endParaRPr lang="en-US" sz="3600" b="0" dirty="0"/>
         </a:p>
       </dgm:t>
     </dgm:pt>
@@ -15633,7 +15636,7 @@
       <dgm:spPr/>
     </dgm:pt>
     <dgm:pt modelId="{F2CC8820-8EFD-46A5-BF8C-C75425556499}" type="pres">
-      <dgm:prSet presAssocID="{10A886BE-3FDD-4E2B-B9CD-41BFFC52D625}" presName="FirstChild" presStyleLbl="revTx" presStyleIdx="0" presStyleCnt="1" custScaleX="71291" custLinFactNeighborX="51467" custLinFactNeighborY="1169">
+      <dgm:prSet presAssocID="{10A886BE-3FDD-4E2B-B9CD-41BFFC52D625}" presName="FirstChild" presStyleLbl="revTx" presStyleIdx="0" presStyleCnt="1" custScaleX="66102" custLinFactNeighborX="2531" custLinFactNeighborY="1169">
         <dgm:presLayoutVars>
           <dgm:chMax val="0"/>
           <dgm:chPref val="0"/>
@@ -18160,8 +18163,8 @@
   </dgm:ptLst>
   <dgm:cxnLst>
     <dgm:cxn modelId="{B5F5ED2A-BB8E-4EC2-8DEC-BF309CDB665A}" srcId="{10A886BE-3FDD-4E2B-B9CD-41BFFC52D625}" destId="{6ABFC51C-B6A2-4B37-8757-41D0A46C48A3}" srcOrd="0" destOrd="0" parTransId="{46B10605-10BC-444F-9410-DD0CF82A1A11}" sibTransId="{D947CDF1-4BE5-4926-BB54-F39D1BA4A98A}"/>
+    <dgm:cxn modelId="{CAED2980-EBD6-4DB0-8E4F-5F7FB0562F54}" type="presOf" srcId="{6ABFC51C-B6A2-4B37-8757-41D0A46C48A3}" destId="{F2CC8820-8EFD-46A5-BF8C-C75425556499}" srcOrd="0" destOrd="0" presId="urn:microsoft.com/office/officeart/2011/layout/TabList"/>
     <dgm:cxn modelId="{75A17FAF-D3DD-49A0-96F4-5CF260B6CB99}" type="presOf" srcId="{769B6C3A-7D91-448B-BFAE-23452E779E6C}" destId="{86ADB2AD-438C-422D-9149-B688BC940569}" srcOrd="0" destOrd="0" presId="urn:microsoft.com/office/officeart/2011/layout/TabList"/>
-    <dgm:cxn modelId="{CAED2980-EBD6-4DB0-8E4F-5F7FB0562F54}" type="presOf" srcId="{6ABFC51C-B6A2-4B37-8757-41D0A46C48A3}" destId="{F2CC8820-8EFD-46A5-BF8C-C75425556499}" srcOrd="0" destOrd="0" presId="urn:microsoft.com/office/officeart/2011/layout/TabList"/>
     <dgm:cxn modelId="{E5888D65-3575-4F52-A11F-A9AC79EE46D5}" srcId="{769B6C3A-7D91-448B-BFAE-23452E779E6C}" destId="{10A886BE-3FDD-4E2B-B9CD-41BFFC52D625}" srcOrd="0" destOrd="0" parTransId="{30837BC2-89CE-4519-A7BE-1B5DFB6C373A}" sibTransId="{DBD27DE8-3C61-472E-898A-EED87729A639}"/>
     <dgm:cxn modelId="{CBEFF24E-6D1A-4EEF-8BBB-6DFD401EF4E0}" type="presOf" srcId="{10A886BE-3FDD-4E2B-B9CD-41BFFC52D625}" destId="{EA84A2B0-ACF9-4FE0-8724-46A1A7116719}" srcOrd="0" destOrd="0" presId="urn:microsoft.com/office/officeart/2011/layout/TabList"/>
     <dgm:cxn modelId="{16F34871-06A3-4764-A1D5-C7D87C82B6F3}" type="presParOf" srcId="{86ADB2AD-438C-422D-9149-B688BC940569}" destId="{A3B9330F-AE03-40D3-AED0-11299DACAFE6}" srcOrd="0" destOrd="0" presId="urn:microsoft.com/office/officeart/2011/layout/TabList"/>
@@ -18684,8 +18687,8 @@
       </dsp:nvSpPr>
       <dsp:spPr>
         <a:xfrm>
-          <a:off x="378449" y="1325363"/>
-          <a:ext cx="5172028" cy="0"/>
+          <a:off x="411904" y="1325363"/>
+          <a:ext cx="5629229" cy="0"/>
         </a:xfrm>
         <a:prstGeom prst="line">
           <a:avLst/>
@@ -18725,8 +18728,8 @@
       </dsp:nvSpPr>
       <dsp:spPr>
         <a:xfrm>
-          <a:off x="2443507" y="670957"/>
-          <a:ext cx="2728520" cy="662146"/>
+          <a:off x="2686968" y="670957"/>
+          <a:ext cx="2753564" cy="662146"/>
         </a:xfrm>
         <a:prstGeom prst="rect">
           <a:avLst/>
@@ -18767,15 +18770,18 @@
             </a:spcAft>
           </a:pPr>
           <a:r>
-            <a:rPr lang="en-US" sz="3600" kern="1200" dirty="0" smtClean="0"/>
-            <a:t>Scope </a:t>
+            <a:rPr lang="en-US" sz="3600" b="0" kern="1200" dirty="0" smtClean="0">
+              <a:latin typeface="Calibri" pitchFamily="34" charset="0"/>
+              <a:cs typeface="Arial" charset="0"/>
+            </a:rPr>
+            <a:t>Global Picture</a:t>
           </a:r>
-          <a:endParaRPr lang="en-US" sz="3600" kern="1200" dirty="0"/>
+          <a:endParaRPr lang="en-US" sz="3600" b="0" kern="1200" dirty="0"/>
         </a:p>
       </dsp:txBody>
       <dsp:txXfrm>
-        <a:off x="2443507" y="670957"/>
-        <a:ext cx="2728520" cy="662146"/>
+        <a:off x="2686968" y="670957"/>
+        <a:ext cx="2753564" cy="662146"/>
       </dsp:txXfrm>
     </dsp:sp>
     <dsp:sp modelId="{EA84A2B0-ACF9-4FE0-8724-46A1A7116719}">
@@ -18785,8 +18791,8 @@
       </dsp:nvSpPr>
       <dsp:spPr>
         <a:xfrm>
-          <a:off x="-378449" y="663216"/>
-          <a:ext cx="2858527" cy="662146"/>
+          <a:off x="-411904" y="663216"/>
+          <a:ext cx="3111217" cy="662146"/>
         </a:xfrm>
         <a:prstGeom prst="round2SameRect">
           <a:avLst>
@@ -18891,8 +18897,8 @@
         </a:p>
       </dsp:txBody>
       <dsp:txXfrm>
-        <a:off x="-346120" y="695545"/>
-        <a:ext cx="2793869" cy="629817"/>
+        <a:off x="-379575" y="695545"/>
+        <a:ext cx="3046559" cy="629817"/>
       </dsp:txXfrm>
     </dsp:sp>
   </dsp:spTree>
@@ -19367,224 +19373,6 @@
       <dsp:cNvGrpSpPr/>
     </dsp:nvGrpSpPr>
     <dsp:grpSpPr/>
-    <dsp:sp modelId="{AAC65FED-B913-4225-A0F5-06504ED03AD3}">
-      <dsp:nvSpPr>
-        <dsp:cNvPr id="0" name=""/>
-        <dsp:cNvSpPr/>
-      </dsp:nvSpPr>
-      <dsp:spPr>
-        <a:xfrm>
-          <a:off x="331547" y="1325363"/>
-          <a:ext cx="6781800" cy="0"/>
-        </a:xfrm>
-        <a:prstGeom prst="line">
-          <a:avLst/>
-        </a:prstGeom>
-        <a:noFill/>
-        <a:ln w="25400" cap="flat" cmpd="sng" algn="ctr">
-          <a:solidFill>
-            <a:schemeClr val="accent3">
-              <a:shade val="80000"/>
-              <a:hueOff val="0"/>
-              <a:satOff val="0"/>
-              <a:lumOff val="0"/>
-              <a:alphaOff val="0"/>
-            </a:schemeClr>
-          </a:solidFill>
-          <a:prstDash val="solid"/>
-        </a:ln>
-        <a:effectLst/>
-      </dsp:spPr>
-      <dsp:style>
-        <a:lnRef idx="2">
-          <a:scrgbClr r="0" g="0" b="0"/>
-        </a:lnRef>
-        <a:fillRef idx="0">
-          <a:scrgbClr r="0" g="0" b="0"/>
-        </a:fillRef>
-        <a:effectRef idx="0">
-          <a:scrgbClr r="0" g="0" b="0"/>
-        </a:effectRef>
-        <a:fontRef idx="minor"/>
-      </dsp:style>
-    </dsp:sp>
-    <dsp:sp modelId="{F2CC8820-8EFD-46A5-BF8C-C75425556499}">
-      <dsp:nvSpPr>
-        <dsp:cNvPr id="0" name=""/>
-        <dsp:cNvSpPr/>
-      </dsp:nvSpPr>
-      <dsp:spPr>
-        <a:xfrm>
-          <a:off x="2820923" y="670957"/>
-          <a:ext cx="3960876" cy="662146"/>
-        </a:xfrm>
-        <a:prstGeom prst="rect">
-          <a:avLst/>
-        </a:prstGeom>
-        <a:noFill/>
-        <a:ln>
-          <a:noFill/>
-        </a:ln>
-        <a:effectLst/>
-      </dsp:spPr>
-      <dsp:style>
-        <a:lnRef idx="0">
-          <a:scrgbClr r="0" g="0" b="0"/>
-        </a:lnRef>
-        <a:fillRef idx="0">
-          <a:scrgbClr r="0" g="0" b="0"/>
-        </a:fillRef>
-        <a:effectRef idx="0">
-          <a:scrgbClr r="0" g="0" b="0"/>
-        </a:effectRef>
-        <a:fontRef idx="minor"/>
-      </dsp:style>
-      <dsp:txBody>
-        <a:bodyPr spcFirstLastPara="0" vert="horz" wrap="square" lIns="68580" tIns="68580" rIns="68580" bIns="68580" numCol="1" spcCol="1270" anchor="b" anchorCtr="0">
-          <a:noAutofit/>
-        </a:bodyPr>
-        <a:lstStyle/>
-        <a:p>
-          <a:pPr lvl="0" algn="l" defTabSz="1600200">
-            <a:lnSpc>
-              <a:spcPct val="90000"/>
-            </a:lnSpc>
-            <a:spcBef>
-              <a:spcPct val="0"/>
-            </a:spcBef>
-            <a:spcAft>
-              <a:spcPct val="35000"/>
-            </a:spcAft>
-          </a:pPr>
-          <a:r>
-            <a:rPr lang="en-US" sz="3600" i="0" kern="1200" dirty="0" smtClean="0"/>
-            <a:t>Hardware Study</a:t>
-          </a:r>
-          <a:endParaRPr lang="en-US" sz="3600" i="0" kern="1200" dirty="0"/>
-        </a:p>
-      </dsp:txBody>
-      <dsp:txXfrm>
-        <a:off x="2820923" y="670957"/>
-        <a:ext cx="3960876" cy="662146"/>
-      </dsp:txXfrm>
-    </dsp:sp>
-    <dsp:sp modelId="{EA84A2B0-ACF9-4FE0-8724-46A1A7116719}">
-      <dsp:nvSpPr>
-        <dsp:cNvPr id="0" name=""/>
-        <dsp:cNvSpPr/>
-      </dsp:nvSpPr>
-      <dsp:spPr>
-        <a:xfrm>
-          <a:off x="-331547" y="663216"/>
-          <a:ext cx="3089457" cy="662146"/>
-        </a:xfrm>
-        <a:prstGeom prst="round2SameRect">
-          <a:avLst>
-            <a:gd name="adj1" fmla="val 16670"/>
-            <a:gd name="adj2" fmla="val 0"/>
-          </a:avLst>
-        </a:prstGeom>
-        <a:gradFill rotWithShape="0">
-          <a:gsLst>
-            <a:gs pos="0">
-              <a:schemeClr val="accent3">
-                <a:alpha val="90000"/>
-                <a:hueOff val="0"/>
-                <a:satOff val="0"/>
-                <a:lumOff val="0"/>
-                <a:alphaOff val="0"/>
-                <a:tint val="50000"/>
-                <a:satMod val="300000"/>
-              </a:schemeClr>
-            </a:gs>
-            <a:gs pos="35000">
-              <a:schemeClr val="accent3">
-                <a:alpha val="90000"/>
-                <a:hueOff val="0"/>
-                <a:satOff val="0"/>
-                <a:lumOff val="0"/>
-                <a:alphaOff val="0"/>
-                <a:tint val="37000"/>
-                <a:satMod val="300000"/>
-              </a:schemeClr>
-            </a:gs>
-            <a:gs pos="100000">
-              <a:schemeClr val="accent3">
-                <a:alpha val="90000"/>
-                <a:hueOff val="0"/>
-                <a:satOff val="0"/>
-                <a:lumOff val="0"/>
-                <a:alphaOff val="0"/>
-                <a:tint val="15000"/>
-                <a:satMod val="350000"/>
-              </a:schemeClr>
-            </a:gs>
-          </a:gsLst>
-          <a:lin ang="16200000" scaled="1"/>
-        </a:gradFill>
-        <a:ln w="9525" cap="flat" cmpd="sng" algn="ctr">
-          <a:solidFill>
-            <a:schemeClr val="accent3">
-              <a:alpha val="90000"/>
-              <a:hueOff val="0"/>
-              <a:satOff val="0"/>
-              <a:lumOff val="0"/>
-              <a:alphaOff val="0"/>
-            </a:schemeClr>
-          </a:solidFill>
-          <a:prstDash val="solid"/>
-        </a:ln>
-        <a:effectLst>
-          <a:outerShdw blurRad="40000" dist="20000" dir="5400000" rotWithShape="0">
-            <a:srgbClr val="000000">
-              <a:alpha val="38000"/>
-            </a:srgbClr>
-          </a:outerShdw>
-        </a:effectLst>
-      </dsp:spPr>
-      <dsp:style>
-        <a:lnRef idx="1">
-          <a:scrgbClr r="0" g="0" b="0"/>
-        </a:lnRef>
-        <a:fillRef idx="2">
-          <a:scrgbClr r="0" g="0" b="0"/>
-        </a:fillRef>
-        <a:effectRef idx="1">
-          <a:scrgbClr r="0" g="0" b="0"/>
-        </a:effectRef>
-        <a:fontRef idx="minor">
-          <a:schemeClr val="dk1"/>
-        </a:fontRef>
-      </dsp:style>
-      <dsp:txBody>
-        <a:bodyPr spcFirstLastPara="0" vert="horz" wrap="square" lIns="76200" tIns="76200" rIns="76200" bIns="76200" numCol="1" spcCol="1270" anchor="ctr" anchorCtr="0">
-          <a:noAutofit/>
-        </a:bodyPr>
-        <a:lstStyle/>
-        <a:p>
-          <a:pPr lvl="0" algn="ctr" defTabSz="1778000">
-            <a:lnSpc>
-              <a:spcPct val="90000"/>
-            </a:lnSpc>
-            <a:spcBef>
-              <a:spcPct val="0"/>
-            </a:spcBef>
-            <a:spcAft>
-              <a:spcPct val="35000"/>
-            </a:spcAft>
-          </a:pPr>
-          <a:r>
-            <a:rPr lang="en-US" sz="4000" kern="1200" dirty="0" smtClean="0"/>
-            <a:t>Hard &amp; Soft</a:t>
-          </a:r>
-          <a:endParaRPr lang="en-US" sz="4000" kern="1200" dirty="0"/>
-        </a:p>
-      </dsp:txBody>
-      <dsp:txXfrm>
-        <a:off x="-299218" y="695545"/>
-        <a:ext cx="3024799" cy="629817"/>
-      </dsp:txXfrm>
-    </dsp:sp>
   </dsp:spTree>
 </dsp:drawing>
 </file>
@@ -19597,224 +19385,6 @@
       <dsp:cNvGrpSpPr/>
     </dsp:nvGrpSpPr>
     <dsp:grpSpPr/>
-    <dsp:sp modelId="{AAC65FED-B913-4225-A0F5-06504ED03AD3}">
-      <dsp:nvSpPr>
-        <dsp:cNvPr id="0" name=""/>
-        <dsp:cNvSpPr/>
-      </dsp:nvSpPr>
-      <dsp:spPr>
-        <a:xfrm>
-          <a:off x="331547" y="1325363"/>
-          <a:ext cx="6781800" cy="0"/>
-        </a:xfrm>
-        <a:prstGeom prst="line">
-          <a:avLst/>
-        </a:prstGeom>
-        <a:noFill/>
-        <a:ln w="25400" cap="flat" cmpd="sng" algn="ctr">
-          <a:solidFill>
-            <a:schemeClr val="accent3">
-              <a:shade val="80000"/>
-              <a:hueOff val="0"/>
-              <a:satOff val="0"/>
-              <a:lumOff val="0"/>
-              <a:alphaOff val="0"/>
-            </a:schemeClr>
-          </a:solidFill>
-          <a:prstDash val="solid"/>
-        </a:ln>
-        <a:effectLst/>
-      </dsp:spPr>
-      <dsp:style>
-        <a:lnRef idx="2">
-          <a:scrgbClr r="0" g="0" b="0"/>
-        </a:lnRef>
-        <a:fillRef idx="0">
-          <a:scrgbClr r="0" g="0" b="0"/>
-        </a:fillRef>
-        <a:effectRef idx="0">
-          <a:scrgbClr r="0" g="0" b="0"/>
-        </a:effectRef>
-        <a:fontRef idx="minor"/>
-      </dsp:style>
-    </dsp:sp>
-    <dsp:sp modelId="{F2CC8820-8EFD-46A5-BF8C-C75425556499}">
-      <dsp:nvSpPr>
-        <dsp:cNvPr id="0" name=""/>
-        <dsp:cNvSpPr/>
-      </dsp:nvSpPr>
-      <dsp:spPr>
-        <a:xfrm>
-          <a:off x="2820923" y="670957"/>
-          <a:ext cx="3960876" cy="662146"/>
-        </a:xfrm>
-        <a:prstGeom prst="rect">
-          <a:avLst/>
-        </a:prstGeom>
-        <a:noFill/>
-        <a:ln>
-          <a:noFill/>
-        </a:ln>
-        <a:effectLst/>
-      </dsp:spPr>
-      <dsp:style>
-        <a:lnRef idx="0">
-          <a:scrgbClr r="0" g="0" b="0"/>
-        </a:lnRef>
-        <a:fillRef idx="0">
-          <a:scrgbClr r="0" g="0" b="0"/>
-        </a:fillRef>
-        <a:effectRef idx="0">
-          <a:scrgbClr r="0" g="0" b="0"/>
-        </a:effectRef>
-        <a:fontRef idx="minor"/>
-      </dsp:style>
-      <dsp:txBody>
-        <a:bodyPr spcFirstLastPara="0" vert="horz" wrap="square" lIns="68580" tIns="68580" rIns="68580" bIns="68580" numCol="1" spcCol="1270" anchor="b" anchorCtr="0">
-          <a:noAutofit/>
-        </a:bodyPr>
-        <a:lstStyle/>
-        <a:p>
-          <a:pPr lvl="0" algn="l" defTabSz="1600200">
-            <a:lnSpc>
-              <a:spcPct val="90000"/>
-            </a:lnSpc>
-            <a:spcBef>
-              <a:spcPct val="0"/>
-            </a:spcBef>
-            <a:spcAft>
-              <a:spcPct val="35000"/>
-            </a:spcAft>
-          </a:pPr>
-          <a:r>
-            <a:rPr lang="en-US" sz="3600" i="0" kern="1200" dirty="0" smtClean="0"/>
-            <a:t>Software Study</a:t>
-          </a:r>
-          <a:endParaRPr lang="en-US" sz="3600" i="0" kern="1200" dirty="0"/>
-        </a:p>
-      </dsp:txBody>
-      <dsp:txXfrm>
-        <a:off x="2820923" y="670957"/>
-        <a:ext cx="3960876" cy="662146"/>
-      </dsp:txXfrm>
-    </dsp:sp>
-    <dsp:sp modelId="{EA84A2B0-ACF9-4FE0-8724-46A1A7116719}">
-      <dsp:nvSpPr>
-        <dsp:cNvPr id="0" name=""/>
-        <dsp:cNvSpPr/>
-      </dsp:nvSpPr>
-      <dsp:spPr>
-        <a:xfrm>
-          <a:off x="-331547" y="663216"/>
-          <a:ext cx="3089457" cy="662146"/>
-        </a:xfrm>
-        <a:prstGeom prst="round2SameRect">
-          <a:avLst>
-            <a:gd name="adj1" fmla="val 16670"/>
-            <a:gd name="adj2" fmla="val 0"/>
-          </a:avLst>
-        </a:prstGeom>
-        <a:gradFill rotWithShape="0">
-          <a:gsLst>
-            <a:gs pos="0">
-              <a:schemeClr val="accent3">
-                <a:alpha val="90000"/>
-                <a:hueOff val="0"/>
-                <a:satOff val="0"/>
-                <a:lumOff val="0"/>
-                <a:alphaOff val="0"/>
-                <a:tint val="50000"/>
-                <a:satMod val="300000"/>
-              </a:schemeClr>
-            </a:gs>
-            <a:gs pos="35000">
-              <a:schemeClr val="accent3">
-                <a:alpha val="90000"/>
-                <a:hueOff val="0"/>
-                <a:satOff val="0"/>
-                <a:lumOff val="0"/>
-                <a:alphaOff val="0"/>
-                <a:tint val="37000"/>
-                <a:satMod val="300000"/>
-              </a:schemeClr>
-            </a:gs>
-            <a:gs pos="100000">
-              <a:schemeClr val="accent3">
-                <a:alpha val="90000"/>
-                <a:hueOff val="0"/>
-                <a:satOff val="0"/>
-                <a:lumOff val="0"/>
-                <a:alphaOff val="0"/>
-                <a:tint val="15000"/>
-                <a:satMod val="350000"/>
-              </a:schemeClr>
-            </a:gs>
-          </a:gsLst>
-          <a:lin ang="16200000" scaled="1"/>
-        </a:gradFill>
-        <a:ln w="9525" cap="flat" cmpd="sng" algn="ctr">
-          <a:solidFill>
-            <a:schemeClr val="accent3">
-              <a:alpha val="90000"/>
-              <a:hueOff val="0"/>
-              <a:satOff val="0"/>
-              <a:lumOff val="0"/>
-              <a:alphaOff val="0"/>
-            </a:schemeClr>
-          </a:solidFill>
-          <a:prstDash val="solid"/>
-        </a:ln>
-        <a:effectLst>
-          <a:outerShdw blurRad="40000" dist="20000" dir="5400000" rotWithShape="0">
-            <a:srgbClr val="000000">
-              <a:alpha val="38000"/>
-            </a:srgbClr>
-          </a:outerShdw>
-        </a:effectLst>
-      </dsp:spPr>
-      <dsp:style>
-        <a:lnRef idx="1">
-          <a:scrgbClr r="0" g="0" b="0"/>
-        </a:lnRef>
-        <a:fillRef idx="2">
-          <a:scrgbClr r="0" g="0" b="0"/>
-        </a:fillRef>
-        <a:effectRef idx="1">
-          <a:scrgbClr r="0" g="0" b="0"/>
-        </a:effectRef>
-        <a:fontRef idx="minor">
-          <a:schemeClr val="dk1"/>
-        </a:fontRef>
-      </dsp:style>
-      <dsp:txBody>
-        <a:bodyPr spcFirstLastPara="0" vert="horz" wrap="square" lIns="76200" tIns="76200" rIns="76200" bIns="76200" numCol="1" spcCol="1270" anchor="ctr" anchorCtr="0">
-          <a:noAutofit/>
-        </a:bodyPr>
-        <a:lstStyle/>
-        <a:p>
-          <a:pPr lvl="0" algn="ctr" defTabSz="1778000">
-            <a:lnSpc>
-              <a:spcPct val="90000"/>
-            </a:lnSpc>
-            <a:spcBef>
-              <a:spcPct val="0"/>
-            </a:spcBef>
-            <a:spcAft>
-              <a:spcPct val="35000"/>
-            </a:spcAft>
-          </a:pPr>
-          <a:r>
-            <a:rPr lang="en-US" sz="4000" kern="1200" dirty="0" smtClean="0"/>
-            <a:t>Hard &amp; Soft</a:t>
-          </a:r>
-          <a:endParaRPr lang="en-US" sz="4000" kern="1200" dirty="0"/>
-        </a:p>
-      </dsp:txBody>
-      <dsp:txXfrm>
-        <a:off x="-299218" y="695545"/>
-        <a:ext cx="3024799" cy="629817"/>
-      </dsp:txXfrm>
-    </dsp:sp>
   </dsp:spTree>
 </dsp:drawing>
 </file>
@@ -19827,224 +19397,6 @@
       <dsp:cNvGrpSpPr/>
     </dsp:nvGrpSpPr>
     <dsp:grpSpPr/>
-    <dsp:sp modelId="{AAC65FED-B913-4225-A0F5-06504ED03AD3}">
-      <dsp:nvSpPr>
-        <dsp:cNvPr id="0" name=""/>
-        <dsp:cNvSpPr/>
-      </dsp:nvSpPr>
-      <dsp:spPr>
-        <a:xfrm>
-          <a:off x="331547" y="1325363"/>
-          <a:ext cx="6781800" cy="0"/>
-        </a:xfrm>
-        <a:prstGeom prst="line">
-          <a:avLst/>
-        </a:prstGeom>
-        <a:noFill/>
-        <a:ln w="25400" cap="flat" cmpd="sng" algn="ctr">
-          <a:solidFill>
-            <a:schemeClr val="accent3">
-              <a:shade val="80000"/>
-              <a:hueOff val="0"/>
-              <a:satOff val="0"/>
-              <a:lumOff val="0"/>
-              <a:alphaOff val="0"/>
-            </a:schemeClr>
-          </a:solidFill>
-          <a:prstDash val="solid"/>
-        </a:ln>
-        <a:effectLst/>
-      </dsp:spPr>
-      <dsp:style>
-        <a:lnRef idx="2">
-          <a:scrgbClr r="0" g="0" b="0"/>
-        </a:lnRef>
-        <a:fillRef idx="0">
-          <a:scrgbClr r="0" g="0" b="0"/>
-        </a:fillRef>
-        <a:effectRef idx="0">
-          <a:scrgbClr r="0" g="0" b="0"/>
-        </a:effectRef>
-        <a:fontRef idx="minor"/>
-      </dsp:style>
-    </dsp:sp>
-    <dsp:sp modelId="{F2CC8820-8EFD-46A5-BF8C-C75425556499}">
-      <dsp:nvSpPr>
-        <dsp:cNvPr id="0" name=""/>
-        <dsp:cNvSpPr/>
-      </dsp:nvSpPr>
-      <dsp:spPr>
-        <a:xfrm>
-          <a:off x="2820923" y="670957"/>
-          <a:ext cx="3960876" cy="662146"/>
-        </a:xfrm>
-        <a:prstGeom prst="rect">
-          <a:avLst/>
-        </a:prstGeom>
-        <a:noFill/>
-        <a:ln>
-          <a:noFill/>
-        </a:ln>
-        <a:effectLst/>
-      </dsp:spPr>
-      <dsp:style>
-        <a:lnRef idx="0">
-          <a:scrgbClr r="0" g="0" b="0"/>
-        </a:lnRef>
-        <a:fillRef idx="0">
-          <a:scrgbClr r="0" g="0" b="0"/>
-        </a:fillRef>
-        <a:effectRef idx="0">
-          <a:scrgbClr r="0" g="0" b="0"/>
-        </a:effectRef>
-        <a:fontRef idx="minor"/>
-      </dsp:style>
-      <dsp:txBody>
-        <a:bodyPr spcFirstLastPara="0" vert="horz" wrap="square" lIns="68580" tIns="68580" rIns="68580" bIns="68580" numCol="1" spcCol="1270" anchor="b" anchorCtr="0">
-          <a:noAutofit/>
-        </a:bodyPr>
-        <a:lstStyle/>
-        <a:p>
-          <a:pPr lvl="0" algn="l" defTabSz="1600200">
-            <a:lnSpc>
-              <a:spcPct val="90000"/>
-            </a:lnSpc>
-            <a:spcBef>
-              <a:spcPct val="0"/>
-            </a:spcBef>
-            <a:spcAft>
-              <a:spcPct val="35000"/>
-            </a:spcAft>
-          </a:pPr>
-          <a:r>
-            <a:rPr lang="en-US" sz="3600" i="0" kern="1200" dirty="0" smtClean="0"/>
-            <a:t>Software Study</a:t>
-          </a:r>
-          <a:endParaRPr lang="en-US" sz="3600" i="0" kern="1200" dirty="0"/>
-        </a:p>
-      </dsp:txBody>
-      <dsp:txXfrm>
-        <a:off x="2820923" y="670957"/>
-        <a:ext cx="3960876" cy="662146"/>
-      </dsp:txXfrm>
-    </dsp:sp>
-    <dsp:sp modelId="{EA84A2B0-ACF9-4FE0-8724-46A1A7116719}">
-      <dsp:nvSpPr>
-        <dsp:cNvPr id="0" name=""/>
-        <dsp:cNvSpPr/>
-      </dsp:nvSpPr>
-      <dsp:spPr>
-        <a:xfrm>
-          <a:off x="-331547" y="663216"/>
-          <a:ext cx="3089457" cy="662146"/>
-        </a:xfrm>
-        <a:prstGeom prst="round2SameRect">
-          <a:avLst>
-            <a:gd name="adj1" fmla="val 16670"/>
-            <a:gd name="adj2" fmla="val 0"/>
-          </a:avLst>
-        </a:prstGeom>
-        <a:gradFill rotWithShape="0">
-          <a:gsLst>
-            <a:gs pos="0">
-              <a:schemeClr val="accent3">
-                <a:alpha val="90000"/>
-                <a:hueOff val="0"/>
-                <a:satOff val="0"/>
-                <a:lumOff val="0"/>
-                <a:alphaOff val="0"/>
-                <a:tint val="50000"/>
-                <a:satMod val="300000"/>
-              </a:schemeClr>
-            </a:gs>
-            <a:gs pos="35000">
-              <a:schemeClr val="accent3">
-                <a:alpha val="90000"/>
-                <a:hueOff val="0"/>
-                <a:satOff val="0"/>
-                <a:lumOff val="0"/>
-                <a:alphaOff val="0"/>
-                <a:tint val="37000"/>
-                <a:satMod val="300000"/>
-              </a:schemeClr>
-            </a:gs>
-            <a:gs pos="100000">
-              <a:schemeClr val="accent3">
-                <a:alpha val="90000"/>
-                <a:hueOff val="0"/>
-                <a:satOff val="0"/>
-                <a:lumOff val="0"/>
-                <a:alphaOff val="0"/>
-                <a:tint val="15000"/>
-                <a:satMod val="350000"/>
-              </a:schemeClr>
-            </a:gs>
-          </a:gsLst>
-          <a:lin ang="16200000" scaled="1"/>
-        </a:gradFill>
-        <a:ln w="9525" cap="flat" cmpd="sng" algn="ctr">
-          <a:solidFill>
-            <a:schemeClr val="accent3">
-              <a:alpha val="90000"/>
-              <a:hueOff val="0"/>
-              <a:satOff val="0"/>
-              <a:lumOff val="0"/>
-              <a:alphaOff val="0"/>
-            </a:schemeClr>
-          </a:solidFill>
-          <a:prstDash val="solid"/>
-        </a:ln>
-        <a:effectLst>
-          <a:outerShdw blurRad="40000" dist="20000" dir="5400000" rotWithShape="0">
-            <a:srgbClr val="000000">
-              <a:alpha val="38000"/>
-            </a:srgbClr>
-          </a:outerShdw>
-        </a:effectLst>
-      </dsp:spPr>
-      <dsp:style>
-        <a:lnRef idx="1">
-          <a:scrgbClr r="0" g="0" b="0"/>
-        </a:lnRef>
-        <a:fillRef idx="2">
-          <a:scrgbClr r="0" g="0" b="0"/>
-        </a:fillRef>
-        <a:effectRef idx="1">
-          <a:scrgbClr r="0" g="0" b="0"/>
-        </a:effectRef>
-        <a:fontRef idx="minor">
-          <a:schemeClr val="dk1"/>
-        </a:fontRef>
-      </dsp:style>
-      <dsp:txBody>
-        <a:bodyPr spcFirstLastPara="0" vert="horz" wrap="square" lIns="76200" tIns="76200" rIns="76200" bIns="76200" numCol="1" spcCol="1270" anchor="ctr" anchorCtr="0">
-          <a:noAutofit/>
-        </a:bodyPr>
-        <a:lstStyle/>
-        <a:p>
-          <a:pPr lvl="0" algn="ctr" defTabSz="1778000">
-            <a:lnSpc>
-              <a:spcPct val="90000"/>
-            </a:lnSpc>
-            <a:spcBef>
-              <a:spcPct val="0"/>
-            </a:spcBef>
-            <a:spcAft>
-              <a:spcPct val="35000"/>
-            </a:spcAft>
-          </a:pPr>
-          <a:r>
-            <a:rPr lang="en-US" sz="4000" kern="1200" dirty="0" smtClean="0"/>
-            <a:t>Hard &amp; Soft</a:t>
-          </a:r>
-          <a:endParaRPr lang="en-US" sz="4000" kern="1200" dirty="0"/>
-        </a:p>
-      </dsp:txBody>
-      <dsp:txXfrm>
-        <a:off x="-299218" y="695545"/>
-        <a:ext cx="3024799" cy="629817"/>
-      </dsp:txXfrm>
-    </dsp:sp>
   </dsp:spTree>
 </dsp:drawing>
 </file>
@@ -20057,224 +19409,6 @@
       <dsp:cNvGrpSpPr/>
     </dsp:nvGrpSpPr>
     <dsp:grpSpPr/>
-    <dsp:sp modelId="{AAC65FED-B913-4225-A0F5-06504ED03AD3}">
-      <dsp:nvSpPr>
-        <dsp:cNvPr id="0" name=""/>
-        <dsp:cNvSpPr/>
-      </dsp:nvSpPr>
-      <dsp:spPr>
-        <a:xfrm>
-          <a:off x="331547" y="1325363"/>
-          <a:ext cx="6781800" cy="0"/>
-        </a:xfrm>
-        <a:prstGeom prst="line">
-          <a:avLst/>
-        </a:prstGeom>
-        <a:noFill/>
-        <a:ln w="25400" cap="flat" cmpd="sng" algn="ctr">
-          <a:solidFill>
-            <a:schemeClr val="accent3">
-              <a:shade val="80000"/>
-              <a:hueOff val="0"/>
-              <a:satOff val="0"/>
-              <a:lumOff val="0"/>
-              <a:alphaOff val="0"/>
-            </a:schemeClr>
-          </a:solidFill>
-          <a:prstDash val="solid"/>
-        </a:ln>
-        <a:effectLst/>
-      </dsp:spPr>
-      <dsp:style>
-        <a:lnRef idx="2">
-          <a:scrgbClr r="0" g="0" b="0"/>
-        </a:lnRef>
-        <a:fillRef idx="0">
-          <a:scrgbClr r="0" g="0" b="0"/>
-        </a:fillRef>
-        <a:effectRef idx="0">
-          <a:scrgbClr r="0" g="0" b="0"/>
-        </a:effectRef>
-        <a:fontRef idx="minor"/>
-      </dsp:style>
-    </dsp:sp>
-    <dsp:sp modelId="{F2CC8820-8EFD-46A5-BF8C-C75425556499}">
-      <dsp:nvSpPr>
-        <dsp:cNvPr id="0" name=""/>
-        <dsp:cNvSpPr/>
-      </dsp:nvSpPr>
-      <dsp:spPr>
-        <a:xfrm>
-          <a:off x="2820923" y="670957"/>
-          <a:ext cx="3960876" cy="662146"/>
-        </a:xfrm>
-        <a:prstGeom prst="rect">
-          <a:avLst/>
-        </a:prstGeom>
-        <a:noFill/>
-        <a:ln>
-          <a:noFill/>
-        </a:ln>
-        <a:effectLst/>
-      </dsp:spPr>
-      <dsp:style>
-        <a:lnRef idx="0">
-          <a:scrgbClr r="0" g="0" b="0"/>
-        </a:lnRef>
-        <a:fillRef idx="0">
-          <a:scrgbClr r="0" g="0" b="0"/>
-        </a:fillRef>
-        <a:effectRef idx="0">
-          <a:scrgbClr r="0" g="0" b="0"/>
-        </a:effectRef>
-        <a:fontRef idx="minor"/>
-      </dsp:style>
-      <dsp:txBody>
-        <a:bodyPr spcFirstLastPara="0" vert="horz" wrap="square" lIns="68580" tIns="68580" rIns="68580" bIns="68580" numCol="1" spcCol="1270" anchor="b" anchorCtr="0">
-          <a:noAutofit/>
-        </a:bodyPr>
-        <a:lstStyle/>
-        <a:p>
-          <a:pPr lvl="0" algn="l" defTabSz="1600200">
-            <a:lnSpc>
-              <a:spcPct val="90000"/>
-            </a:lnSpc>
-            <a:spcBef>
-              <a:spcPct val="0"/>
-            </a:spcBef>
-            <a:spcAft>
-              <a:spcPct val="35000"/>
-            </a:spcAft>
-          </a:pPr>
-          <a:r>
-            <a:rPr lang="en-US" sz="3600" i="0" kern="1200" dirty="0" smtClean="0"/>
-            <a:t>Software Study</a:t>
-          </a:r>
-          <a:endParaRPr lang="en-US" sz="3600" i="0" kern="1200" dirty="0"/>
-        </a:p>
-      </dsp:txBody>
-      <dsp:txXfrm>
-        <a:off x="2820923" y="670957"/>
-        <a:ext cx="3960876" cy="662146"/>
-      </dsp:txXfrm>
-    </dsp:sp>
-    <dsp:sp modelId="{EA84A2B0-ACF9-4FE0-8724-46A1A7116719}">
-      <dsp:nvSpPr>
-        <dsp:cNvPr id="0" name=""/>
-        <dsp:cNvSpPr/>
-      </dsp:nvSpPr>
-      <dsp:spPr>
-        <a:xfrm>
-          <a:off x="-331547" y="663216"/>
-          <a:ext cx="3089457" cy="662146"/>
-        </a:xfrm>
-        <a:prstGeom prst="round2SameRect">
-          <a:avLst>
-            <a:gd name="adj1" fmla="val 16670"/>
-            <a:gd name="adj2" fmla="val 0"/>
-          </a:avLst>
-        </a:prstGeom>
-        <a:gradFill rotWithShape="0">
-          <a:gsLst>
-            <a:gs pos="0">
-              <a:schemeClr val="accent3">
-                <a:alpha val="90000"/>
-                <a:hueOff val="0"/>
-                <a:satOff val="0"/>
-                <a:lumOff val="0"/>
-                <a:alphaOff val="0"/>
-                <a:tint val="50000"/>
-                <a:satMod val="300000"/>
-              </a:schemeClr>
-            </a:gs>
-            <a:gs pos="35000">
-              <a:schemeClr val="accent3">
-                <a:alpha val="90000"/>
-                <a:hueOff val="0"/>
-                <a:satOff val="0"/>
-                <a:lumOff val="0"/>
-                <a:alphaOff val="0"/>
-                <a:tint val="37000"/>
-                <a:satMod val="300000"/>
-              </a:schemeClr>
-            </a:gs>
-            <a:gs pos="100000">
-              <a:schemeClr val="accent3">
-                <a:alpha val="90000"/>
-                <a:hueOff val="0"/>
-                <a:satOff val="0"/>
-                <a:lumOff val="0"/>
-                <a:alphaOff val="0"/>
-                <a:tint val="15000"/>
-                <a:satMod val="350000"/>
-              </a:schemeClr>
-            </a:gs>
-          </a:gsLst>
-          <a:lin ang="16200000" scaled="1"/>
-        </a:gradFill>
-        <a:ln w="9525" cap="flat" cmpd="sng" algn="ctr">
-          <a:solidFill>
-            <a:schemeClr val="accent3">
-              <a:alpha val="90000"/>
-              <a:hueOff val="0"/>
-              <a:satOff val="0"/>
-              <a:lumOff val="0"/>
-              <a:alphaOff val="0"/>
-            </a:schemeClr>
-          </a:solidFill>
-          <a:prstDash val="solid"/>
-        </a:ln>
-        <a:effectLst>
-          <a:outerShdw blurRad="40000" dist="20000" dir="5400000" rotWithShape="0">
-            <a:srgbClr val="000000">
-              <a:alpha val="38000"/>
-            </a:srgbClr>
-          </a:outerShdw>
-        </a:effectLst>
-      </dsp:spPr>
-      <dsp:style>
-        <a:lnRef idx="1">
-          <a:scrgbClr r="0" g="0" b="0"/>
-        </a:lnRef>
-        <a:fillRef idx="2">
-          <a:scrgbClr r="0" g="0" b="0"/>
-        </a:fillRef>
-        <a:effectRef idx="1">
-          <a:scrgbClr r="0" g="0" b="0"/>
-        </a:effectRef>
-        <a:fontRef idx="minor">
-          <a:schemeClr val="dk1"/>
-        </a:fontRef>
-      </dsp:style>
-      <dsp:txBody>
-        <a:bodyPr spcFirstLastPara="0" vert="horz" wrap="square" lIns="76200" tIns="76200" rIns="76200" bIns="76200" numCol="1" spcCol="1270" anchor="ctr" anchorCtr="0">
-          <a:noAutofit/>
-        </a:bodyPr>
-        <a:lstStyle/>
-        <a:p>
-          <a:pPr lvl="0" algn="ctr" defTabSz="1778000">
-            <a:lnSpc>
-              <a:spcPct val="90000"/>
-            </a:lnSpc>
-            <a:spcBef>
-              <a:spcPct val="0"/>
-            </a:spcBef>
-            <a:spcAft>
-              <a:spcPct val="35000"/>
-            </a:spcAft>
-          </a:pPr>
-          <a:r>
-            <a:rPr lang="en-US" sz="4000" kern="1200" dirty="0" smtClean="0"/>
-            <a:t>Hard &amp; Soft</a:t>
-          </a:r>
-          <a:endParaRPr lang="en-US" sz="4000" kern="1200" dirty="0"/>
-        </a:p>
-      </dsp:txBody>
-      <dsp:txXfrm>
-        <a:off x="-299218" y="695545"/>
-        <a:ext cx="3024799" cy="629817"/>
-      </dsp:txXfrm>
-    </dsp:sp>
   </dsp:spTree>
 </dsp:drawing>
 </file>
@@ -20287,196 +19421,6 @@
       <dsp:cNvGrpSpPr/>
     </dsp:nvGrpSpPr>
     <dsp:grpSpPr/>
-    <dsp:sp modelId="{AAC65FED-B913-4225-A0F5-06504ED03AD3}">
-      <dsp:nvSpPr>
-        <dsp:cNvPr id="0" name=""/>
-        <dsp:cNvSpPr/>
-      </dsp:nvSpPr>
-      <dsp:spPr>
-        <a:xfrm>
-          <a:off x="331547" y="1325363"/>
-          <a:ext cx="6781800" cy="0"/>
-        </a:xfrm>
-        <a:prstGeom prst="line">
-          <a:avLst/>
-        </a:prstGeom>
-        <a:noFill/>
-        <a:ln w="25400" cap="flat" cmpd="sng" algn="ctr">
-          <a:solidFill>
-            <a:schemeClr val="accent3">
-              <a:shade val="80000"/>
-              <a:hueOff val="0"/>
-              <a:satOff val="0"/>
-              <a:lumOff val="0"/>
-              <a:alphaOff val="0"/>
-            </a:schemeClr>
-          </a:solidFill>
-          <a:prstDash val="solid"/>
-        </a:ln>
-        <a:effectLst/>
-      </dsp:spPr>
-      <dsp:style>
-        <a:lnRef idx="2">
-          <a:scrgbClr r="0" g="0" b="0"/>
-        </a:lnRef>
-        <a:fillRef idx="0">
-          <a:scrgbClr r="0" g="0" b="0"/>
-        </a:fillRef>
-        <a:effectRef idx="0">
-          <a:scrgbClr r="0" g="0" b="0"/>
-        </a:effectRef>
-        <a:fontRef idx="minor"/>
-      </dsp:style>
-    </dsp:sp>
-    <dsp:sp modelId="{F2CC8820-8EFD-46A5-BF8C-C75425556499}">
-      <dsp:nvSpPr>
-        <dsp:cNvPr id="0" name=""/>
-        <dsp:cNvSpPr/>
-      </dsp:nvSpPr>
-      <dsp:spPr>
-        <a:xfrm>
-          <a:off x="2820923" y="670957"/>
-          <a:ext cx="3960876" cy="662146"/>
-        </a:xfrm>
-        <a:prstGeom prst="rect">
-          <a:avLst/>
-        </a:prstGeom>
-        <a:noFill/>
-        <a:ln>
-          <a:noFill/>
-        </a:ln>
-        <a:effectLst/>
-      </dsp:spPr>
-      <dsp:style>
-        <a:lnRef idx="0">
-          <a:scrgbClr r="0" g="0" b="0"/>
-        </a:lnRef>
-        <a:fillRef idx="0">
-          <a:scrgbClr r="0" g="0" b="0"/>
-        </a:fillRef>
-        <a:effectRef idx="0">
-          <a:scrgbClr r="0" g="0" b="0"/>
-        </a:effectRef>
-        <a:fontRef idx="minor"/>
-      </dsp:style>
-    </dsp:sp>
-    <dsp:sp modelId="{EA84A2B0-ACF9-4FE0-8724-46A1A7116719}">
-      <dsp:nvSpPr>
-        <dsp:cNvPr id="0" name=""/>
-        <dsp:cNvSpPr/>
-      </dsp:nvSpPr>
-      <dsp:spPr>
-        <a:xfrm>
-          <a:off x="-331547" y="663216"/>
-          <a:ext cx="3089457" cy="662146"/>
-        </a:xfrm>
-        <a:prstGeom prst="round2SameRect">
-          <a:avLst>
-            <a:gd name="adj1" fmla="val 16670"/>
-            <a:gd name="adj2" fmla="val 0"/>
-          </a:avLst>
-        </a:prstGeom>
-        <a:gradFill rotWithShape="0">
-          <a:gsLst>
-            <a:gs pos="0">
-              <a:schemeClr val="accent3">
-                <a:alpha val="90000"/>
-                <a:hueOff val="0"/>
-                <a:satOff val="0"/>
-                <a:lumOff val="0"/>
-                <a:alphaOff val="0"/>
-                <a:tint val="50000"/>
-                <a:satMod val="300000"/>
-              </a:schemeClr>
-            </a:gs>
-            <a:gs pos="35000">
-              <a:schemeClr val="accent3">
-                <a:alpha val="90000"/>
-                <a:hueOff val="0"/>
-                <a:satOff val="0"/>
-                <a:lumOff val="0"/>
-                <a:alphaOff val="0"/>
-                <a:tint val="37000"/>
-                <a:satMod val="300000"/>
-              </a:schemeClr>
-            </a:gs>
-            <a:gs pos="100000">
-              <a:schemeClr val="accent3">
-                <a:alpha val="90000"/>
-                <a:hueOff val="0"/>
-                <a:satOff val="0"/>
-                <a:lumOff val="0"/>
-                <a:alphaOff val="0"/>
-                <a:tint val="15000"/>
-                <a:satMod val="350000"/>
-              </a:schemeClr>
-            </a:gs>
-          </a:gsLst>
-          <a:lin ang="16200000" scaled="1"/>
-        </a:gradFill>
-        <a:ln w="9525" cap="flat" cmpd="sng" algn="ctr">
-          <a:solidFill>
-            <a:schemeClr val="accent3">
-              <a:alpha val="90000"/>
-              <a:hueOff val="0"/>
-              <a:satOff val="0"/>
-              <a:lumOff val="0"/>
-              <a:alphaOff val="0"/>
-            </a:schemeClr>
-          </a:solidFill>
-          <a:prstDash val="solid"/>
-        </a:ln>
-        <a:effectLst>
-          <a:outerShdw blurRad="40000" dist="20000" dir="5400000" rotWithShape="0">
-            <a:srgbClr val="000000">
-              <a:alpha val="38000"/>
-            </a:srgbClr>
-          </a:outerShdw>
-        </a:effectLst>
-      </dsp:spPr>
-      <dsp:style>
-        <a:lnRef idx="1">
-          <a:scrgbClr r="0" g="0" b="0"/>
-        </a:lnRef>
-        <a:fillRef idx="2">
-          <a:scrgbClr r="0" g="0" b="0"/>
-        </a:fillRef>
-        <a:effectRef idx="1">
-          <a:scrgbClr r="0" g="0" b="0"/>
-        </a:effectRef>
-        <a:fontRef idx="minor">
-          <a:schemeClr val="dk1"/>
-        </a:fontRef>
-      </dsp:style>
-      <dsp:txBody>
-        <a:bodyPr spcFirstLastPara="0" vert="horz" wrap="square" lIns="76200" tIns="76200" rIns="76200" bIns="76200" numCol="1" spcCol="1270" anchor="ctr" anchorCtr="0">
-          <a:noAutofit/>
-        </a:bodyPr>
-        <a:lstStyle/>
-        <a:p>
-          <a:pPr lvl="0" algn="ctr" defTabSz="1778000">
-            <a:lnSpc>
-              <a:spcPct val="90000"/>
-            </a:lnSpc>
-            <a:spcBef>
-              <a:spcPct val="0"/>
-            </a:spcBef>
-            <a:spcAft>
-              <a:spcPct val="35000"/>
-            </a:spcAft>
-          </a:pPr>
-          <a:r>
-            <a:rPr lang="en-US" sz="4000" kern="1200" dirty="0" smtClean="0"/>
-            <a:t>Conclusion</a:t>
-          </a:r>
-          <a:endParaRPr lang="en-US" sz="4000" kern="1200" dirty="0"/>
-        </a:p>
-      </dsp:txBody>
-      <dsp:txXfrm>
-        <a:off x="-299218" y="695545"/>
-        <a:ext cx="3024799" cy="629817"/>
-      </dsp:txXfrm>
-    </dsp:sp>
   </dsp:spTree>
 </dsp:drawing>
 </file>
@@ -49823,7 +48767,7 @@
         </p:blipFill>
         <p:spPr bwMode="auto">
           <a:xfrm>
-            <a:off x="3644900" y="1041400"/>
+            <a:off x="3859212" y="1041400"/>
             <a:ext cx="1587500" cy="935038"/>
           </a:xfrm>
           <a:prstGeom prst="rect">
@@ -49877,7 +48821,7 @@
         </p:blipFill>
         <p:spPr bwMode="auto">
           <a:xfrm>
-            <a:off x="6105525" y="1362075"/>
+            <a:off x="6248400" y="1362075"/>
             <a:ext cx="2833688" cy="2833688"/>
           </a:xfrm>
           <a:prstGeom prst="rect">
@@ -49912,11 +48856,17 @@
         <p:nvGraphicFramePr>
           <p:cNvPr id="20" name="Diagram 19"/>
           <p:cNvGraphicFramePr/>
-          <p:nvPr/>
+          <p:nvPr>
+            <p:extLst>
+              <p:ext uri="{D42A27DB-BD31-4B8C-83A1-F6EECF244321}">
+                <p14:modId xmlns:p14="http://schemas.microsoft.com/office/powerpoint/2010/main" val="1966731448"/>
+              </p:ext>
+            </p:extLst>
+          </p:nvPr>
         </p:nvGraphicFramePr>
         <p:xfrm>
-          <a:off x="542972" y="-442355"/>
-          <a:ext cx="5172028" cy="1988580"/>
+          <a:off x="542971" y="-442355"/>
+          <a:ext cx="5629229" cy="1988580"/>
         </p:xfrm>
         <a:graphic>
           <a:graphicData uri="http://schemas.openxmlformats.org/drawingml/2006/diagram">
@@ -49924,160 +48874,6 @@
           </a:graphicData>
         </a:graphic>
       </p:graphicFrame>
-      <p:sp>
-        <p:nvSpPr>
-          <p:cNvPr id="11270" name="TextBox 159"/>
-          <p:cNvSpPr txBox="1">
-            <a:spLocks noChangeArrowheads="1"/>
-          </p:cNvSpPr>
-          <p:nvPr/>
-        </p:nvSpPr>
-        <p:spPr bwMode="auto">
-          <a:xfrm>
-            <a:off x="5411788" y="6210300"/>
-            <a:ext cx="3505200" cy="461963"/>
-          </a:xfrm>
-          <a:prstGeom prst="rect">
-            <a:avLst/>
-          </a:prstGeom>
-          <a:noFill/>
-          <a:ln>
-            <a:noFill/>
-          </a:ln>
-          <a:extLst>
-            <a:ext uri="{909E8E84-426E-40DD-AFC4-6F175D3DCCD1}">
-              <a14:hiddenFill xmlns:a14="http://schemas.microsoft.com/office/drawing/2010/main">
-                <a:solidFill>
-                  <a:srgbClr val="FFFFFF"/>
-                </a:solidFill>
-              </a14:hiddenFill>
-            </a:ext>
-            <a:ext uri="{91240B29-F687-4F45-9708-019B960494DF}">
-              <a14:hiddenLine xmlns:a14="http://schemas.microsoft.com/office/drawing/2010/main" w="9525">
-                <a:solidFill>
-                  <a:srgbClr val="000000"/>
-                </a:solidFill>
-                <a:miter lim="800000"/>
-                <a:headEnd/>
-                <a:tailEnd/>
-              </a14:hiddenLine>
-            </a:ext>
-          </a:extLst>
-        </p:spPr>
-        <p:txBody>
-          <a:bodyPr>
-            <a:spAutoFit/>
-          </a:bodyPr>
-          <a:lstStyle>
-            <a:lvl1pPr eaLnBrk="0" hangingPunct="0">
-              <a:defRPr>
-                <a:solidFill>
-                  <a:schemeClr val="tx1"/>
-                </a:solidFill>
-                <a:latin typeface="Arial" charset="0"/>
-              </a:defRPr>
-            </a:lvl1pPr>
-            <a:lvl2pPr marL="742950" indent="-285750" eaLnBrk="0" hangingPunct="0">
-              <a:defRPr>
-                <a:solidFill>
-                  <a:schemeClr val="tx1"/>
-                </a:solidFill>
-                <a:latin typeface="Arial" charset="0"/>
-              </a:defRPr>
-            </a:lvl2pPr>
-            <a:lvl3pPr marL="1143000" indent="-228600" eaLnBrk="0" hangingPunct="0">
-              <a:defRPr>
-                <a:solidFill>
-                  <a:schemeClr val="tx1"/>
-                </a:solidFill>
-                <a:latin typeface="Arial" charset="0"/>
-              </a:defRPr>
-            </a:lvl3pPr>
-            <a:lvl4pPr marL="1600200" indent="-228600" eaLnBrk="0" hangingPunct="0">
-              <a:defRPr>
-                <a:solidFill>
-                  <a:schemeClr val="tx1"/>
-                </a:solidFill>
-                <a:latin typeface="Arial" charset="0"/>
-              </a:defRPr>
-            </a:lvl4pPr>
-            <a:lvl5pPr marL="2057400" indent="-228600" eaLnBrk="0" hangingPunct="0">
-              <a:defRPr>
-                <a:solidFill>
-                  <a:schemeClr val="tx1"/>
-                </a:solidFill>
-                <a:latin typeface="Arial" charset="0"/>
-              </a:defRPr>
-            </a:lvl5pPr>
-            <a:lvl6pPr marL="2514600" indent="-228600" eaLnBrk="0" fontAlgn="base" hangingPunct="0">
-              <a:spcBef>
-                <a:spcPct val="0"/>
-              </a:spcBef>
-              <a:spcAft>
-                <a:spcPct val="0"/>
-              </a:spcAft>
-              <a:defRPr>
-                <a:solidFill>
-                  <a:schemeClr val="tx1"/>
-                </a:solidFill>
-                <a:latin typeface="Arial" charset="0"/>
-              </a:defRPr>
-            </a:lvl6pPr>
-            <a:lvl7pPr marL="2971800" indent="-228600" eaLnBrk="0" fontAlgn="base" hangingPunct="0">
-              <a:spcBef>
-                <a:spcPct val="0"/>
-              </a:spcBef>
-              <a:spcAft>
-                <a:spcPct val="0"/>
-              </a:spcAft>
-              <a:defRPr>
-                <a:solidFill>
-                  <a:schemeClr val="tx1"/>
-                </a:solidFill>
-                <a:latin typeface="Arial" charset="0"/>
-              </a:defRPr>
-            </a:lvl7pPr>
-            <a:lvl8pPr marL="3429000" indent="-228600" eaLnBrk="0" fontAlgn="base" hangingPunct="0">
-              <a:spcBef>
-                <a:spcPct val="0"/>
-              </a:spcBef>
-              <a:spcAft>
-                <a:spcPct val="0"/>
-              </a:spcAft>
-              <a:defRPr>
-                <a:solidFill>
-                  <a:schemeClr val="tx1"/>
-                </a:solidFill>
-                <a:latin typeface="Arial" charset="0"/>
-              </a:defRPr>
-            </a:lvl8pPr>
-            <a:lvl9pPr marL="3886200" indent="-228600" eaLnBrk="0" fontAlgn="base" hangingPunct="0">
-              <a:spcBef>
-                <a:spcPct val="0"/>
-              </a:spcBef>
-              <a:spcAft>
-                <a:spcPct val="0"/>
-              </a:spcAft>
-              <a:defRPr>
-                <a:solidFill>
-                  <a:schemeClr val="tx1"/>
-                </a:solidFill>
-                <a:latin typeface="Arial" charset="0"/>
-              </a:defRPr>
-            </a:lvl9pPr>
-          </a:lstStyle>
-          <a:p>
-            <a:pPr eaLnBrk="1" hangingPunct="1"/>
-            <a:r>
-              <a:rPr lang="en-US" sz="2400" b="1">
-                <a:latin typeface="Calibri" pitchFamily="34" charset="0"/>
-                <a:cs typeface="Arial" charset="0"/>
-              </a:rPr>
-              <a:t>Global Picture of Project</a:t>
-            </a:r>
-          </a:p>
-        </p:txBody>
-      </p:sp>
       <p:sp>
         <p:nvSpPr>
           <p:cNvPr id="11271" name="TextBox 8"/>
@@ -50088,7 +48884,7 @@
         </p:nvSpPr>
         <p:spPr bwMode="auto">
           <a:xfrm>
-            <a:off x="7070725" y="3316288"/>
+            <a:off x="7285037" y="3316288"/>
             <a:ext cx="1030288" cy="369887"/>
           </a:xfrm>
           <a:prstGeom prst="rect">
@@ -50237,7 +49033,7 @@
         </p:nvSpPr>
         <p:spPr bwMode="auto">
           <a:xfrm>
-            <a:off x="7408863" y="2125663"/>
+            <a:off x="7623175" y="2125663"/>
             <a:ext cx="909637" cy="725487"/>
           </a:xfrm>
           <a:prstGeom prst="rect">
@@ -50292,7 +49088,7 @@
         </p:nvSpPr>
         <p:spPr bwMode="auto">
           <a:xfrm>
-            <a:off x="3632200" y="1989138"/>
+            <a:off x="3846512" y="1989138"/>
             <a:ext cx="1600200" cy="4683125"/>
           </a:xfrm>
           <a:prstGeom prst="rect">
@@ -50340,7 +49136,7 @@
         </p:nvSpPr>
         <p:spPr>
           <a:xfrm>
-            <a:off x="3717925" y="2132013"/>
+            <a:off x="3932237" y="2132013"/>
             <a:ext cx="1428750" cy="725487"/>
           </a:xfrm>
           <a:prstGeom prst="rect">
@@ -50410,7 +49206,7 @@
         </p:blipFill>
         <p:spPr bwMode="auto">
           <a:xfrm>
-            <a:off x="3717925" y="3303588"/>
+            <a:off x="3932237" y="3303588"/>
             <a:ext cx="1428750" cy="1179512"/>
           </a:xfrm>
           <a:prstGeom prst="rect">
@@ -50451,7 +49247,7 @@
         </p:nvSpPr>
         <p:spPr bwMode="auto">
           <a:xfrm>
-            <a:off x="3884613" y="4351338"/>
+            <a:off x="4098925" y="4351338"/>
             <a:ext cx="1287462" cy="369887"/>
           </a:xfrm>
           <a:prstGeom prst="rect">
@@ -50615,7 +49411,7 @@
         </p:blipFill>
         <p:spPr bwMode="auto">
           <a:xfrm>
-            <a:off x="3976688" y="5326063"/>
+            <a:off x="4191000" y="5326063"/>
             <a:ext cx="1003300" cy="987425"/>
           </a:xfrm>
           <a:prstGeom prst="rect">
@@ -50654,7 +49450,7 @@
         </p:nvSpPr>
         <p:spPr>
           <a:xfrm rot="5400000">
-            <a:off x="4202906" y="3032920"/>
+            <a:off x="4417218" y="3032920"/>
             <a:ext cx="466725" cy="125412"/>
           </a:xfrm>
           <a:prstGeom prst="leftRightArrow">
@@ -50708,7 +49504,7 @@
         </p:nvSpPr>
         <p:spPr>
           <a:xfrm rot="5400000">
-            <a:off x="4156869" y="4893469"/>
+            <a:off x="4371181" y="4893469"/>
             <a:ext cx="554037" cy="130175"/>
           </a:xfrm>
           <a:prstGeom prst="leftRightArrow">
@@ -50764,7 +49560,7 @@
         </p:nvSpPr>
         <p:spPr bwMode="auto">
           <a:xfrm>
-            <a:off x="4011613" y="6302375"/>
+            <a:off x="4225925" y="6302375"/>
             <a:ext cx="928687" cy="369888"/>
           </a:xfrm>
           <a:prstGeom prst="rect">
@@ -50913,8 +49709,8 @@
         </p:nvSpPr>
         <p:spPr>
           <a:xfrm>
-            <a:off x="5232400" y="2292350"/>
-            <a:ext cx="873125" cy="392113"/>
+            <a:off x="5446713" y="2292350"/>
+            <a:ext cx="768350" cy="392113"/>
           </a:xfrm>
           <a:prstGeom prst="leftRightArrow">
             <a:avLst/>
@@ -50967,7 +49763,7 @@
         </p:nvSpPr>
         <p:spPr>
           <a:xfrm>
-            <a:off x="1471613" y="4138613"/>
+            <a:off x="1685925" y="4138613"/>
             <a:ext cx="439737" cy="523875"/>
           </a:xfrm>
           <a:prstGeom prst="rect">
@@ -51005,7 +49801,7 @@
         </p:nvSpPr>
         <p:spPr>
           <a:xfrm>
-            <a:off x="2220913" y="2292350"/>
+            <a:off x="2435225" y="2292350"/>
             <a:ext cx="1323975" cy="392113"/>
           </a:xfrm>
           <a:prstGeom prst="leftRightArrow">
@@ -51059,7 +49855,7 @@
         </p:nvSpPr>
         <p:spPr>
           <a:xfrm rot="20097043">
-            <a:off x="2155825" y="2959100"/>
+            <a:off x="2370137" y="2959100"/>
             <a:ext cx="1474788" cy="392113"/>
           </a:xfrm>
           <a:prstGeom prst="leftRightArrow">
@@ -51113,7 +49909,7 @@
         </p:nvSpPr>
         <p:spPr>
           <a:xfrm>
-            <a:off x="1236663" y="2136775"/>
+            <a:off x="1450975" y="2136775"/>
             <a:ext cx="908050" cy="725488"/>
           </a:xfrm>
           <a:prstGeom prst="rect">
@@ -51168,7 +49964,7 @@
         </p:nvSpPr>
         <p:spPr>
           <a:xfrm>
-            <a:off x="1233488" y="3206750"/>
+            <a:off x="1447800" y="3206750"/>
             <a:ext cx="909637" cy="725488"/>
           </a:xfrm>
           <a:prstGeom prst="rect">
@@ -51238,7 +50034,7 @@
         </p:blipFill>
         <p:spPr bwMode="auto">
           <a:xfrm>
-            <a:off x="6480175" y="2125663"/>
+            <a:off x="6694487" y="2125663"/>
             <a:ext cx="846138" cy="720725"/>
           </a:xfrm>
           <a:prstGeom prst="rect">
@@ -51279,7 +50075,7 @@
         </p:nvSpPr>
         <p:spPr bwMode="auto">
           <a:xfrm>
-            <a:off x="3513138" y="1050925"/>
+            <a:off x="3727450" y="1050925"/>
             <a:ext cx="1031875" cy="369888"/>
           </a:xfrm>
           <a:prstGeom prst="rect">
@@ -51414,9 +50210,67 @@
           <a:p>
             <a:pPr eaLnBrk="1" hangingPunct="1"/>
             <a:r>
-              <a:rPr lang="en-US" b="1"/>
+              <a:rPr lang="en-US" b="1" dirty="0"/>
               <a:t>Cashier</a:t>
             </a:r>
+          </a:p>
+        </p:txBody>
+      </p:sp>
+      <p:sp>
+        <p:nvSpPr>
+          <p:cNvPr id="2" name="TextBox 1"/>
+          <p:cNvSpPr txBox="1"/>
+          <p:nvPr/>
+        </p:nvSpPr>
+        <p:spPr>
+          <a:xfrm>
+            <a:off x="6012001" y="5740224"/>
+            <a:ext cx="3057247" cy="923330"/>
+          </a:xfrm>
+          <a:prstGeom prst="rect">
+            <a:avLst/>
+          </a:prstGeom>
+          <a:noFill/>
+        </p:spPr>
+        <p:txBody>
+          <a:bodyPr wrap="none" rtlCol="0">
+            <a:spAutoFit/>
+          </a:bodyPr>
+          <a:lstStyle/>
+          <a:p>
+            <a:r>
+              <a:rPr lang="en-US" dirty="0" smtClean="0"/>
+              <a:t>SMO: Smart Menu Ordering</a:t>
+            </a:r>
+          </a:p>
+          <a:p>
+            <a:r>
+              <a:rPr lang="en-US" dirty="0" smtClean="0"/>
+              <a:t>SMR: </a:t>
+            </a:r>
+            <a:r>
+              <a:rPr lang="en-US" dirty="0"/>
+              <a:t>Smart Menu </a:t>
+            </a:r>
+            <a:r>
+              <a:rPr lang="en-US" dirty="0" smtClean="0"/>
+              <a:t>Receiver</a:t>
+            </a:r>
+          </a:p>
+          <a:p>
+            <a:r>
+              <a:rPr lang="en-US" dirty="0" smtClean="0"/>
+              <a:t>SMC: </a:t>
+            </a:r>
+            <a:r>
+              <a:rPr lang="en-US" dirty="0"/>
+              <a:t>Smart Menu </a:t>
+            </a:r>
+            <a:r>
+              <a:rPr lang="en-US" dirty="0" smtClean="0"/>
+              <a:t>Chef</a:t>
+            </a:r>
+            <a:endParaRPr lang="en-US" dirty="0"/>
           </a:p>
         </p:txBody>
       </p:sp>
@@ -59225,14 +58079,7 @@
                 <a:latin typeface="+mn-lt"/>
                 <a:sym typeface="Wingdings" pitchFamily="2" charset="2"/>
               </a:rPr>
-              <a:t>High expense</a:t>
-            </a:r>
-            <a:r>
-              <a:rPr lang="en-US" sz="2400" i="1" dirty="0" smtClean="0">
-                <a:latin typeface="+mn-lt"/>
-                <a:sym typeface="Wingdings" pitchFamily="2" charset="2"/>
-              </a:rPr>
-              <a:t> </a:t>
+              <a:t>High expense </a:t>
             </a:r>
             <a:r>
               <a:rPr lang="en-US" sz="2400" i="1" dirty="0">
